--- a/notes/贪心.pptx
+++ b/notes/贪心.pptx
@@ -255,7 +255,7 @@
           <a:p>
             <a:fld id="{F19D8ACC-391D-4379-BEAC-8A43BF7C28CE}" type="datetimeFigureOut">
               <a:rPr lang="zh-CN" altLang="en-US" smtClean="0"/>
-              <a:t>2017/7/21</a:t>
+              <a:t>2017/7/22</a:t>
             </a:fld>
             <a:endParaRPr lang="zh-CN" altLang="en-US"/>
           </a:p>
@@ -425,7 +425,7 @@
           <a:p>
             <a:fld id="{F19D8ACC-391D-4379-BEAC-8A43BF7C28CE}" type="datetimeFigureOut">
               <a:rPr lang="zh-CN" altLang="en-US" smtClean="0"/>
-              <a:t>2017/7/21</a:t>
+              <a:t>2017/7/22</a:t>
             </a:fld>
             <a:endParaRPr lang="zh-CN" altLang="en-US"/>
           </a:p>
@@ -605,7 +605,7 @@
           <a:p>
             <a:fld id="{F19D8ACC-391D-4379-BEAC-8A43BF7C28CE}" type="datetimeFigureOut">
               <a:rPr lang="zh-CN" altLang="en-US" smtClean="0"/>
-              <a:t>2017/7/21</a:t>
+              <a:t>2017/7/22</a:t>
             </a:fld>
             <a:endParaRPr lang="zh-CN" altLang="en-US"/>
           </a:p>
@@ -775,7 +775,7 @@
           <a:p>
             <a:fld id="{F19D8ACC-391D-4379-BEAC-8A43BF7C28CE}" type="datetimeFigureOut">
               <a:rPr lang="zh-CN" altLang="en-US" smtClean="0"/>
-              <a:t>2017/7/21</a:t>
+              <a:t>2017/7/22</a:t>
             </a:fld>
             <a:endParaRPr lang="zh-CN" altLang="en-US"/>
           </a:p>
@@ -1021,7 +1021,7 @@
           <a:p>
             <a:fld id="{F19D8ACC-391D-4379-BEAC-8A43BF7C28CE}" type="datetimeFigureOut">
               <a:rPr lang="zh-CN" altLang="en-US" smtClean="0"/>
-              <a:t>2017/7/21</a:t>
+              <a:t>2017/7/22</a:t>
             </a:fld>
             <a:endParaRPr lang="zh-CN" altLang="en-US"/>
           </a:p>
@@ -1253,7 +1253,7 @@
           <a:p>
             <a:fld id="{F19D8ACC-391D-4379-BEAC-8A43BF7C28CE}" type="datetimeFigureOut">
               <a:rPr lang="zh-CN" altLang="en-US" smtClean="0"/>
-              <a:t>2017/7/21</a:t>
+              <a:t>2017/7/22</a:t>
             </a:fld>
             <a:endParaRPr lang="zh-CN" altLang="en-US"/>
           </a:p>
@@ -1620,7 +1620,7 @@
           <a:p>
             <a:fld id="{F19D8ACC-391D-4379-BEAC-8A43BF7C28CE}" type="datetimeFigureOut">
               <a:rPr lang="zh-CN" altLang="en-US" smtClean="0"/>
-              <a:t>2017/7/21</a:t>
+              <a:t>2017/7/22</a:t>
             </a:fld>
             <a:endParaRPr lang="zh-CN" altLang="en-US"/>
           </a:p>
@@ -1738,7 +1738,7 @@
           <a:p>
             <a:fld id="{F19D8ACC-391D-4379-BEAC-8A43BF7C28CE}" type="datetimeFigureOut">
               <a:rPr lang="zh-CN" altLang="en-US" smtClean="0"/>
-              <a:t>2017/7/21</a:t>
+              <a:t>2017/7/22</a:t>
             </a:fld>
             <a:endParaRPr lang="zh-CN" altLang="en-US"/>
           </a:p>
@@ -1833,7 +1833,7 @@
           <a:p>
             <a:fld id="{F19D8ACC-391D-4379-BEAC-8A43BF7C28CE}" type="datetimeFigureOut">
               <a:rPr lang="zh-CN" altLang="en-US" smtClean="0"/>
-              <a:t>2017/7/21</a:t>
+              <a:t>2017/7/22</a:t>
             </a:fld>
             <a:endParaRPr lang="zh-CN" altLang="en-US"/>
           </a:p>
@@ -2110,7 +2110,7 @@
           <a:p>
             <a:fld id="{F19D8ACC-391D-4379-BEAC-8A43BF7C28CE}" type="datetimeFigureOut">
               <a:rPr lang="zh-CN" altLang="en-US" smtClean="0"/>
-              <a:t>2017/7/21</a:t>
+              <a:t>2017/7/22</a:t>
             </a:fld>
             <a:endParaRPr lang="zh-CN" altLang="en-US"/>
           </a:p>
@@ -2363,7 +2363,7 @@
           <a:p>
             <a:fld id="{F19D8ACC-391D-4379-BEAC-8A43BF7C28CE}" type="datetimeFigureOut">
               <a:rPr lang="zh-CN" altLang="en-US" smtClean="0"/>
-              <a:t>2017/7/21</a:t>
+              <a:t>2017/7/22</a:t>
             </a:fld>
             <a:endParaRPr lang="zh-CN" altLang="en-US"/>
           </a:p>
@@ -2576,7 +2576,7 @@
           <a:p>
             <a:fld id="{F19D8ACC-391D-4379-BEAC-8A43BF7C28CE}" type="datetimeFigureOut">
               <a:rPr lang="zh-CN" altLang="en-US" smtClean="0"/>
-              <a:t>2017/7/21</a:t>
+              <a:t>2017/7/22</a:t>
             </a:fld>
             <a:endParaRPr lang="zh-CN" altLang="en-US"/>
           </a:p>
@@ -4059,15 +4059,57 @@
           <a:p>
             <a:r>
               <a:rPr lang="zh-CN" altLang="en-US" dirty="0" smtClean="0"/>
-              <a:t>能用贪心法解决的问题：全局最优解可以通过一系列局部最优选择得到</a:t>
+              <a:t>能用贪心法解决的问题：全局最优解可以通过一系列局部最优选择</a:t>
+            </a:r>
+            <a:r>
+              <a:rPr lang="zh-CN" altLang="en-US" dirty="0" smtClean="0"/>
+              <a:t>得到</a:t>
             </a:r>
             <a:endParaRPr lang="en-US" altLang="zh-CN" dirty="0" smtClean="0"/>
           </a:p>
           <a:p>
             <a:r>
               <a:rPr lang="zh-CN" altLang="en-US" dirty="0" smtClean="0"/>
-              <a:t>通常对输入进行排序以便得到当前最优选择</a:t>
-            </a:r>
+              <a:t>问题须满足无后效性（</a:t>
+            </a:r>
+            <a:r>
+              <a:rPr lang="zh-CN" altLang="en-US" dirty="0"/>
+              <a:t>以前出现</a:t>
+            </a:r>
+            <a:r>
+              <a:rPr lang="zh-CN" altLang="en-US" dirty="0" smtClean="0"/>
+              <a:t>状态和以前</a:t>
+            </a:r>
+            <a:r>
+              <a:rPr lang="zh-CN" altLang="en-US" dirty="0"/>
+              <a:t>状态的变化过程 不会</a:t>
+            </a:r>
+            <a:r>
+              <a:rPr lang="zh-CN" altLang="en-US" dirty="0" smtClean="0"/>
+              <a:t>影响将来</a:t>
+            </a:r>
+            <a:r>
+              <a:rPr lang="zh-CN" altLang="en-US" dirty="0"/>
+              <a:t>的变化</a:t>
+            </a:r>
+            <a:r>
+              <a:rPr lang="zh-CN" altLang="en-US" dirty="0" smtClean="0"/>
+              <a:t>）</a:t>
+            </a:r>
+            <a:endParaRPr lang="en-US" altLang="zh-CN" dirty="0" smtClean="0"/>
+          </a:p>
+          <a:p>
+            <a:r>
+              <a:rPr lang="zh-CN" altLang="en-US" dirty="0" smtClean="0"/>
+              <a:t>通常对输入进行排序以便得到当前最优选</a:t>
+            </a:r>
+            <a:r>
+              <a:rPr lang="zh-CN" altLang="en-US" dirty="0" smtClean="0"/>
+              <a:t>择</a:t>
+            </a:r>
+            <a:endParaRPr lang="en-US" altLang="zh-CN" dirty="0" smtClean="0"/>
+          </a:p>
+          <a:p>
             <a:endParaRPr lang="en-US" altLang="zh-CN" dirty="0" smtClean="0"/>
           </a:p>
         </p:txBody>

--- a/notes/贪心.pptx
+++ b/notes/贪心.pptx
@@ -255,7 +255,7 @@
           <a:p>
             <a:fld id="{F19D8ACC-391D-4379-BEAC-8A43BF7C28CE}" type="datetimeFigureOut">
               <a:rPr lang="zh-CN" altLang="en-US" smtClean="0"/>
-              <a:t>2017/7/22</a:t>
+              <a:t>2017/7/24</a:t>
             </a:fld>
             <a:endParaRPr lang="zh-CN" altLang="en-US"/>
           </a:p>
@@ -425,7 +425,7 @@
           <a:p>
             <a:fld id="{F19D8ACC-391D-4379-BEAC-8A43BF7C28CE}" type="datetimeFigureOut">
               <a:rPr lang="zh-CN" altLang="en-US" smtClean="0"/>
-              <a:t>2017/7/22</a:t>
+              <a:t>2017/7/24</a:t>
             </a:fld>
             <a:endParaRPr lang="zh-CN" altLang="en-US"/>
           </a:p>
@@ -605,7 +605,7 @@
           <a:p>
             <a:fld id="{F19D8ACC-391D-4379-BEAC-8A43BF7C28CE}" type="datetimeFigureOut">
               <a:rPr lang="zh-CN" altLang="en-US" smtClean="0"/>
-              <a:t>2017/7/22</a:t>
+              <a:t>2017/7/24</a:t>
             </a:fld>
             <a:endParaRPr lang="zh-CN" altLang="en-US"/>
           </a:p>
@@ -775,7 +775,7 @@
           <a:p>
             <a:fld id="{F19D8ACC-391D-4379-BEAC-8A43BF7C28CE}" type="datetimeFigureOut">
               <a:rPr lang="zh-CN" altLang="en-US" smtClean="0"/>
-              <a:t>2017/7/22</a:t>
+              <a:t>2017/7/24</a:t>
             </a:fld>
             <a:endParaRPr lang="zh-CN" altLang="en-US"/>
           </a:p>
@@ -1021,7 +1021,7 @@
           <a:p>
             <a:fld id="{F19D8ACC-391D-4379-BEAC-8A43BF7C28CE}" type="datetimeFigureOut">
               <a:rPr lang="zh-CN" altLang="en-US" smtClean="0"/>
-              <a:t>2017/7/22</a:t>
+              <a:t>2017/7/24</a:t>
             </a:fld>
             <a:endParaRPr lang="zh-CN" altLang="en-US"/>
           </a:p>
@@ -1253,7 +1253,7 @@
           <a:p>
             <a:fld id="{F19D8ACC-391D-4379-BEAC-8A43BF7C28CE}" type="datetimeFigureOut">
               <a:rPr lang="zh-CN" altLang="en-US" smtClean="0"/>
-              <a:t>2017/7/22</a:t>
+              <a:t>2017/7/24</a:t>
             </a:fld>
             <a:endParaRPr lang="zh-CN" altLang="en-US"/>
           </a:p>
@@ -1620,7 +1620,7 @@
           <a:p>
             <a:fld id="{F19D8ACC-391D-4379-BEAC-8A43BF7C28CE}" type="datetimeFigureOut">
               <a:rPr lang="zh-CN" altLang="en-US" smtClean="0"/>
-              <a:t>2017/7/22</a:t>
+              <a:t>2017/7/24</a:t>
             </a:fld>
             <a:endParaRPr lang="zh-CN" altLang="en-US"/>
           </a:p>
@@ -1738,7 +1738,7 @@
           <a:p>
             <a:fld id="{F19D8ACC-391D-4379-BEAC-8A43BF7C28CE}" type="datetimeFigureOut">
               <a:rPr lang="zh-CN" altLang="en-US" smtClean="0"/>
-              <a:t>2017/7/22</a:t>
+              <a:t>2017/7/24</a:t>
             </a:fld>
             <a:endParaRPr lang="zh-CN" altLang="en-US"/>
           </a:p>
@@ -1833,7 +1833,7 @@
           <a:p>
             <a:fld id="{F19D8ACC-391D-4379-BEAC-8A43BF7C28CE}" type="datetimeFigureOut">
               <a:rPr lang="zh-CN" altLang="en-US" smtClean="0"/>
-              <a:t>2017/7/22</a:t>
+              <a:t>2017/7/24</a:t>
             </a:fld>
             <a:endParaRPr lang="zh-CN" altLang="en-US"/>
           </a:p>
@@ -2110,7 +2110,7 @@
           <a:p>
             <a:fld id="{F19D8ACC-391D-4379-BEAC-8A43BF7C28CE}" type="datetimeFigureOut">
               <a:rPr lang="zh-CN" altLang="en-US" smtClean="0"/>
-              <a:t>2017/7/22</a:t>
+              <a:t>2017/7/24</a:t>
             </a:fld>
             <a:endParaRPr lang="zh-CN" altLang="en-US"/>
           </a:p>
@@ -2363,7 +2363,7 @@
           <a:p>
             <a:fld id="{F19D8ACC-391D-4379-BEAC-8A43BF7C28CE}" type="datetimeFigureOut">
               <a:rPr lang="zh-CN" altLang="en-US" smtClean="0"/>
-              <a:t>2017/7/22</a:t>
+              <a:t>2017/7/24</a:t>
             </a:fld>
             <a:endParaRPr lang="zh-CN" altLang="en-US"/>
           </a:p>
@@ -2576,7 +2576,7 @@
           <a:p>
             <a:fld id="{F19D8ACC-391D-4379-BEAC-8A43BF7C28CE}" type="datetimeFigureOut">
               <a:rPr lang="zh-CN" altLang="en-US" smtClean="0"/>
-              <a:t>2017/7/22</a:t>
+              <a:t>2017/7/24</a:t>
             </a:fld>
             <a:endParaRPr lang="zh-CN" altLang="en-US"/>
           </a:p>
@@ -3952,38 +3952,19 @@
           <a:lstStyle/>
           <a:p>
             <a:r>
-              <a:rPr lang="en-US" altLang="zh-CN" dirty="0" smtClean="0"/>
-              <a:t>HDU 2021</a:t>
-            </a:r>
-          </a:p>
-          <a:p>
-            <a:r>
-              <a:rPr lang="en-US" altLang="zh-CN" dirty="0" smtClean="0"/>
-              <a:t>HDU 2111</a:t>
-            </a:r>
-          </a:p>
-          <a:p>
-            <a:r>
-              <a:rPr lang="en-US" altLang="zh-CN" dirty="0" smtClean="0"/>
-              <a:t>HDU 2037</a:t>
-            </a:r>
-          </a:p>
-          <a:p>
-            <a:r>
-              <a:rPr lang="en-US" altLang="zh-CN" dirty="0" smtClean="0"/>
-              <a:t>HDU 4310</a:t>
-            </a:r>
-          </a:p>
-          <a:p>
-            <a:r>
-              <a:rPr lang="en-US" altLang="zh-CN" dirty="0" smtClean="0"/>
-              <a:t>POJ 1700</a:t>
-            </a:r>
-          </a:p>
-          <a:p>
-            <a:r>
-              <a:rPr lang="en-US" altLang="zh-CN" dirty="0" smtClean="0"/>
-              <a:t>POJ 3061</a:t>
+              <a:rPr lang="en-US" altLang="zh-CN" dirty="0"/>
+              <a:t>https://vjudge.net/contest/121719</a:t>
+            </a:r>
+            <a:endParaRPr lang="en-US" altLang="zh-CN" dirty="0" smtClean="0"/>
+          </a:p>
+          <a:p>
+            <a:r>
+              <a:rPr lang="en-US" altLang="zh-CN" dirty="0" smtClean="0"/>
+              <a:t>http</a:t>
+            </a:r>
+            <a:r>
+              <a:rPr lang="en-US" altLang="zh-CN" dirty="0"/>
+              <a:t>://acm.hdu.edu.cn/problemclass.php?id=40</a:t>
             </a:r>
             <a:endParaRPr lang="zh-CN" altLang="en-US" dirty="0"/>
           </a:p>
@@ -4059,11 +4040,7 @@
           <a:p>
             <a:r>
               <a:rPr lang="zh-CN" altLang="en-US" dirty="0" smtClean="0"/>
-              <a:t>能用贪心法解决的问题：全局最优解可以通过一系列局部最优选择</a:t>
-            </a:r>
-            <a:r>
-              <a:rPr lang="zh-CN" altLang="en-US" dirty="0" smtClean="0"/>
-              <a:t>得到</a:t>
+              <a:t>能用贪心法解决的问题：全局最优解可以通过一系列局部最优选择得到</a:t>
             </a:r>
             <a:endParaRPr lang="en-US" altLang="zh-CN" dirty="0" smtClean="0"/>
           </a:p>
@@ -4101,11 +4078,7 @@
           <a:p>
             <a:r>
               <a:rPr lang="zh-CN" altLang="en-US" dirty="0" smtClean="0"/>
-              <a:t>通常对输入进行排序以便得到当前最优选</a:t>
-            </a:r>
-            <a:r>
-              <a:rPr lang="zh-CN" altLang="en-US" dirty="0" smtClean="0"/>
-              <a:t>择</a:t>
+              <a:t>通常对输入进行排序以便得到当前最优选择</a:t>
             </a:r>
             <a:endParaRPr lang="en-US" altLang="zh-CN" dirty="0" smtClean="0"/>
           </a:p>

--- a/notes/贪心.pptx
+++ b/notes/贪心.pptx
@@ -7,17 +7,19 @@
   <p:sldIdLst>
     <p:sldId id="256" r:id="rId2"/>
     <p:sldId id="257" r:id="rId3"/>
-    <p:sldId id="260" r:id="rId4"/>
-    <p:sldId id="259" r:id="rId5"/>
-    <p:sldId id="261" r:id="rId6"/>
-    <p:sldId id="262" r:id="rId7"/>
-    <p:sldId id="263" r:id="rId8"/>
-    <p:sldId id="265" r:id="rId9"/>
-    <p:sldId id="266" r:id="rId10"/>
-    <p:sldId id="267" r:id="rId11"/>
-    <p:sldId id="268" r:id="rId12"/>
-    <p:sldId id="269" r:id="rId13"/>
-    <p:sldId id="264" r:id="rId14"/>
+    <p:sldId id="271" r:id="rId4"/>
+    <p:sldId id="260" r:id="rId5"/>
+    <p:sldId id="259" r:id="rId6"/>
+    <p:sldId id="261" r:id="rId7"/>
+    <p:sldId id="262" r:id="rId8"/>
+    <p:sldId id="270" r:id="rId9"/>
+    <p:sldId id="263" r:id="rId10"/>
+    <p:sldId id="265" r:id="rId11"/>
+    <p:sldId id="266" r:id="rId12"/>
+    <p:sldId id="267" r:id="rId13"/>
+    <p:sldId id="268" r:id="rId14"/>
+    <p:sldId id="269" r:id="rId15"/>
+    <p:sldId id="264" r:id="rId16"/>
   </p:sldIdLst>
   <p:sldSz cx="12192000" cy="6858000"/>
   <p:notesSz cx="6858000" cy="9144000"/>
@@ -255,7 +257,7 @@
           <a:p>
             <a:fld id="{F19D8ACC-391D-4379-BEAC-8A43BF7C28CE}" type="datetimeFigureOut">
               <a:rPr lang="zh-CN" altLang="en-US" smtClean="0"/>
-              <a:t>2017/7/24</a:t>
+              <a:t>2017/7/25</a:t>
             </a:fld>
             <a:endParaRPr lang="zh-CN" altLang="en-US"/>
           </a:p>
@@ -425,7 +427,7 @@
           <a:p>
             <a:fld id="{F19D8ACC-391D-4379-BEAC-8A43BF7C28CE}" type="datetimeFigureOut">
               <a:rPr lang="zh-CN" altLang="en-US" smtClean="0"/>
-              <a:t>2017/7/24</a:t>
+              <a:t>2017/7/25</a:t>
             </a:fld>
             <a:endParaRPr lang="zh-CN" altLang="en-US"/>
           </a:p>
@@ -605,7 +607,7 @@
           <a:p>
             <a:fld id="{F19D8ACC-391D-4379-BEAC-8A43BF7C28CE}" type="datetimeFigureOut">
               <a:rPr lang="zh-CN" altLang="en-US" smtClean="0"/>
-              <a:t>2017/7/24</a:t>
+              <a:t>2017/7/25</a:t>
             </a:fld>
             <a:endParaRPr lang="zh-CN" altLang="en-US"/>
           </a:p>
@@ -775,7 +777,7 @@
           <a:p>
             <a:fld id="{F19D8ACC-391D-4379-BEAC-8A43BF7C28CE}" type="datetimeFigureOut">
               <a:rPr lang="zh-CN" altLang="en-US" smtClean="0"/>
-              <a:t>2017/7/24</a:t>
+              <a:t>2017/7/25</a:t>
             </a:fld>
             <a:endParaRPr lang="zh-CN" altLang="en-US"/>
           </a:p>
@@ -1021,7 +1023,7 @@
           <a:p>
             <a:fld id="{F19D8ACC-391D-4379-BEAC-8A43BF7C28CE}" type="datetimeFigureOut">
               <a:rPr lang="zh-CN" altLang="en-US" smtClean="0"/>
-              <a:t>2017/7/24</a:t>
+              <a:t>2017/7/25</a:t>
             </a:fld>
             <a:endParaRPr lang="zh-CN" altLang="en-US"/>
           </a:p>
@@ -1253,7 +1255,7 @@
           <a:p>
             <a:fld id="{F19D8ACC-391D-4379-BEAC-8A43BF7C28CE}" type="datetimeFigureOut">
               <a:rPr lang="zh-CN" altLang="en-US" smtClean="0"/>
-              <a:t>2017/7/24</a:t>
+              <a:t>2017/7/25</a:t>
             </a:fld>
             <a:endParaRPr lang="zh-CN" altLang="en-US"/>
           </a:p>
@@ -1620,7 +1622,7 @@
           <a:p>
             <a:fld id="{F19D8ACC-391D-4379-BEAC-8A43BF7C28CE}" type="datetimeFigureOut">
               <a:rPr lang="zh-CN" altLang="en-US" smtClean="0"/>
-              <a:t>2017/7/24</a:t>
+              <a:t>2017/7/25</a:t>
             </a:fld>
             <a:endParaRPr lang="zh-CN" altLang="en-US"/>
           </a:p>
@@ -1738,7 +1740,7 @@
           <a:p>
             <a:fld id="{F19D8ACC-391D-4379-BEAC-8A43BF7C28CE}" type="datetimeFigureOut">
               <a:rPr lang="zh-CN" altLang="en-US" smtClean="0"/>
-              <a:t>2017/7/24</a:t>
+              <a:t>2017/7/25</a:t>
             </a:fld>
             <a:endParaRPr lang="zh-CN" altLang="en-US"/>
           </a:p>
@@ -1833,7 +1835,7 @@
           <a:p>
             <a:fld id="{F19D8ACC-391D-4379-BEAC-8A43BF7C28CE}" type="datetimeFigureOut">
               <a:rPr lang="zh-CN" altLang="en-US" smtClean="0"/>
-              <a:t>2017/7/24</a:t>
+              <a:t>2017/7/25</a:t>
             </a:fld>
             <a:endParaRPr lang="zh-CN" altLang="en-US"/>
           </a:p>
@@ -2110,7 +2112,7 @@
           <a:p>
             <a:fld id="{F19D8ACC-391D-4379-BEAC-8A43BF7C28CE}" type="datetimeFigureOut">
               <a:rPr lang="zh-CN" altLang="en-US" smtClean="0"/>
-              <a:t>2017/7/24</a:t>
+              <a:t>2017/7/25</a:t>
             </a:fld>
             <a:endParaRPr lang="zh-CN" altLang="en-US"/>
           </a:p>
@@ -2363,7 +2365,7 @@
           <a:p>
             <a:fld id="{F19D8ACC-391D-4379-BEAC-8A43BF7C28CE}" type="datetimeFigureOut">
               <a:rPr lang="zh-CN" altLang="en-US" smtClean="0"/>
-              <a:t>2017/7/24</a:t>
+              <a:t>2017/7/25</a:t>
             </a:fld>
             <a:endParaRPr lang="zh-CN" altLang="en-US"/>
           </a:p>
@@ -2576,7 +2578,7 @@
           <a:p>
             <a:fld id="{F19D8ACC-391D-4379-BEAC-8A43BF7C28CE}" type="datetimeFigureOut">
               <a:rPr lang="zh-CN" altLang="en-US" smtClean="0"/>
-              <a:t>2017/7/24</a:t>
+              <a:t>2017/7/25</a:t>
             </a:fld>
             <a:endParaRPr lang="zh-CN" altLang="en-US"/>
           </a:p>
@@ -3055,7 +3057,26 @@
       </p:grpSpPr>
       <p:sp>
         <p:nvSpPr>
-          <p:cNvPr id="3" name="内容占位符 2"/>
+          <p:cNvPr id="2" name="标题 1"/>
+          <p:cNvSpPr>
+            <a:spLocks noGrp="1"/>
+          </p:cNvSpPr>
+          <p:nvPr>
+            <p:ph type="title"/>
+          </p:nvPr>
+        </p:nvSpPr>
+        <p:spPr/>
+        <p:txBody>
+          <a:bodyPr/>
+          <a:lstStyle/>
+          <a:p>
+            <a:endParaRPr lang="zh-CN" altLang="en-US"/>
+          </a:p>
+        </p:txBody>
+      </p:sp>
+      <p:sp>
+        <p:nvSpPr>
+          <p:cNvPr id="4" name="内容占位符 3"/>
           <p:cNvSpPr>
             <a:spLocks noGrp="1"/>
           </p:cNvSpPr>
@@ -3063,460 +3084,43 @@
             <p:ph idx="1"/>
           </p:nvPr>
         </p:nvSpPr>
+        <p:spPr/>
+        <p:txBody>
+          <a:bodyPr/>
+          <a:lstStyle/>
+          <a:p>
+            <a:endParaRPr lang="zh-CN" altLang="en-US"/>
+          </a:p>
+        </p:txBody>
+      </p:sp>
+      <p:pic>
+        <p:nvPicPr>
+          <p:cNvPr id="5" name="图片 4"/>
+          <p:cNvPicPr>
+            <a:picLocks noChangeAspect="1"/>
+          </p:cNvPicPr>
+          <p:nvPr/>
+        </p:nvPicPr>
+        <p:blipFill>
+          <a:blip r:embed="rId2"/>
+          <a:stretch>
+            <a:fillRect/>
+          </a:stretch>
+        </p:blipFill>
         <p:spPr>
           <a:xfrm>
-            <a:off x="838200" y="333286"/>
-            <a:ext cx="10515600" cy="5843677"/>
+            <a:off x="940972" y="1825625"/>
+            <a:ext cx="4276725" cy="3019425"/>
           </a:xfrm>
+          <a:prstGeom prst="rect">
+            <a:avLst/>
+          </a:prstGeom>
         </p:spPr>
-        <p:txBody>
-          <a:bodyPr>
-            <a:normAutofit fontScale="55000" lnSpcReduction="20000"/>
-          </a:bodyPr>
-          <a:lstStyle/>
-          <a:p>
-            <a:r>
-              <a:rPr lang="en-US" altLang="zh-CN" dirty="0" err="1" smtClean="0"/>
-              <a:t>struct</a:t>
-            </a:r>
-            <a:r>
-              <a:rPr lang="en-US" altLang="zh-CN" dirty="0" smtClean="0"/>
-              <a:t> </a:t>
-            </a:r>
-            <a:r>
-              <a:rPr lang="en-US" altLang="zh-CN" dirty="0" err="1" smtClean="0"/>
-              <a:t>st</a:t>
-            </a:r>
-            <a:r>
-              <a:rPr lang="en-US" altLang="zh-CN" dirty="0" smtClean="0"/>
-              <a:t>{LL </a:t>
-            </a:r>
-            <a:r>
-              <a:rPr lang="en-US" altLang="zh-CN" dirty="0" err="1" smtClean="0"/>
-              <a:t>a;LL</a:t>
-            </a:r>
-            <a:r>
-              <a:rPr lang="en-US" altLang="zh-CN" dirty="0" smtClean="0"/>
-              <a:t> b;}</a:t>
-            </a:r>
-            <a:r>
-              <a:rPr lang="en-US" altLang="zh-CN" dirty="0" err="1" smtClean="0"/>
-              <a:t>sts</a:t>
-            </a:r>
-            <a:r>
-              <a:rPr lang="en-US" altLang="zh-CN" dirty="0" smtClean="0"/>
-              <a:t>[</a:t>
-            </a:r>
-            <a:r>
-              <a:rPr lang="en-US" altLang="zh-CN" dirty="0" err="1" smtClean="0"/>
-              <a:t>maxn</a:t>
-            </a:r>
-            <a:r>
-              <a:rPr lang="en-US" altLang="zh-CN" dirty="0" smtClean="0"/>
-              <a:t>];</a:t>
-            </a:r>
-          </a:p>
-          <a:p>
-            <a:r>
-              <a:rPr lang="en-US" altLang="zh-CN" dirty="0" err="1" smtClean="0"/>
-              <a:t>bool</a:t>
-            </a:r>
-            <a:r>
-              <a:rPr lang="en-US" altLang="zh-CN" dirty="0" smtClean="0"/>
-              <a:t> </a:t>
-            </a:r>
-            <a:r>
-              <a:rPr lang="en-US" altLang="zh-CN" dirty="0" err="1" smtClean="0"/>
-              <a:t>cmp</a:t>
-            </a:r>
-            <a:r>
-              <a:rPr lang="en-US" altLang="zh-CN" dirty="0" smtClean="0"/>
-              <a:t>(</a:t>
-            </a:r>
-            <a:r>
-              <a:rPr lang="en-US" altLang="zh-CN" dirty="0" err="1" smtClean="0"/>
-              <a:t>st</a:t>
-            </a:r>
-            <a:r>
-              <a:rPr lang="en-US" altLang="zh-CN" dirty="0" smtClean="0"/>
-              <a:t> </a:t>
-            </a:r>
-            <a:r>
-              <a:rPr lang="en-US" altLang="zh-CN" dirty="0" err="1" smtClean="0"/>
-              <a:t>a,st</a:t>
-            </a:r>
-            <a:r>
-              <a:rPr lang="en-US" altLang="zh-CN" dirty="0" smtClean="0"/>
-              <a:t> b){if(</a:t>
-            </a:r>
-            <a:r>
-              <a:rPr lang="en-US" altLang="zh-CN" dirty="0" err="1" smtClean="0"/>
-              <a:t>a.b</a:t>
-            </a:r>
-            <a:r>
-              <a:rPr lang="en-US" altLang="zh-CN" dirty="0" smtClean="0"/>
-              <a:t>==</a:t>
-            </a:r>
-            <a:r>
-              <a:rPr lang="en-US" altLang="zh-CN" dirty="0" err="1" smtClean="0"/>
-              <a:t>b.b</a:t>
-            </a:r>
-            <a:r>
-              <a:rPr lang="en-US" altLang="zh-CN" dirty="0" smtClean="0"/>
-              <a:t>)return </a:t>
-            </a:r>
-            <a:r>
-              <a:rPr lang="en-US" altLang="zh-CN" dirty="0" err="1" smtClean="0"/>
-              <a:t>a.a</a:t>
-            </a:r>
-            <a:r>
-              <a:rPr lang="en-US" altLang="zh-CN" dirty="0" smtClean="0"/>
-              <a:t>&lt;</a:t>
-            </a:r>
-            <a:r>
-              <a:rPr lang="en-US" altLang="zh-CN" dirty="0" err="1" smtClean="0"/>
-              <a:t>b.a;return</a:t>
-            </a:r>
-            <a:r>
-              <a:rPr lang="en-US" altLang="zh-CN" dirty="0" smtClean="0"/>
-              <a:t> </a:t>
-            </a:r>
-            <a:r>
-              <a:rPr lang="en-US" altLang="zh-CN" dirty="0" err="1" smtClean="0"/>
-              <a:t>a.b</a:t>
-            </a:r>
-            <a:r>
-              <a:rPr lang="en-US" altLang="zh-CN" dirty="0" smtClean="0"/>
-              <a:t>&lt;</a:t>
-            </a:r>
-            <a:r>
-              <a:rPr lang="en-US" altLang="zh-CN" dirty="0" err="1" smtClean="0"/>
-              <a:t>b.b</a:t>
-            </a:r>
-            <a:r>
-              <a:rPr lang="en-US" altLang="zh-CN" dirty="0" smtClean="0"/>
-              <a:t>;}</a:t>
-            </a:r>
-          </a:p>
-          <a:p>
-            <a:r>
-              <a:rPr lang="en-US" altLang="zh-CN" dirty="0" err="1" smtClean="0"/>
-              <a:t>int</a:t>
-            </a:r>
-            <a:r>
-              <a:rPr lang="en-US" altLang="zh-CN" dirty="0" smtClean="0"/>
-              <a:t> main()</a:t>
-            </a:r>
-          </a:p>
-          <a:p>
-            <a:r>
-              <a:rPr lang="en-US" altLang="zh-CN" dirty="0" smtClean="0"/>
-              <a:t>{</a:t>
-            </a:r>
-          </a:p>
-          <a:p>
-            <a:r>
-              <a:rPr lang="en-US" altLang="zh-CN" dirty="0" smtClean="0"/>
-              <a:t>    </a:t>
-            </a:r>
-            <a:r>
-              <a:rPr lang="en-US" altLang="zh-CN" dirty="0" err="1" smtClean="0"/>
-              <a:t>int</a:t>
-            </a:r>
-            <a:r>
-              <a:rPr lang="en-US" altLang="zh-CN" dirty="0" smtClean="0"/>
-              <a:t> n;</a:t>
-            </a:r>
-          </a:p>
-          <a:p>
-            <a:r>
-              <a:rPr lang="en-US" altLang="zh-CN" dirty="0" smtClean="0"/>
-              <a:t>    while(</a:t>
-            </a:r>
-            <a:r>
-              <a:rPr lang="en-US" altLang="zh-CN" dirty="0" err="1" smtClean="0"/>
-              <a:t>scanf</a:t>
-            </a:r>
-            <a:r>
-              <a:rPr lang="en-US" altLang="zh-CN" dirty="0" smtClean="0"/>
-              <a:t>("%</a:t>
-            </a:r>
-            <a:r>
-              <a:rPr lang="en-US" altLang="zh-CN" dirty="0" err="1" smtClean="0"/>
-              <a:t>d",&amp;n</a:t>
-            </a:r>
-            <a:r>
-              <a:rPr lang="en-US" altLang="zh-CN" dirty="0" smtClean="0"/>
-              <a:t>)==1)</a:t>
-            </a:r>
-          </a:p>
-          <a:p>
-            <a:r>
-              <a:rPr lang="en-US" altLang="zh-CN" dirty="0" smtClean="0"/>
-              <a:t>    {</a:t>
-            </a:r>
-          </a:p>
-          <a:p>
-            <a:r>
-              <a:rPr lang="en-US" altLang="zh-CN" dirty="0" smtClean="0"/>
-              <a:t>        for(</a:t>
-            </a:r>
-            <a:r>
-              <a:rPr lang="en-US" altLang="zh-CN" dirty="0" err="1" smtClean="0"/>
-              <a:t>int</a:t>
-            </a:r>
-            <a:r>
-              <a:rPr lang="en-US" altLang="zh-CN" dirty="0" smtClean="0"/>
-              <a:t> </a:t>
-            </a:r>
-            <a:r>
-              <a:rPr lang="en-US" altLang="zh-CN" dirty="0" err="1" smtClean="0"/>
-              <a:t>i</a:t>
-            </a:r>
-            <a:r>
-              <a:rPr lang="en-US" altLang="zh-CN" dirty="0" smtClean="0"/>
-              <a:t>=0;i&lt;</a:t>
-            </a:r>
-            <a:r>
-              <a:rPr lang="en-US" altLang="zh-CN" dirty="0" err="1" smtClean="0"/>
-              <a:t>n;i</a:t>
-            </a:r>
-            <a:r>
-              <a:rPr lang="en-US" altLang="zh-CN" dirty="0" smtClean="0"/>
-              <a:t>++)</a:t>
-            </a:r>
-            <a:r>
-              <a:rPr lang="en-US" altLang="zh-CN" dirty="0" err="1" smtClean="0"/>
-              <a:t>scanf</a:t>
-            </a:r>
-            <a:r>
-              <a:rPr lang="en-US" altLang="zh-CN" dirty="0" smtClean="0"/>
-              <a:t>("%I64d%I64d",&amp;sts[</a:t>
-            </a:r>
-            <a:r>
-              <a:rPr lang="en-US" altLang="zh-CN" dirty="0" err="1" smtClean="0"/>
-              <a:t>i</a:t>
-            </a:r>
-            <a:r>
-              <a:rPr lang="en-US" altLang="zh-CN" dirty="0" smtClean="0"/>
-              <a:t>].a,&amp;</a:t>
-            </a:r>
-            <a:r>
-              <a:rPr lang="en-US" altLang="zh-CN" dirty="0" err="1" smtClean="0"/>
-              <a:t>sts</a:t>
-            </a:r>
-            <a:r>
-              <a:rPr lang="en-US" altLang="zh-CN" dirty="0" smtClean="0"/>
-              <a:t>[</a:t>
-            </a:r>
-            <a:r>
-              <a:rPr lang="en-US" altLang="zh-CN" dirty="0" err="1" smtClean="0"/>
-              <a:t>i</a:t>
-            </a:r>
-            <a:r>
-              <a:rPr lang="en-US" altLang="zh-CN" dirty="0" smtClean="0"/>
-              <a:t>].b);</a:t>
-            </a:r>
-          </a:p>
-          <a:p>
-            <a:r>
-              <a:rPr lang="en-US" altLang="zh-CN" dirty="0" smtClean="0"/>
-              <a:t>        sort(</a:t>
-            </a:r>
-            <a:r>
-              <a:rPr lang="en-US" altLang="zh-CN" dirty="0" err="1" smtClean="0"/>
-              <a:t>sts,sts+n,cmp</a:t>
-            </a:r>
-            <a:r>
-              <a:rPr lang="en-US" altLang="zh-CN" dirty="0" smtClean="0"/>
-              <a:t>);</a:t>
-            </a:r>
-          </a:p>
-          <a:p>
-            <a:r>
-              <a:rPr lang="en-US" altLang="zh-CN" dirty="0" smtClean="0"/>
-              <a:t>        </a:t>
-            </a:r>
-            <a:r>
-              <a:rPr lang="en-US" altLang="zh-CN" dirty="0" err="1" smtClean="0"/>
-              <a:t>int</a:t>
-            </a:r>
-            <a:r>
-              <a:rPr lang="en-US" altLang="zh-CN" dirty="0" smtClean="0"/>
-              <a:t> </a:t>
-            </a:r>
-            <a:r>
-              <a:rPr lang="en-US" altLang="zh-CN" dirty="0" err="1" smtClean="0"/>
-              <a:t>ans</a:t>
-            </a:r>
-            <a:r>
-              <a:rPr lang="en-US" altLang="zh-CN" dirty="0" smtClean="0"/>
-              <a:t>=1;int mx=1;</a:t>
-            </a:r>
-          </a:p>
-          <a:p>
-            <a:r>
-              <a:rPr lang="en-US" altLang="zh-CN" dirty="0" smtClean="0"/>
-              <a:t>        for(</a:t>
-            </a:r>
-            <a:r>
-              <a:rPr lang="en-US" altLang="zh-CN" dirty="0" err="1" smtClean="0"/>
-              <a:t>int</a:t>
-            </a:r>
-            <a:r>
-              <a:rPr lang="en-US" altLang="zh-CN" dirty="0" smtClean="0"/>
-              <a:t> </a:t>
-            </a:r>
-            <a:r>
-              <a:rPr lang="en-US" altLang="zh-CN" dirty="0" err="1" smtClean="0"/>
-              <a:t>i</a:t>
-            </a:r>
-            <a:r>
-              <a:rPr lang="en-US" altLang="zh-CN" dirty="0" smtClean="0"/>
-              <a:t>=0;i&lt;</a:t>
-            </a:r>
-            <a:r>
-              <a:rPr lang="en-US" altLang="zh-CN" dirty="0" err="1" smtClean="0"/>
-              <a:t>n;i</a:t>
-            </a:r>
-            <a:r>
-              <a:rPr lang="en-US" altLang="zh-CN" dirty="0" smtClean="0"/>
-              <a:t>++)</a:t>
-            </a:r>
-          </a:p>
-          <a:p>
-            <a:r>
-              <a:rPr lang="en-US" altLang="zh-CN" dirty="0" smtClean="0"/>
-              <a:t>        {</a:t>
-            </a:r>
-          </a:p>
-          <a:p>
-            <a:r>
-              <a:rPr lang="en-US" altLang="zh-CN" dirty="0" smtClean="0"/>
-              <a:t>            mx=1;</a:t>
-            </a:r>
-          </a:p>
-          <a:p>
-            <a:r>
-              <a:rPr lang="en-US" altLang="zh-CN" dirty="0" smtClean="0"/>
-              <a:t>            for(</a:t>
-            </a:r>
-            <a:r>
-              <a:rPr lang="en-US" altLang="zh-CN" dirty="0" err="1" smtClean="0"/>
-              <a:t>int</a:t>
-            </a:r>
-            <a:r>
-              <a:rPr lang="en-US" altLang="zh-CN" dirty="0" smtClean="0"/>
-              <a:t> j=i+1;j&lt;</a:t>
-            </a:r>
-            <a:r>
-              <a:rPr lang="en-US" altLang="zh-CN" dirty="0" err="1" smtClean="0"/>
-              <a:t>n;j</a:t>
-            </a:r>
-            <a:r>
-              <a:rPr lang="en-US" altLang="zh-CN" dirty="0" smtClean="0"/>
-              <a:t>++)if(</a:t>
-            </a:r>
-            <a:r>
-              <a:rPr lang="en-US" altLang="zh-CN" dirty="0" err="1" smtClean="0"/>
-              <a:t>sts</a:t>
-            </a:r>
-            <a:r>
-              <a:rPr lang="en-US" altLang="zh-CN" dirty="0" smtClean="0"/>
-              <a:t>[</a:t>
-            </a:r>
-            <a:r>
-              <a:rPr lang="en-US" altLang="zh-CN" dirty="0" err="1" smtClean="0"/>
-              <a:t>i</a:t>
-            </a:r>
-            <a:r>
-              <a:rPr lang="en-US" altLang="zh-CN" dirty="0" smtClean="0"/>
-              <a:t>].b&gt;</a:t>
-            </a:r>
-            <a:r>
-              <a:rPr lang="en-US" altLang="zh-CN" dirty="0" err="1" smtClean="0"/>
-              <a:t>sts</a:t>
-            </a:r>
-            <a:r>
-              <a:rPr lang="en-US" altLang="zh-CN" dirty="0" smtClean="0"/>
-              <a:t>[j].a) mx++;</a:t>
-            </a:r>
-          </a:p>
-          <a:p>
-            <a:r>
-              <a:rPr lang="en-US" altLang="zh-CN" dirty="0" smtClean="0"/>
-              <a:t>            </a:t>
-            </a:r>
-            <a:r>
-              <a:rPr lang="en-US" altLang="zh-CN" dirty="0" err="1" smtClean="0"/>
-              <a:t>ans</a:t>
-            </a:r>
-            <a:r>
-              <a:rPr lang="en-US" altLang="zh-CN" dirty="0" smtClean="0"/>
-              <a:t>=max(</a:t>
-            </a:r>
-            <a:r>
-              <a:rPr lang="en-US" altLang="zh-CN" dirty="0" err="1" smtClean="0"/>
-              <a:t>mx,ans</a:t>
-            </a:r>
-            <a:r>
-              <a:rPr lang="en-US" altLang="zh-CN" dirty="0" smtClean="0"/>
-              <a:t>);</a:t>
-            </a:r>
-          </a:p>
-          <a:p>
-            <a:r>
-              <a:rPr lang="en-US" altLang="zh-CN" dirty="0" smtClean="0"/>
-              <a:t>        }</a:t>
-            </a:r>
-          </a:p>
-          <a:p>
-            <a:r>
-              <a:rPr lang="en-US" altLang="zh-CN" dirty="0" smtClean="0"/>
-              <a:t>        </a:t>
-            </a:r>
-            <a:r>
-              <a:rPr lang="en-US" altLang="zh-CN" dirty="0" err="1" smtClean="0"/>
-              <a:t>printf</a:t>
-            </a:r>
-            <a:r>
-              <a:rPr lang="en-US" altLang="zh-CN" dirty="0" smtClean="0"/>
-              <a:t>("%d\n",</a:t>
-            </a:r>
-            <a:r>
-              <a:rPr lang="en-US" altLang="zh-CN" dirty="0" err="1" smtClean="0"/>
-              <a:t>ans</a:t>
-            </a:r>
-            <a:r>
-              <a:rPr lang="en-US" altLang="zh-CN" dirty="0" smtClean="0"/>
-              <a:t>);</a:t>
-            </a:r>
-          </a:p>
-          <a:p>
-            <a:r>
-              <a:rPr lang="en-US" altLang="zh-CN" dirty="0" smtClean="0"/>
-              <a:t>    }</a:t>
-            </a:r>
-          </a:p>
-          <a:p>
-            <a:r>
-              <a:rPr lang="en-US" altLang="zh-CN" dirty="0" smtClean="0"/>
-              <a:t>    return 0;</a:t>
-            </a:r>
-          </a:p>
-          <a:p>
-            <a:r>
-              <a:rPr lang="en-US" altLang="zh-CN" dirty="0" smtClean="0"/>
-              <a:t>}</a:t>
-            </a:r>
-            <a:endParaRPr lang="zh-CN" altLang="en-US" dirty="0"/>
-          </a:p>
-        </p:txBody>
-      </p:sp>
+      </p:pic>
     </p:spTree>
     <p:extLst>
       <p:ext uri="{BB962C8B-B14F-4D97-AF65-F5344CB8AC3E}">
-        <p14:creationId xmlns:p14="http://schemas.microsoft.com/office/powerpoint/2010/main" val="1047846804"/>
+        <p14:creationId xmlns:p14="http://schemas.microsoft.com/office/powerpoint/2010/main" val="2465979588"/>
       </p:ext>
     </p:extLst>
   </p:cSld>
@@ -3581,170 +3185,45 @@
           <a:lstStyle/>
           <a:p>
             <a:r>
+              <a:rPr lang="zh-CN" altLang="en-US" dirty="0" smtClean="0"/>
+              <a:t>有</a:t>
+            </a:r>
+            <a:r>
+              <a:rPr lang="zh-CN" altLang="en-US" dirty="0" smtClean="0"/>
+              <a:t>若干个活动，第</a:t>
+            </a:r>
+            <a:r>
+              <a:rPr lang="en-US" altLang="zh-CN" dirty="0" err="1" smtClean="0"/>
+              <a:t>i</a:t>
+            </a:r>
+            <a:r>
+              <a:rPr lang="zh-CN" altLang="en-US" dirty="0" smtClean="0"/>
+              <a:t>个开始时间和结束时间是</a:t>
+            </a:r>
+            <a:r>
               <a:rPr lang="en-US" altLang="zh-CN" dirty="0" smtClean="0"/>
-              <a:t>51nod 1205</a:t>
-            </a:r>
-          </a:p>
-          <a:p>
-            <a:r>
-              <a:rPr lang="en-US" altLang="zh-CN" dirty="0"/>
-              <a:t>N</a:t>
-            </a:r>
-            <a:r>
-              <a:rPr lang="zh-CN" altLang="en-US" dirty="0"/>
-              <a:t>个作业</a:t>
-            </a:r>
-            <a:r>
-              <a:rPr lang="en-US" altLang="zh-CN" dirty="0"/>
-              <a:t>{1</a:t>
-            </a:r>
-            <a:r>
-              <a:rPr lang="zh-CN" altLang="en-US" dirty="0"/>
-              <a:t>，</a:t>
-            </a:r>
-            <a:r>
-              <a:rPr lang="en-US" altLang="zh-CN" dirty="0"/>
-              <a:t>2</a:t>
-            </a:r>
-            <a:r>
-              <a:rPr lang="zh-CN" altLang="en-US" dirty="0"/>
-              <a:t>，</a:t>
-            </a:r>
-            <a:r>
-              <a:rPr lang="en-US" altLang="zh-CN" dirty="0"/>
-              <a:t>…</a:t>
-            </a:r>
-            <a:r>
-              <a:rPr lang="zh-CN" altLang="en-US" dirty="0"/>
-              <a:t>，</a:t>
-            </a:r>
-            <a:r>
-              <a:rPr lang="en-US" altLang="zh-CN" dirty="0"/>
-              <a:t>n}</a:t>
-            </a:r>
-            <a:r>
-              <a:rPr lang="zh-CN" altLang="en-US" dirty="0"/>
-              <a:t>要在由</a:t>
-            </a:r>
-            <a:r>
-              <a:rPr lang="en-US" altLang="zh-CN" dirty="0"/>
-              <a:t>2</a:t>
-            </a:r>
-            <a:r>
-              <a:rPr lang="zh-CN" altLang="en-US" dirty="0"/>
-              <a:t>台机器</a:t>
-            </a:r>
-            <a:r>
-              <a:rPr lang="en-US" altLang="zh-CN" dirty="0"/>
-              <a:t>M1</a:t>
-            </a:r>
-            <a:r>
-              <a:rPr lang="zh-CN" altLang="en-US" dirty="0"/>
-              <a:t>和</a:t>
-            </a:r>
-            <a:r>
-              <a:rPr lang="en-US" altLang="zh-CN" dirty="0"/>
-              <a:t>M2</a:t>
-            </a:r>
-            <a:r>
-              <a:rPr lang="zh-CN" altLang="en-US" dirty="0"/>
-              <a:t>组成的流水线上完成加工。每个作业加工的顺序都是先在</a:t>
-            </a:r>
-            <a:r>
-              <a:rPr lang="en-US" altLang="zh-CN" dirty="0"/>
-              <a:t>M1</a:t>
-            </a:r>
-            <a:r>
-              <a:rPr lang="zh-CN" altLang="en-US" dirty="0"/>
-              <a:t>上加工，然后在</a:t>
-            </a:r>
-            <a:r>
-              <a:rPr lang="en-US" altLang="zh-CN" dirty="0"/>
-              <a:t>M2</a:t>
-            </a:r>
-            <a:r>
-              <a:rPr lang="zh-CN" altLang="en-US" dirty="0"/>
-              <a:t>上加工。</a:t>
-            </a:r>
-            <a:r>
-              <a:rPr lang="en-US" altLang="zh-CN" dirty="0"/>
-              <a:t>M1</a:t>
-            </a:r>
-            <a:r>
-              <a:rPr lang="zh-CN" altLang="en-US" dirty="0"/>
-              <a:t>和</a:t>
-            </a:r>
-            <a:r>
-              <a:rPr lang="en-US" altLang="zh-CN" dirty="0"/>
-              <a:t>M2</a:t>
-            </a:r>
-            <a:r>
-              <a:rPr lang="zh-CN" altLang="en-US" dirty="0"/>
-              <a:t>加工作业</a:t>
-            </a:r>
-            <a:r>
-              <a:rPr lang="en-US" altLang="zh-CN" dirty="0" err="1"/>
-              <a:t>i</a:t>
-            </a:r>
-            <a:r>
-              <a:rPr lang="zh-CN" altLang="en-US" dirty="0"/>
-              <a:t>所需的时间分别为</a:t>
-            </a:r>
-            <a:r>
-              <a:rPr lang="en-US" altLang="zh-CN" dirty="0"/>
-              <a:t>a[</a:t>
-            </a:r>
-            <a:r>
-              <a:rPr lang="en-US" altLang="zh-CN" dirty="0" err="1"/>
-              <a:t>i</a:t>
-            </a:r>
-            <a:r>
-              <a:rPr lang="en-US" altLang="zh-CN" dirty="0"/>
-              <a:t>]</a:t>
-            </a:r>
-            <a:r>
-              <a:rPr lang="zh-CN" altLang="en-US" dirty="0"/>
-              <a:t>和</a:t>
-            </a:r>
-            <a:r>
-              <a:rPr lang="en-US" altLang="zh-CN" dirty="0"/>
-              <a:t>b[</a:t>
-            </a:r>
-            <a:r>
-              <a:rPr lang="en-US" altLang="zh-CN" dirty="0" err="1"/>
-              <a:t>i</a:t>
-            </a:r>
-            <a:r>
-              <a:rPr lang="en-US" altLang="zh-CN" dirty="0"/>
-              <a:t>]</a:t>
-            </a:r>
-            <a:r>
-              <a:rPr lang="zh-CN" altLang="en-US" dirty="0"/>
-              <a:t>。你可以安排每个作业的执行顺序，使得从第一个作业在机器</a:t>
-            </a:r>
-            <a:r>
-              <a:rPr lang="en-US" altLang="zh-CN" dirty="0"/>
-              <a:t>M1</a:t>
-            </a:r>
-            <a:r>
-              <a:rPr lang="zh-CN" altLang="en-US" dirty="0"/>
-              <a:t>上开始加工，到最后一个作业在机器</a:t>
-            </a:r>
-            <a:r>
-              <a:rPr lang="en-US" altLang="zh-CN" dirty="0"/>
-              <a:t>M2</a:t>
-            </a:r>
-            <a:r>
-              <a:rPr lang="zh-CN" altLang="en-US" dirty="0"/>
-              <a:t>上加工完成所需的时间最少。求这个最少的时间。</a:t>
-            </a:r>
+              <a:t>[</a:t>
+            </a:r>
+            <a:r>
+              <a:rPr lang="en-US" altLang="zh-CN" dirty="0" err="1" smtClean="0"/>
+              <a:t>Si,fi</a:t>
+            </a:r>
+            <a:r>
+              <a:rPr lang="en-US" altLang="zh-CN" dirty="0" smtClean="0"/>
+              <a:t>)</a:t>
+            </a:r>
+            <a:r>
+              <a:rPr lang="zh-CN" altLang="en-US" dirty="0" smtClean="0"/>
+              <a:t>，同一个教室安排的活动之间不能交叠，求要安排所有活动，最少需要几个教室？ </a:t>
+            </a:r>
+            <a:endParaRPr lang="zh-CN" altLang="en-US" dirty="0"/>
           </a:p>
         </p:txBody>
       </p:sp>
     </p:spTree>
     <p:extLst>
       <p:ext uri="{BB962C8B-B14F-4D97-AF65-F5344CB8AC3E}">
-        <p14:creationId xmlns:p14="http://schemas.microsoft.com/office/powerpoint/2010/main" val="3951544910"/>
+        <p14:creationId xmlns:p14="http://schemas.microsoft.com/office/powerpoint/2010/main" val="2170459796"/>
       </p:ext>
     </p:extLst>
   </p:cSld>
@@ -3771,6 +3250,284 @@
           <a:chExt cx="0" cy="0"/>
         </a:xfrm>
       </p:grpSpPr>
+      <p:pic>
+        <p:nvPicPr>
+          <p:cNvPr id="4" name="内容占位符 3"/>
+          <p:cNvPicPr>
+            <a:picLocks noGrp="1" noChangeAspect="1"/>
+          </p:cNvPicPr>
+          <p:nvPr>
+            <p:ph idx="1"/>
+          </p:nvPr>
+        </p:nvPicPr>
+        <p:blipFill>
+          <a:blip r:embed="rId2"/>
+          <a:stretch>
+            <a:fillRect/>
+          </a:stretch>
+        </p:blipFill>
+        <p:spPr>
+          <a:xfrm>
+            <a:off x="330660" y="309629"/>
+            <a:ext cx="7172325" cy="4933950"/>
+          </a:xfrm>
+          <a:prstGeom prst="rect">
+            <a:avLst/>
+          </a:prstGeom>
+        </p:spPr>
+      </p:pic>
+    </p:spTree>
+    <p:extLst>
+      <p:ext uri="{BB962C8B-B14F-4D97-AF65-F5344CB8AC3E}">
+        <p14:creationId xmlns:p14="http://schemas.microsoft.com/office/powerpoint/2010/main" val="1047846804"/>
+      </p:ext>
+    </p:extLst>
+  </p:cSld>
+  <p:clrMapOvr>
+    <a:masterClrMapping/>
+  </p:clrMapOvr>
+</p:sld>
+</file>
+
+<file path=ppt/slides/slide13.xml><?xml version="1.0" encoding="utf-8"?>
+<p:sld xmlns:a="http://schemas.openxmlformats.org/drawingml/2006/main" xmlns:r="http://schemas.openxmlformats.org/officeDocument/2006/relationships" xmlns:p="http://schemas.openxmlformats.org/presentationml/2006/main">
+  <p:cSld>
+    <p:spTree>
+      <p:nvGrpSpPr>
+        <p:cNvPr id="1" name=""/>
+        <p:cNvGrpSpPr/>
+        <p:nvPr/>
+      </p:nvGrpSpPr>
+      <p:grpSpPr>
+        <a:xfrm>
+          <a:off x="0" y="0"/>
+          <a:ext cx="0" cy="0"/>
+          <a:chOff x="0" y="0"/>
+          <a:chExt cx="0" cy="0"/>
+        </a:xfrm>
+      </p:grpSpPr>
+      <p:sp>
+        <p:nvSpPr>
+          <p:cNvPr id="2" name="标题 1"/>
+          <p:cNvSpPr>
+            <a:spLocks noGrp="1"/>
+          </p:cNvSpPr>
+          <p:nvPr>
+            <p:ph type="title"/>
+          </p:nvPr>
+        </p:nvSpPr>
+        <p:spPr/>
+        <p:txBody>
+          <a:bodyPr/>
+          <a:lstStyle/>
+          <a:p>
+            <a:r>
+              <a:rPr lang="zh-CN" altLang="en-US" dirty="0"/>
+              <a:t>例题</a:t>
+            </a:r>
+          </a:p>
+        </p:txBody>
+      </p:sp>
+      <p:sp>
+        <p:nvSpPr>
+          <p:cNvPr id="3" name="内容占位符 2"/>
+          <p:cNvSpPr>
+            <a:spLocks noGrp="1"/>
+          </p:cNvSpPr>
+          <p:nvPr>
+            <p:ph idx="1"/>
+          </p:nvPr>
+        </p:nvSpPr>
+        <p:spPr/>
+        <p:txBody>
+          <a:bodyPr/>
+          <a:lstStyle/>
+          <a:p>
+            <a:r>
+              <a:rPr lang="en-US" altLang="zh-CN" dirty="0" smtClean="0"/>
+              <a:t>N</a:t>
+            </a:r>
+            <a:r>
+              <a:rPr lang="zh-CN" altLang="en-US" dirty="0"/>
+              <a:t>个作业</a:t>
+            </a:r>
+            <a:r>
+              <a:rPr lang="en-US" altLang="zh-CN" dirty="0"/>
+              <a:t>{1</a:t>
+            </a:r>
+            <a:r>
+              <a:rPr lang="zh-CN" altLang="en-US" dirty="0"/>
+              <a:t>，</a:t>
+            </a:r>
+            <a:r>
+              <a:rPr lang="en-US" altLang="zh-CN" dirty="0"/>
+              <a:t>2</a:t>
+            </a:r>
+            <a:r>
+              <a:rPr lang="zh-CN" altLang="en-US" dirty="0"/>
+              <a:t>，</a:t>
+            </a:r>
+            <a:r>
+              <a:rPr lang="en-US" altLang="zh-CN" dirty="0"/>
+              <a:t>…</a:t>
+            </a:r>
+            <a:r>
+              <a:rPr lang="zh-CN" altLang="en-US" dirty="0"/>
+              <a:t>，</a:t>
+            </a:r>
+            <a:r>
+              <a:rPr lang="en-US" altLang="zh-CN" dirty="0"/>
+              <a:t>n}</a:t>
+            </a:r>
+            <a:r>
+              <a:rPr lang="zh-CN" altLang="en-US" dirty="0"/>
+              <a:t>要在由</a:t>
+            </a:r>
+            <a:r>
+              <a:rPr lang="en-US" altLang="zh-CN" dirty="0"/>
+              <a:t>2</a:t>
+            </a:r>
+            <a:r>
+              <a:rPr lang="zh-CN" altLang="en-US" dirty="0"/>
+              <a:t>台机器</a:t>
+            </a:r>
+            <a:r>
+              <a:rPr lang="en-US" altLang="zh-CN" dirty="0"/>
+              <a:t>M1</a:t>
+            </a:r>
+            <a:r>
+              <a:rPr lang="zh-CN" altLang="en-US" dirty="0"/>
+              <a:t>和</a:t>
+            </a:r>
+            <a:r>
+              <a:rPr lang="en-US" altLang="zh-CN" dirty="0"/>
+              <a:t>M2</a:t>
+            </a:r>
+            <a:r>
+              <a:rPr lang="zh-CN" altLang="en-US" dirty="0"/>
+              <a:t>组成的流水线上完成加工。每个作业加工的顺序都是先在</a:t>
+            </a:r>
+            <a:r>
+              <a:rPr lang="en-US" altLang="zh-CN" dirty="0"/>
+              <a:t>M1</a:t>
+            </a:r>
+            <a:r>
+              <a:rPr lang="zh-CN" altLang="en-US" dirty="0"/>
+              <a:t>上加工，然后在</a:t>
+            </a:r>
+            <a:r>
+              <a:rPr lang="en-US" altLang="zh-CN" dirty="0"/>
+              <a:t>M2</a:t>
+            </a:r>
+            <a:r>
+              <a:rPr lang="zh-CN" altLang="en-US" dirty="0"/>
+              <a:t>上加工。</a:t>
+            </a:r>
+            <a:r>
+              <a:rPr lang="en-US" altLang="zh-CN" dirty="0"/>
+              <a:t>M1</a:t>
+            </a:r>
+            <a:r>
+              <a:rPr lang="zh-CN" altLang="en-US" dirty="0"/>
+              <a:t>和</a:t>
+            </a:r>
+            <a:r>
+              <a:rPr lang="en-US" altLang="zh-CN" dirty="0"/>
+              <a:t>M2</a:t>
+            </a:r>
+            <a:r>
+              <a:rPr lang="zh-CN" altLang="en-US" dirty="0"/>
+              <a:t>加工作业</a:t>
+            </a:r>
+            <a:r>
+              <a:rPr lang="en-US" altLang="zh-CN" dirty="0" err="1"/>
+              <a:t>i</a:t>
+            </a:r>
+            <a:r>
+              <a:rPr lang="zh-CN" altLang="en-US" dirty="0"/>
+              <a:t>所需的时间分别为</a:t>
+            </a:r>
+            <a:r>
+              <a:rPr lang="en-US" altLang="zh-CN" dirty="0"/>
+              <a:t>a[</a:t>
+            </a:r>
+            <a:r>
+              <a:rPr lang="en-US" altLang="zh-CN" dirty="0" err="1"/>
+              <a:t>i</a:t>
+            </a:r>
+            <a:r>
+              <a:rPr lang="en-US" altLang="zh-CN" dirty="0"/>
+              <a:t>]</a:t>
+            </a:r>
+            <a:r>
+              <a:rPr lang="zh-CN" altLang="en-US" dirty="0"/>
+              <a:t>和</a:t>
+            </a:r>
+            <a:r>
+              <a:rPr lang="en-US" altLang="zh-CN" dirty="0"/>
+              <a:t>b[</a:t>
+            </a:r>
+            <a:r>
+              <a:rPr lang="en-US" altLang="zh-CN" dirty="0" err="1"/>
+              <a:t>i</a:t>
+            </a:r>
+            <a:r>
+              <a:rPr lang="en-US" altLang="zh-CN" dirty="0"/>
+              <a:t>]</a:t>
+            </a:r>
+            <a:r>
+              <a:rPr lang="zh-CN" altLang="en-US" dirty="0"/>
+              <a:t>。你可以安排每个作业的执行顺序，使得从第一个作业在机器</a:t>
+            </a:r>
+            <a:r>
+              <a:rPr lang="en-US" altLang="zh-CN" dirty="0"/>
+              <a:t>M1</a:t>
+            </a:r>
+            <a:r>
+              <a:rPr lang="zh-CN" altLang="en-US" dirty="0"/>
+              <a:t>上开始加工，到最后一个作业在机器</a:t>
+            </a:r>
+            <a:r>
+              <a:rPr lang="en-US" altLang="zh-CN" dirty="0"/>
+              <a:t>M2</a:t>
+            </a:r>
+            <a:r>
+              <a:rPr lang="zh-CN" altLang="en-US" dirty="0"/>
+              <a:t>上加工完成所需的时间最少。求这个最少的时间。</a:t>
+            </a:r>
+          </a:p>
+        </p:txBody>
+      </p:sp>
+    </p:spTree>
+    <p:extLst>
+      <p:ext uri="{BB962C8B-B14F-4D97-AF65-F5344CB8AC3E}">
+        <p14:creationId xmlns:p14="http://schemas.microsoft.com/office/powerpoint/2010/main" val="3951544910"/>
+      </p:ext>
+    </p:extLst>
+  </p:cSld>
+  <p:clrMapOvr>
+    <a:masterClrMapping/>
+  </p:clrMapOvr>
+</p:sld>
+</file>
+
+<file path=ppt/slides/slide14.xml><?xml version="1.0" encoding="utf-8"?>
+<p:sld xmlns:a="http://schemas.openxmlformats.org/drawingml/2006/main" xmlns:r="http://schemas.openxmlformats.org/officeDocument/2006/relationships" xmlns:p="http://schemas.openxmlformats.org/presentationml/2006/main">
+  <p:cSld>
+    <p:spTree>
+      <p:nvGrpSpPr>
+        <p:cNvPr id="1" name=""/>
+        <p:cNvGrpSpPr/>
+        <p:nvPr/>
+      </p:nvGrpSpPr>
+      <p:grpSpPr>
+        <a:xfrm>
+          <a:off x="0" y="0"/>
+          <a:ext cx="0" cy="0"/>
+          <a:chOff x="0" y="0"/>
+          <a:chExt cx="0" cy="0"/>
+        </a:xfrm>
+      </p:grpSpPr>
       <p:sp>
         <p:nvSpPr>
           <p:cNvPr id="2" name="标题 1"/>
@@ -3896,7 +3653,7 @@
 </p:sld>
 </file>
 
-<file path=ppt/slides/slide13.xml><?xml version="1.0" encoding="utf-8"?>
+<file path=ppt/slides/slide15.xml><?xml version="1.0" encoding="utf-8"?>
 <p:sld xmlns:a="http://schemas.openxmlformats.org/drawingml/2006/main" xmlns:r="http://schemas.openxmlformats.org/officeDocument/2006/relationships" xmlns:p="http://schemas.openxmlformats.org/presentationml/2006/main">
   <p:cSld>
     <p:spTree>
@@ -4132,10 +3889,6 @@
           <a:bodyPr/>
           <a:lstStyle/>
           <a:p>
-            <a:r>
-              <a:rPr lang="zh-CN" altLang="en-US" dirty="0" smtClean="0"/>
-              <a:t>典型可贪心问题</a:t>
-            </a:r>
             <a:endParaRPr lang="zh-CN" altLang="en-US" dirty="0"/>
           </a:p>
         </p:txBody>
@@ -4152,60 +3905,35 @@
         </p:nvSpPr>
         <p:spPr/>
         <p:txBody>
-          <a:bodyPr>
-            <a:normAutofit/>
-          </a:bodyPr>
+          <a:bodyPr/>
           <a:lstStyle/>
           <a:p>
             <a:r>
               <a:rPr lang="zh-CN" altLang="en-US" dirty="0"/>
-              <a:t>给</a:t>
-            </a:r>
-            <a:r>
-              <a:rPr lang="en-US" altLang="zh-CN" dirty="0"/>
-              <a:t>n</a:t>
+              <a:t>一般用贪心问题代指可以利用贪心思想直接解决的问题。纯贪心问题不多，一般与其他类型问题混合出现。</a:t>
+            </a:r>
+          </a:p>
+          <a:p>
+            <a:r>
+              <a:rPr lang="zh-CN" altLang="en-US" dirty="0" smtClean="0"/>
+              <a:t>很多</a:t>
             </a:r>
             <a:r>
               <a:rPr lang="zh-CN" altLang="en-US" dirty="0"/>
-              <a:t>个不同物体的重量和价值，</a:t>
-            </a:r>
-            <a:r>
-              <a:rPr lang="zh-CN" altLang="en-US" dirty="0" smtClean="0"/>
-              <a:t>选择尽量多的</a:t>
-            </a:r>
-            <a:r>
-              <a:rPr lang="zh-CN" altLang="en-US" dirty="0"/>
-              <a:t>物品，但总重量不能超过</a:t>
-            </a:r>
-            <a:r>
-              <a:rPr lang="en-US" altLang="zh-CN" dirty="0"/>
-              <a:t>C</a:t>
-            </a:r>
-          </a:p>
-          <a:p>
-            <a:r>
-              <a:rPr lang="zh-CN" altLang="en-US" dirty="0"/>
-              <a:t>把所有物品</a:t>
-            </a:r>
-            <a:r>
-              <a:rPr lang="zh-CN" altLang="en-US" smtClean="0"/>
-              <a:t>按重量升序排序</a:t>
-            </a:r>
-            <a:r>
-              <a:rPr lang="zh-CN" altLang="en-US" dirty="0"/>
-              <a:t>，依次选择即可</a:t>
-            </a:r>
-            <a:endParaRPr lang="en-US" altLang="zh-CN" dirty="0"/>
-          </a:p>
-          <a:p>
-            <a:endParaRPr lang="zh-CN" altLang="en-US" dirty="0"/>
+              <a:t>其他算法里也有贪心的过程，例如在求最小生成树时优先加入权重最小的边</a:t>
+            </a:r>
+            <a:r>
+              <a:rPr lang="zh-CN" altLang="en-US" dirty="0" smtClean="0"/>
+              <a:t>。</a:t>
+            </a:r>
+            <a:endParaRPr lang="en-US" altLang="zh-CN" dirty="0" smtClean="0"/>
           </a:p>
         </p:txBody>
       </p:sp>
     </p:spTree>
     <p:extLst>
       <p:ext uri="{BB962C8B-B14F-4D97-AF65-F5344CB8AC3E}">
-        <p14:creationId xmlns:p14="http://schemas.microsoft.com/office/powerpoint/2010/main" val="587437026"/>
+        <p14:creationId xmlns:p14="http://schemas.microsoft.com/office/powerpoint/2010/main" val="665784994"/>
       </p:ext>
     </p:extLst>
   </p:cSld>
@@ -4273,52 +4001,44 @@
           <a:lstStyle/>
           <a:p>
             <a:r>
-              <a:rPr lang="zh-CN" altLang="en-US" dirty="0" smtClean="0"/>
+              <a:rPr lang="zh-CN" altLang="en-US" dirty="0"/>
               <a:t>给</a:t>
             </a:r>
             <a:r>
-              <a:rPr lang="en-US" altLang="zh-CN" dirty="0" smtClean="0"/>
+              <a:rPr lang="en-US" altLang="zh-CN" dirty="0"/>
               <a:t>n</a:t>
             </a:r>
             <a:r>
-              <a:rPr lang="zh-CN" altLang="en-US" dirty="0" smtClean="0"/>
-              <a:t>个不同物体的重量和价值，选择总价值尽量高的物品，但总重量不能超过</a:t>
-            </a:r>
-            <a:r>
-              <a:rPr lang="en-US" altLang="zh-CN" dirty="0" smtClean="0"/>
+              <a:rPr lang="zh-CN" altLang="en-US" dirty="0"/>
+              <a:t>个不同物体的重量和价值，</a:t>
+            </a:r>
+            <a:r>
+              <a:rPr lang="zh-CN" altLang="en-US" dirty="0" smtClean="0"/>
+              <a:t>选择尽量多的</a:t>
+            </a:r>
+            <a:r>
+              <a:rPr lang="zh-CN" altLang="en-US" dirty="0"/>
+              <a:t>物品，但总重量不能超过</a:t>
+            </a:r>
+            <a:r>
+              <a:rPr lang="en-US" altLang="zh-CN" dirty="0"/>
               <a:t>C</a:t>
             </a:r>
           </a:p>
           <a:p>
             <a:r>
-              <a:rPr lang="zh-CN" altLang="en-US" dirty="0" smtClean="0"/>
-              <a:t>把所有物品按价值</a:t>
-            </a:r>
-            <a:r>
-              <a:rPr lang="en-US" altLang="zh-CN" dirty="0" smtClean="0"/>
-              <a:t>/</a:t>
-            </a:r>
-            <a:r>
-              <a:rPr lang="zh-CN" altLang="en-US" dirty="0" smtClean="0"/>
-              <a:t>重量</a:t>
-            </a:r>
-            <a:r>
-              <a:rPr lang="en-US" altLang="zh-CN" dirty="0" smtClean="0"/>
-              <a:t>(</a:t>
-            </a:r>
-            <a:r>
-              <a:rPr lang="zh-CN" altLang="en-US" dirty="0" smtClean="0"/>
-              <a:t>即单位重量的价值</a:t>
-            </a:r>
-            <a:r>
-              <a:rPr lang="en-US" altLang="zh-CN" dirty="0" smtClean="0"/>
-              <a:t>)</a:t>
-            </a:r>
-            <a:r>
-              <a:rPr lang="zh-CN" altLang="en-US" dirty="0" smtClean="0"/>
-              <a:t>降序排序，依次选择即可</a:t>
-            </a:r>
-            <a:endParaRPr lang="en-US" altLang="zh-CN" dirty="0" smtClean="0"/>
+              <a:rPr lang="zh-CN" altLang="en-US" dirty="0"/>
+              <a:t>把所有物品</a:t>
+            </a:r>
+            <a:r>
+              <a:rPr lang="zh-CN" altLang="en-US" smtClean="0"/>
+              <a:t>按重量升序排序</a:t>
+            </a:r>
+            <a:r>
+              <a:rPr lang="zh-CN" altLang="en-US" dirty="0"/>
+              <a:t>，依次选择即可</a:t>
+            </a:r>
+            <a:endParaRPr lang="en-US" altLang="zh-CN" dirty="0"/>
           </a:p>
           <a:p>
             <a:endParaRPr lang="zh-CN" altLang="en-US" dirty="0"/>
@@ -4328,7 +4048,7 @@
     </p:spTree>
     <p:extLst>
       <p:ext uri="{BB962C8B-B14F-4D97-AF65-F5344CB8AC3E}">
-        <p14:creationId xmlns:p14="http://schemas.microsoft.com/office/powerpoint/2010/main" val="160126112"/>
+        <p14:creationId xmlns:p14="http://schemas.microsoft.com/office/powerpoint/2010/main" val="587437026"/>
       </p:ext>
     </p:extLst>
   </p:cSld>
@@ -4405,23 +4125,53 @@
             </a:r>
             <a:r>
               <a:rPr lang="zh-CN" altLang="en-US" dirty="0" smtClean="0"/>
-              <a:t>个开区间，选择尽量多个区间，使得这些区间两两没有公共点</a:t>
+              <a:t>个不同物体的重量和价值，选择总价值尽量高的物品，但总重量不能超过</a:t>
+            </a:r>
+            <a:r>
+              <a:rPr lang="en-US" altLang="zh-CN" dirty="0" smtClean="0"/>
+              <a:t>C</a:t>
+            </a:r>
+          </a:p>
+          <a:p>
+            <a:r>
+              <a:rPr lang="zh-CN" altLang="en-US" dirty="0" smtClean="0"/>
+              <a:t>把所有物品按价值</a:t>
+            </a:r>
+            <a:r>
+              <a:rPr lang="en-US" altLang="zh-CN" dirty="0" smtClean="0"/>
+              <a:t>/</a:t>
+            </a:r>
+            <a:r>
+              <a:rPr lang="zh-CN" altLang="en-US" dirty="0" smtClean="0"/>
+              <a:t>重量</a:t>
+            </a:r>
+            <a:r>
+              <a:rPr lang="en-US" altLang="zh-CN" dirty="0" smtClean="0"/>
+              <a:t>(</a:t>
+            </a:r>
+            <a:r>
+              <a:rPr lang="zh-CN" altLang="en-US" dirty="0" smtClean="0"/>
+              <a:t>即单位重量的价值</a:t>
+            </a:r>
+            <a:r>
+              <a:rPr lang="en-US" altLang="zh-CN" dirty="0" smtClean="0"/>
+              <a:t>)</a:t>
+            </a:r>
+            <a:r>
+              <a:rPr lang="zh-CN" altLang="en-US" dirty="0" smtClean="0"/>
+              <a:t>降序排序，依次选择即可</a:t>
             </a:r>
             <a:endParaRPr lang="en-US" altLang="zh-CN" dirty="0" smtClean="0"/>
           </a:p>
           <a:p>
-            <a:r>
-              <a:rPr lang="zh-CN" altLang="en-US" dirty="0" smtClean="0"/>
-              <a:t>按右端点升序排序，选择第一个区间，然后扫描一次即可，若遇到产生重叠的区间则舍弃</a:t>
-            </a:r>
-            <a:endParaRPr lang="en-US" altLang="zh-CN" dirty="0" smtClean="0"/>
+            <a:endParaRPr lang="zh-CN" altLang="en-US" dirty="0"/>
           </a:p>
         </p:txBody>
       </p:sp>
     </p:spTree>
     <p:extLst>
       <p:ext uri="{BB962C8B-B14F-4D97-AF65-F5344CB8AC3E}">
-        <p14:creationId xmlns:p14="http://schemas.microsoft.com/office/powerpoint/2010/main" val="3996546272"/>
+        <p14:creationId xmlns:p14="http://schemas.microsoft.com/office/powerpoint/2010/main" val="160126112"/>
       </p:ext>
     </p:extLst>
   </p:cSld>
@@ -4498,14 +4248,14 @@
             </a:r>
             <a:r>
               <a:rPr lang="zh-CN" altLang="en-US" dirty="0" smtClean="0"/>
-              <a:t>个闭区间，选择尽量少的区间覆盖一个给定区间</a:t>
+              <a:t>个开区间，选择尽量多个区间，使得这些区间两两没有公共点</a:t>
             </a:r>
             <a:endParaRPr lang="en-US" altLang="zh-CN" dirty="0" smtClean="0"/>
           </a:p>
           <a:p>
             <a:r>
               <a:rPr lang="zh-CN" altLang="en-US" dirty="0" smtClean="0"/>
-              <a:t>先把给定区间以外的部分切掉，然后把各区间按左端点升序排序，扫描一次即可，每次选择左端点在当前区间右端左方的最长区间</a:t>
+              <a:t>按右端点升序排序，选择第一个区间，然后扫描一次即可，若遇到产生重叠的区间则舍弃</a:t>
             </a:r>
             <a:endParaRPr lang="en-US" altLang="zh-CN" dirty="0" smtClean="0"/>
           </a:p>
@@ -4514,7 +4264,7 @@
     </p:spTree>
     <p:extLst>
       <p:ext uri="{BB962C8B-B14F-4D97-AF65-F5344CB8AC3E}">
-        <p14:creationId xmlns:p14="http://schemas.microsoft.com/office/powerpoint/2010/main" val="1454518660"/>
+        <p14:creationId xmlns:p14="http://schemas.microsoft.com/office/powerpoint/2010/main" val="3996546272"/>
       </p:ext>
     </p:extLst>
   </p:cSld>
@@ -4558,7 +4308,7 @@
           <a:p>
             <a:r>
               <a:rPr lang="zh-CN" altLang="en-US" dirty="0" smtClean="0"/>
-              <a:t>例题</a:t>
+              <a:t>典型可贪心问题</a:t>
             </a:r>
             <a:endParaRPr lang="zh-CN" altLang="en-US" dirty="0"/>
           </a:p>
@@ -4576,30 +4326,30 @@
         </p:nvSpPr>
         <p:spPr/>
         <p:txBody>
-          <a:bodyPr/>
-          <a:lstStyle/>
-          <a:p>
+          <a:bodyPr>
+            <a:normAutofit/>
+          </a:bodyPr>
+          <a:lstStyle/>
+          <a:p>
+            <a:r>
+              <a:rPr lang="zh-CN" altLang="en-US" dirty="0" smtClean="0"/>
+              <a:t>给</a:t>
+            </a:r>
             <a:r>
               <a:rPr lang="en-US" altLang="zh-CN" dirty="0" smtClean="0"/>
-              <a:t>51nod 1432</a:t>
-            </a:r>
-          </a:p>
-          <a:p>
-            <a:r>
-              <a:rPr lang="en-US" altLang="zh-CN" dirty="0"/>
               <a:t>n</a:t>
             </a:r>
             <a:r>
-              <a:rPr lang="zh-CN" altLang="en-US" dirty="0"/>
-              <a:t>个人，已知每个人体重。独木舟承重固定，每只独木舟最多坐两个人，可以坐一个人或者两个人。显然要求总重量不超过独木舟承重，假设每个人体重也不超过独木舟承重，问最少需要几只独木舟</a:t>
-            </a:r>
-            <a:r>
-              <a:rPr lang="zh-CN" altLang="en-US" dirty="0" smtClean="0"/>
-              <a:t>？</a:t>
+              <a:rPr lang="zh-CN" altLang="en-US" dirty="0" smtClean="0"/>
+              <a:t>个闭区间，选择尽量少的区间覆盖一个给定区间</a:t>
             </a:r>
             <a:endParaRPr lang="en-US" altLang="zh-CN" dirty="0" smtClean="0"/>
           </a:p>
           <a:p>
+            <a:r>
+              <a:rPr lang="zh-CN" altLang="en-US" dirty="0" smtClean="0"/>
+              <a:t>先把给定区间以外的部分切掉，然后把各区间按左端点升序排序，扫描一次即可，每次选择左端点在当前区间右端左方的最长区间</a:t>
+            </a:r>
             <a:endParaRPr lang="en-US" altLang="zh-CN" dirty="0" smtClean="0"/>
           </a:p>
         </p:txBody>
@@ -4607,7 +4357,7 @@
     </p:spTree>
     <p:extLst>
       <p:ext uri="{BB962C8B-B14F-4D97-AF65-F5344CB8AC3E}">
-        <p14:creationId xmlns:p14="http://schemas.microsoft.com/office/powerpoint/2010/main" val="3549906575"/>
+        <p14:creationId xmlns:p14="http://schemas.microsoft.com/office/powerpoint/2010/main" val="1454518660"/>
       </p:ext>
     </p:extLst>
   </p:cSld>
@@ -4649,7 +4399,22 @@
           <a:bodyPr/>
           <a:lstStyle/>
           <a:p>
-            <a:endParaRPr lang="zh-CN" altLang="en-US"/>
+            <a:r>
+              <a:rPr lang="zh-CN" altLang="en-US" dirty="0" smtClean="0"/>
+              <a:t>例</a:t>
+            </a:r>
+            <a:r>
+              <a:rPr lang="en-US" altLang="zh-CN" dirty="0" smtClean="0"/>
+              <a:t>:</a:t>
+            </a:r>
+            <a:r>
+              <a:rPr lang="zh-CN" altLang="en-US" dirty="0" smtClean="0"/>
+              <a:t>贪心</a:t>
+            </a:r>
+            <a:r>
+              <a:rPr lang="zh-CN" altLang="en-US" dirty="0"/>
+              <a:t>法不适用的情况</a:t>
+            </a:r>
           </a:p>
         </p:txBody>
       </p:sp>
@@ -4665,80 +4430,74 @@
         </p:nvSpPr>
         <p:spPr/>
         <p:txBody>
-          <a:bodyPr>
-            <a:normAutofit fontScale="77500" lnSpcReduction="20000"/>
-          </a:bodyPr>
-          <a:lstStyle/>
-          <a:p>
-            <a:r>
-              <a:rPr lang="pt-BR" altLang="zh-CN" dirty="0" smtClean="0"/>
-              <a:t>        for(int i=0;i&lt;n;i++) scanf("%I64d",a+i);</a:t>
-            </a:r>
-          </a:p>
-          <a:p>
-            <a:r>
-              <a:rPr lang="pt-BR" altLang="zh-CN" dirty="0" smtClean="0"/>
-              <a:t>        sort(a,a+n,cmp);</a:t>
-            </a:r>
-          </a:p>
-          <a:p>
-            <a:r>
-              <a:rPr lang="pt-BR" altLang="zh-CN" dirty="0" smtClean="0"/>
-              <a:t>        int L=0,R=n-1;</a:t>
-            </a:r>
-          </a:p>
-          <a:p>
-            <a:r>
-              <a:rPr lang="pt-BR" altLang="zh-CN" dirty="0" smtClean="0"/>
-              <a:t>        int ans=0;</a:t>
-            </a:r>
-          </a:p>
-          <a:p>
-            <a:r>
-              <a:rPr lang="pt-BR" altLang="zh-CN" dirty="0" smtClean="0"/>
-              <a:t>        while(L&lt;R)</a:t>
-            </a:r>
-          </a:p>
-          <a:p>
-            <a:r>
-              <a:rPr lang="pt-BR" altLang="zh-CN" dirty="0" smtClean="0"/>
-              <a:t>        {</a:t>
-            </a:r>
-          </a:p>
-          <a:p>
-            <a:r>
-              <a:rPr lang="pt-BR" altLang="zh-CN" dirty="0" smtClean="0"/>
-              <a:t>            if(a[L]+a[R]&lt;=m) R--;</a:t>
-            </a:r>
-          </a:p>
-          <a:p>
-            <a:r>
-              <a:rPr lang="pt-BR" altLang="zh-CN" dirty="0" smtClean="0"/>
-              <a:t>            L++;</a:t>
-            </a:r>
-          </a:p>
-          <a:p>
-            <a:r>
-              <a:rPr lang="pt-BR" altLang="zh-CN" dirty="0" smtClean="0"/>
-              <a:t>            ans++;</a:t>
-            </a:r>
-          </a:p>
-          <a:p>
-            <a:r>
-              <a:rPr lang="pt-BR" altLang="zh-CN" dirty="0" smtClean="0"/>
-              <a:t>        }</a:t>
-            </a:r>
-          </a:p>
-          <a:p>
-            <a:r>
-              <a:rPr lang="pt-BR" altLang="zh-CN" dirty="0" smtClean="0"/>
-              <a:t>        if(L==R) ans++;</a:t>
-            </a:r>
-          </a:p>
-          <a:p>
-            <a:r>
-              <a:rPr lang="pt-BR" altLang="zh-CN" dirty="0" smtClean="0"/>
-              <a:t>        printf("%d\n",ans);</a:t>
+          <a:bodyPr/>
+          <a:lstStyle/>
+          <a:p>
+            <a:r>
+              <a:rPr lang="zh-CN" altLang="en-US" dirty="0" smtClean="0"/>
+              <a:t>给</a:t>
+            </a:r>
+            <a:r>
+              <a:rPr lang="en-US" altLang="zh-CN" dirty="0" smtClean="0"/>
+              <a:t>n</a:t>
+            </a:r>
+            <a:r>
+              <a:rPr lang="zh-CN" altLang="en-US" dirty="0"/>
+              <a:t>个家庭作业</a:t>
+            </a:r>
+            <a:r>
+              <a:rPr lang="zh-CN" altLang="en-US" dirty="0" smtClean="0"/>
+              <a:t>，每个</a:t>
+            </a:r>
+            <a:r>
+              <a:rPr lang="zh-CN" altLang="en-US" dirty="0"/>
+              <a:t>家庭作业的完成期限和花费</a:t>
+            </a:r>
+            <a:r>
+              <a:rPr lang="zh-CN" altLang="en-US" dirty="0" smtClean="0"/>
+              <a:t>的</a:t>
+            </a:r>
+            <a:r>
+              <a:rPr lang="zh-CN" altLang="en-US" dirty="0"/>
+              <a:t>时间</a:t>
+            </a:r>
+            <a:r>
+              <a:rPr lang="zh-CN" altLang="en-US" dirty="0" smtClean="0"/>
+              <a:t>，</a:t>
+            </a:r>
+            <a:r>
+              <a:rPr lang="zh-CN" altLang="en-US" dirty="0"/>
+              <a:t>如果完成时间超过了期限，那么就要扣除分数，然后让你找出一个最优方案使扣除的分数最少，当存在多种方案时，输出字典序最小的</a:t>
+            </a:r>
+            <a:r>
+              <a:rPr lang="zh-CN" altLang="en-US" dirty="0" smtClean="0"/>
+              <a:t>那种</a:t>
+            </a:r>
+            <a:endParaRPr lang="en-US" altLang="zh-CN" dirty="0" smtClean="0"/>
+          </a:p>
+          <a:p>
+            <a:r>
+              <a:rPr lang="zh-CN" altLang="en-US" dirty="0"/>
+              <a:t>贪心能够算出正确的分数，但是不一定能得到正确的字典序</a:t>
+            </a:r>
+            <a:r>
+              <a:rPr lang="zh-CN" altLang="en-US" dirty="0" smtClean="0"/>
+              <a:t>。</a:t>
+            </a:r>
+            <a:endParaRPr lang="en-US" altLang="zh-CN" dirty="0" smtClean="0"/>
+          </a:p>
+          <a:p>
+            <a:r>
+              <a:rPr lang="zh-CN" altLang="en-US" dirty="0"/>
+              <a:t>所以本题的正解</a:t>
+            </a:r>
+            <a:r>
+              <a:rPr lang="zh-CN" altLang="en-US" dirty="0" smtClean="0"/>
+              <a:t>是</a:t>
+            </a:r>
+            <a:r>
+              <a:rPr lang="en-US" altLang="zh-CN" dirty="0" smtClean="0"/>
+              <a:t>DP</a:t>
             </a:r>
             <a:endParaRPr lang="zh-CN" altLang="en-US" dirty="0"/>
           </a:p>
@@ -4747,7 +4506,7 @@
     </p:spTree>
     <p:extLst>
       <p:ext uri="{BB962C8B-B14F-4D97-AF65-F5344CB8AC3E}">
-        <p14:creationId xmlns:p14="http://schemas.microsoft.com/office/powerpoint/2010/main" val="2465979588"/>
+        <p14:creationId xmlns:p14="http://schemas.microsoft.com/office/powerpoint/2010/main" val="1302561163"/>
       </p:ext>
     </p:extLst>
   </p:cSld>
@@ -4790,69 +4549,51 @@
           <a:lstStyle/>
           <a:p>
             <a:r>
+              <a:rPr lang="zh-CN" altLang="en-US" dirty="0" smtClean="0"/>
+              <a:t>例题</a:t>
+            </a:r>
+            <a:endParaRPr lang="zh-CN" altLang="en-US" dirty="0"/>
+          </a:p>
+        </p:txBody>
+      </p:sp>
+      <p:sp>
+        <p:nvSpPr>
+          <p:cNvPr id="3" name="内容占位符 2"/>
+          <p:cNvSpPr>
+            <a:spLocks noGrp="1"/>
+          </p:cNvSpPr>
+          <p:nvPr>
+            <p:ph idx="1"/>
+          </p:nvPr>
+        </p:nvSpPr>
+        <p:spPr/>
+        <p:txBody>
+          <a:bodyPr/>
+          <a:lstStyle/>
+          <a:p>
+            <a:r>
+              <a:rPr lang="en-US" altLang="zh-CN" dirty="0" smtClean="0"/>
+              <a:t>n</a:t>
+            </a:r>
+            <a:r>
               <a:rPr lang="zh-CN" altLang="en-US" dirty="0"/>
-              <a:t>例题</a:t>
-            </a:r>
-          </a:p>
-        </p:txBody>
-      </p:sp>
-      <p:sp>
-        <p:nvSpPr>
-          <p:cNvPr id="3" name="内容占位符 2"/>
-          <p:cNvSpPr>
-            <a:spLocks noGrp="1"/>
-          </p:cNvSpPr>
-          <p:nvPr>
-            <p:ph idx="1"/>
-          </p:nvPr>
-        </p:nvSpPr>
-        <p:spPr/>
-        <p:txBody>
-          <a:bodyPr/>
-          <a:lstStyle/>
-          <a:p>
-            <a:r>
-              <a:rPr lang="en-US" altLang="zh-CN" dirty="0" smtClean="0"/>
-              <a:t>51nod 1428</a:t>
-            </a:r>
-          </a:p>
-          <a:p>
-            <a:r>
-              <a:rPr lang="zh-CN" altLang="en-US" dirty="0" smtClean="0"/>
-              <a:t>有若干个活动，第</a:t>
-            </a:r>
-            <a:r>
-              <a:rPr lang="en-US" altLang="zh-CN" dirty="0" err="1" smtClean="0"/>
-              <a:t>i</a:t>
-            </a:r>
-            <a:r>
-              <a:rPr lang="zh-CN" altLang="en-US" dirty="0" smtClean="0"/>
-              <a:t>个开始时间和结束时间是</a:t>
-            </a:r>
-            <a:r>
-              <a:rPr lang="en-US" altLang="zh-CN" dirty="0" smtClean="0"/>
-              <a:t>[</a:t>
-            </a:r>
-            <a:r>
-              <a:rPr lang="en-US" altLang="zh-CN" dirty="0" err="1" smtClean="0"/>
-              <a:t>Si,fi</a:t>
-            </a:r>
-            <a:r>
-              <a:rPr lang="en-US" altLang="zh-CN" dirty="0" smtClean="0"/>
-              <a:t>)</a:t>
-            </a:r>
-            <a:r>
-              <a:rPr lang="zh-CN" altLang="en-US" dirty="0" smtClean="0"/>
-              <a:t>，同一个教室安排的活动之间不能交叠，求要安排所有活动，最少需要几个教室？ </a:t>
-            </a:r>
-            <a:endParaRPr lang="zh-CN" altLang="en-US" dirty="0"/>
+              <a:t>个人，已知每个人体重。独木舟承重固定，每只独木舟最多坐两个人，可以坐一个人或者两个人。显然要求总重量不超过独木舟承重，假设每个人体重也不超过独木舟承重，问最少需要几只独木舟</a:t>
+            </a:r>
+            <a:r>
+              <a:rPr lang="zh-CN" altLang="en-US" dirty="0" smtClean="0"/>
+              <a:t>？</a:t>
+            </a:r>
+            <a:endParaRPr lang="en-US" altLang="zh-CN" dirty="0" smtClean="0"/>
+          </a:p>
+          <a:p>
+            <a:endParaRPr lang="en-US" altLang="zh-CN" dirty="0" smtClean="0"/>
           </a:p>
         </p:txBody>
       </p:sp>
     </p:spTree>
     <p:extLst>
       <p:ext uri="{BB962C8B-B14F-4D97-AF65-F5344CB8AC3E}">
-        <p14:creationId xmlns:p14="http://schemas.microsoft.com/office/powerpoint/2010/main" val="2170459796"/>
+        <p14:creationId xmlns:p14="http://schemas.microsoft.com/office/powerpoint/2010/main" val="3549906575"/>
       </p:ext>
     </p:extLst>
   </p:cSld>

--- a/notes/贪心.pptx
+++ b/notes/贪心.pptx
@@ -7,19 +7,22 @@
   <p:sldIdLst>
     <p:sldId id="256" r:id="rId2"/>
     <p:sldId id="257" r:id="rId3"/>
-    <p:sldId id="271" r:id="rId4"/>
-    <p:sldId id="260" r:id="rId5"/>
-    <p:sldId id="259" r:id="rId6"/>
-    <p:sldId id="261" r:id="rId7"/>
-    <p:sldId id="262" r:id="rId8"/>
-    <p:sldId id="270" r:id="rId9"/>
-    <p:sldId id="263" r:id="rId10"/>
-    <p:sldId id="265" r:id="rId11"/>
-    <p:sldId id="266" r:id="rId12"/>
-    <p:sldId id="267" r:id="rId13"/>
-    <p:sldId id="268" r:id="rId14"/>
-    <p:sldId id="269" r:id="rId15"/>
-    <p:sldId id="264" r:id="rId16"/>
+    <p:sldId id="260" r:id="rId4"/>
+    <p:sldId id="259" r:id="rId5"/>
+    <p:sldId id="271" r:id="rId6"/>
+    <p:sldId id="270" r:id="rId7"/>
+    <p:sldId id="263" r:id="rId8"/>
+    <p:sldId id="265" r:id="rId9"/>
+    <p:sldId id="275" r:id="rId10"/>
+    <p:sldId id="276" r:id="rId11"/>
+    <p:sldId id="279" r:id="rId12"/>
+    <p:sldId id="277" r:id="rId13"/>
+    <p:sldId id="281" r:id="rId14"/>
+    <p:sldId id="278" r:id="rId15"/>
+    <p:sldId id="280" r:id="rId16"/>
+    <p:sldId id="282" r:id="rId17"/>
+    <p:sldId id="268" r:id="rId18"/>
+    <p:sldId id="269" r:id="rId19"/>
   </p:sldIdLst>
   <p:sldSz cx="12192000" cy="6858000"/>
   <p:notesSz cx="6858000" cy="9144000"/>
@@ -257,7 +260,7 @@
           <a:p>
             <a:fld id="{F19D8ACC-391D-4379-BEAC-8A43BF7C28CE}" type="datetimeFigureOut">
               <a:rPr lang="zh-CN" altLang="en-US" smtClean="0"/>
-              <a:t>2017/7/25</a:t>
+              <a:t>2017/7/27</a:t>
             </a:fld>
             <a:endParaRPr lang="zh-CN" altLang="en-US"/>
           </a:p>
@@ -427,7 +430,7 @@
           <a:p>
             <a:fld id="{F19D8ACC-391D-4379-BEAC-8A43BF7C28CE}" type="datetimeFigureOut">
               <a:rPr lang="zh-CN" altLang="en-US" smtClean="0"/>
-              <a:t>2017/7/25</a:t>
+              <a:t>2017/7/27</a:t>
             </a:fld>
             <a:endParaRPr lang="zh-CN" altLang="en-US"/>
           </a:p>
@@ -607,7 +610,7 @@
           <a:p>
             <a:fld id="{F19D8ACC-391D-4379-BEAC-8A43BF7C28CE}" type="datetimeFigureOut">
               <a:rPr lang="zh-CN" altLang="en-US" smtClean="0"/>
-              <a:t>2017/7/25</a:t>
+              <a:t>2017/7/27</a:t>
             </a:fld>
             <a:endParaRPr lang="zh-CN" altLang="en-US"/>
           </a:p>
@@ -777,7 +780,7 @@
           <a:p>
             <a:fld id="{F19D8ACC-391D-4379-BEAC-8A43BF7C28CE}" type="datetimeFigureOut">
               <a:rPr lang="zh-CN" altLang="en-US" smtClean="0"/>
-              <a:t>2017/7/25</a:t>
+              <a:t>2017/7/27</a:t>
             </a:fld>
             <a:endParaRPr lang="zh-CN" altLang="en-US"/>
           </a:p>
@@ -1023,7 +1026,7 @@
           <a:p>
             <a:fld id="{F19D8ACC-391D-4379-BEAC-8A43BF7C28CE}" type="datetimeFigureOut">
               <a:rPr lang="zh-CN" altLang="en-US" smtClean="0"/>
-              <a:t>2017/7/25</a:t>
+              <a:t>2017/7/27</a:t>
             </a:fld>
             <a:endParaRPr lang="zh-CN" altLang="en-US"/>
           </a:p>
@@ -1255,7 +1258,7 @@
           <a:p>
             <a:fld id="{F19D8ACC-391D-4379-BEAC-8A43BF7C28CE}" type="datetimeFigureOut">
               <a:rPr lang="zh-CN" altLang="en-US" smtClean="0"/>
-              <a:t>2017/7/25</a:t>
+              <a:t>2017/7/27</a:t>
             </a:fld>
             <a:endParaRPr lang="zh-CN" altLang="en-US"/>
           </a:p>
@@ -1622,7 +1625,7 @@
           <a:p>
             <a:fld id="{F19D8ACC-391D-4379-BEAC-8A43BF7C28CE}" type="datetimeFigureOut">
               <a:rPr lang="zh-CN" altLang="en-US" smtClean="0"/>
-              <a:t>2017/7/25</a:t>
+              <a:t>2017/7/27</a:t>
             </a:fld>
             <a:endParaRPr lang="zh-CN" altLang="en-US"/>
           </a:p>
@@ -1740,7 +1743,7 @@
           <a:p>
             <a:fld id="{F19D8ACC-391D-4379-BEAC-8A43BF7C28CE}" type="datetimeFigureOut">
               <a:rPr lang="zh-CN" altLang="en-US" smtClean="0"/>
-              <a:t>2017/7/25</a:t>
+              <a:t>2017/7/27</a:t>
             </a:fld>
             <a:endParaRPr lang="zh-CN" altLang="en-US"/>
           </a:p>
@@ -1835,7 +1838,7 @@
           <a:p>
             <a:fld id="{F19D8ACC-391D-4379-BEAC-8A43BF7C28CE}" type="datetimeFigureOut">
               <a:rPr lang="zh-CN" altLang="en-US" smtClean="0"/>
-              <a:t>2017/7/25</a:t>
+              <a:t>2017/7/27</a:t>
             </a:fld>
             <a:endParaRPr lang="zh-CN" altLang="en-US"/>
           </a:p>
@@ -2112,7 +2115,7 @@
           <a:p>
             <a:fld id="{F19D8ACC-391D-4379-BEAC-8A43BF7C28CE}" type="datetimeFigureOut">
               <a:rPr lang="zh-CN" altLang="en-US" smtClean="0"/>
-              <a:t>2017/7/25</a:t>
+              <a:t>2017/7/27</a:t>
             </a:fld>
             <a:endParaRPr lang="zh-CN" altLang="en-US"/>
           </a:p>
@@ -2365,7 +2368,7 @@
           <a:p>
             <a:fld id="{F19D8ACC-391D-4379-BEAC-8A43BF7C28CE}" type="datetimeFigureOut">
               <a:rPr lang="zh-CN" altLang="en-US" smtClean="0"/>
-              <a:t>2017/7/25</a:t>
+              <a:t>2017/7/27</a:t>
             </a:fld>
             <a:endParaRPr lang="zh-CN" altLang="en-US"/>
           </a:p>
@@ -2578,7 +2581,7 @@
           <a:p>
             <a:fld id="{F19D8ACC-391D-4379-BEAC-8A43BF7C28CE}" type="datetimeFigureOut">
               <a:rPr lang="zh-CN" altLang="en-US" smtClean="0"/>
-              <a:t>2017/7/25</a:t>
+              <a:t>2017/7/27</a:t>
             </a:fld>
             <a:endParaRPr lang="zh-CN" altLang="en-US"/>
           </a:p>
@@ -3057,26 +3060,7 @@
       </p:grpSpPr>
       <p:sp>
         <p:nvSpPr>
-          <p:cNvPr id="2" name="标题 1"/>
-          <p:cNvSpPr>
-            <a:spLocks noGrp="1"/>
-          </p:cNvSpPr>
-          <p:nvPr>
-            <p:ph type="title"/>
-          </p:nvPr>
-        </p:nvSpPr>
-        <p:spPr/>
-        <p:txBody>
-          <a:bodyPr/>
-          <a:lstStyle/>
-          <a:p>
-            <a:endParaRPr lang="zh-CN" altLang="en-US"/>
-          </a:p>
-        </p:txBody>
-      </p:sp>
-      <p:sp>
-        <p:nvSpPr>
-          <p:cNvPr id="4" name="内容占位符 3"/>
+          <p:cNvPr id="3" name="内容占位符 2"/>
           <p:cNvSpPr>
             <a:spLocks noGrp="1"/>
           </p:cNvSpPr>
@@ -3084,43 +3068,219 @@
             <p:ph idx="1"/>
           </p:nvPr>
         </p:nvSpPr>
-        <p:spPr/>
-        <p:txBody>
-          <a:bodyPr/>
-          <a:lstStyle/>
-          <a:p>
-            <a:endParaRPr lang="zh-CN" altLang="en-US"/>
-          </a:p>
-        </p:txBody>
-      </p:sp>
-      <p:pic>
-        <p:nvPicPr>
-          <p:cNvPr id="5" name="图片 4"/>
-          <p:cNvPicPr>
-            <a:picLocks noChangeAspect="1"/>
-          </p:cNvPicPr>
-          <p:nvPr/>
-        </p:nvPicPr>
-        <p:blipFill>
-          <a:blip r:embed="rId2"/>
-          <a:stretch>
-            <a:fillRect/>
-          </a:stretch>
-        </p:blipFill>
         <p:spPr>
           <a:xfrm>
-            <a:off x="940972" y="1825625"/>
-            <a:ext cx="4276725" cy="3019425"/>
+            <a:off x="735650" y="1065049"/>
+            <a:ext cx="10515600" cy="6925268"/>
           </a:xfrm>
-          <a:prstGeom prst="rect">
-            <a:avLst/>
-          </a:prstGeom>
         </p:spPr>
-      </p:pic>
+        <p:txBody>
+          <a:bodyPr>
+            <a:normAutofit/>
+          </a:bodyPr>
+          <a:lstStyle/>
+          <a:p>
+            <a:r>
+              <a:rPr lang="zh-CN" altLang="en-US" dirty="0" smtClean="0"/>
+              <a:t>首先</a:t>
+            </a:r>
+            <a:r>
+              <a:rPr lang="zh-CN" altLang="en-US" dirty="0"/>
+              <a:t>明确一个问题：假设有两个区间</a:t>
+            </a:r>
+            <a:r>
+              <a:rPr lang="en-US" altLang="zh-CN" i="1" dirty="0" err="1"/>
+              <a:t>x,y</a:t>
+            </a:r>
+            <a:r>
+              <a:rPr lang="zh-CN" altLang="en-US" dirty="0"/>
+              <a:t>，区间</a:t>
+            </a:r>
+            <a:r>
+              <a:rPr lang="en-US" altLang="zh-CN" i="1" dirty="0"/>
+              <a:t>x</a:t>
+            </a:r>
+            <a:r>
+              <a:rPr lang="zh-CN" altLang="en-US" dirty="0"/>
+              <a:t>完全包含</a:t>
+            </a:r>
+            <a:r>
+              <a:rPr lang="en-US" altLang="zh-CN" i="1" dirty="0"/>
+              <a:t>y</a:t>
+            </a:r>
+            <a:r>
+              <a:rPr lang="zh-CN" altLang="en-US" dirty="0"/>
+              <a:t>。 那么选</a:t>
+            </a:r>
+            <a:r>
+              <a:rPr lang="en-US" altLang="zh-CN" i="1" dirty="0"/>
+              <a:t>x</a:t>
+            </a:r>
+            <a:r>
+              <a:rPr lang="zh-CN" altLang="en-US" dirty="0"/>
+              <a:t>是不划算的，</a:t>
+            </a:r>
+            <a:r>
+              <a:rPr lang="en-US" altLang="zh-CN" i="1" dirty="0"/>
+              <a:t>x</a:t>
+            </a:r>
+            <a:r>
+              <a:rPr lang="zh-CN" altLang="en-US" dirty="0"/>
+              <a:t>和</a:t>
+            </a:r>
+            <a:r>
+              <a:rPr lang="en-US" altLang="zh-CN" i="1" dirty="0"/>
+              <a:t>y</a:t>
+            </a:r>
+            <a:r>
+              <a:rPr lang="zh-CN" altLang="en-US" dirty="0"/>
+              <a:t>最多只能选一个，选</a:t>
+            </a:r>
+            <a:r>
+              <a:rPr lang="en-US" altLang="zh-CN" i="1" dirty="0"/>
+              <a:t>x</a:t>
+            </a:r>
+            <a:r>
+              <a:rPr lang="zh-CN" altLang="en-US" dirty="0"/>
+              <a:t>还不如选</a:t>
+            </a:r>
+            <a:r>
+              <a:rPr lang="en-US" altLang="zh-CN" i="1" dirty="0"/>
+              <a:t>y</a:t>
+            </a:r>
+            <a:r>
+              <a:rPr lang="zh-CN" altLang="en-US" dirty="0"/>
+              <a:t>，这样不仅区间数目不会减少，而且给其他区间留出更多的位置。 接下来，按照</a:t>
+            </a:r>
+            <a:r>
+              <a:rPr lang="en-US" altLang="zh-CN" i="1" dirty="0"/>
+              <a:t>bi</a:t>
+            </a:r>
+            <a:r>
+              <a:rPr lang="zh-CN" altLang="en-US" dirty="0"/>
+              <a:t>从小到大的顺序给区间排序。 贪心策略是：一定要选第一个区间。 为什么？</a:t>
+            </a:r>
+            <a:br>
+              <a:rPr lang="zh-CN" altLang="en-US" dirty="0"/>
+            </a:br>
+            <a:endParaRPr lang="en-US" altLang="zh-CN" dirty="0" smtClean="0"/>
+          </a:p>
+          <a:p>
+            <a:r>
+              <a:rPr lang="zh-CN" altLang="en-US" dirty="0" smtClean="0"/>
+              <a:t>情况</a:t>
+            </a:r>
+            <a:r>
+              <a:rPr lang="en-US" altLang="zh-CN" dirty="0"/>
+              <a:t>1</a:t>
+            </a:r>
+            <a:r>
+              <a:rPr lang="zh-CN" altLang="en-US" dirty="0"/>
+              <a:t>：</a:t>
+            </a:r>
+            <a:r>
+              <a:rPr lang="en-US" altLang="zh-CN" dirty="0"/>
+              <a:t>a1&gt;a2</a:t>
+            </a:r>
+            <a:r>
+              <a:rPr lang="zh-CN" altLang="en-US" dirty="0" smtClean="0"/>
+              <a:t>，区间</a:t>
+            </a:r>
+            <a:r>
+              <a:rPr lang="en-US" altLang="zh-CN" dirty="0"/>
+              <a:t>2</a:t>
+            </a:r>
+            <a:r>
+              <a:rPr lang="zh-CN" altLang="en-US" dirty="0"/>
+              <a:t>包含区间</a:t>
+            </a:r>
+            <a:r>
+              <a:rPr lang="en-US" altLang="zh-CN" dirty="0"/>
+              <a:t>1</a:t>
+            </a:r>
+            <a:r>
+              <a:rPr lang="zh-CN" altLang="en-US" dirty="0"/>
+              <a:t>。 前面已经讨论过，这种情况下</a:t>
+            </a:r>
+            <a:r>
+              <a:rPr lang="zh-CN" altLang="en-US" dirty="0" smtClean="0"/>
+              <a:t>一定</a:t>
+            </a:r>
+            <a:r>
+              <a:rPr lang="zh-CN" altLang="en-US" dirty="0"/>
+              <a:t>不会选择区间</a:t>
+            </a:r>
+            <a:r>
+              <a:rPr lang="en-US" altLang="zh-CN" dirty="0"/>
+              <a:t>2</a:t>
+            </a:r>
+            <a:r>
+              <a:rPr lang="zh-CN" altLang="en-US" dirty="0"/>
+              <a:t>。 不仅区间</a:t>
+            </a:r>
+            <a:r>
+              <a:rPr lang="en-US" altLang="zh-CN" dirty="0"/>
+              <a:t>2</a:t>
+            </a:r>
+            <a:r>
+              <a:rPr lang="zh-CN" altLang="en-US" dirty="0"/>
+              <a:t>如此，以后所有区间中只要有一个</a:t>
+            </a:r>
+            <a:r>
+              <a:rPr lang="en-US" altLang="zh-CN" dirty="0" err="1"/>
+              <a:t>i</a:t>
+            </a:r>
+            <a:r>
+              <a:rPr lang="zh-CN" altLang="en-US" dirty="0"/>
+              <a:t>满足</a:t>
+            </a:r>
+            <a:r>
+              <a:rPr lang="en-US" altLang="zh-CN" dirty="0"/>
+              <a:t>a1&gt;</a:t>
+            </a:r>
+            <a:r>
+              <a:rPr lang="en-US" altLang="zh-CN" dirty="0" err="1"/>
+              <a:t>ai</a:t>
+            </a:r>
+            <a:r>
+              <a:rPr lang="zh-CN" altLang="en-US" dirty="0"/>
+              <a:t>，</a:t>
+            </a:r>
+            <a:r>
+              <a:rPr lang="en-US" altLang="zh-CN" dirty="0" err="1"/>
+              <a:t>i</a:t>
+            </a:r>
+            <a:r>
+              <a:rPr lang="zh-CN" altLang="en-US" dirty="0"/>
+              <a:t>都不要选。 </a:t>
+            </a:r>
+            <a:r>
+              <a:rPr lang="zh-CN" altLang="en-US" dirty="0" smtClean="0"/>
+              <a:t>在今后</a:t>
+            </a:r>
+            <a:r>
+              <a:rPr lang="zh-CN" altLang="en-US" dirty="0"/>
+              <a:t>的讨论中，将不考虑这些区间</a:t>
+            </a:r>
+            <a:r>
+              <a:rPr lang="zh-CN" altLang="en-US" dirty="0" smtClean="0"/>
+              <a:t>。</a:t>
+            </a:r>
+            <a:r>
+              <a:rPr lang="zh-CN" altLang="en-US" dirty="0"/>
+              <a:t/>
+            </a:r>
+            <a:br>
+              <a:rPr lang="zh-CN" altLang="en-US" dirty="0"/>
+            </a:br>
+            <a:endParaRPr lang="zh-CN" altLang="en-US" dirty="0"/>
+          </a:p>
+        </p:txBody>
+      </p:sp>
     </p:spTree>
     <p:extLst>
       <p:ext uri="{BB962C8B-B14F-4D97-AF65-F5344CB8AC3E}">
-        <p14:creationId xmlns:p14="http://schemas.microsoft.com/office/powerpoint/2010/main" val="2465979588"/>
+        <p14:creationId xmlns:p14="http://schemas.microsoft.com/office/powerpoint/2010/main" val="1128083280"/>
       </p:ext>
     </p:extLst>
   </p:cSld>
@@ -3149,28 +3309,6 @@
       </p:grpSpPr>
       <p:sp>
         <p:nvSpPr>
-          <p:cNvPr id="2" name="标题 1"/>
-          <p:cNvSpPr>
-            <a:spLocks noGrp="1"/>
-          </p:cNvSpPr>
-          <p:nvPr>
-            <p:ph type="title"/>
-          </p:nvPr>
-        </p:nvSpPr>
-        <p:spPr/>
-        <p:txBody>
-          <a:bodyPr/>
-          <a:lstStyle/>
-          <a:p>
-            <a:r>
-              <a:rPr lang="zh-CN" altLang="en-US" dirty="0"/>
-              <a:t>例题</a:t>
-            </a:r>
-          </a:p>
-        </p:txBody>
-      </p:sp>
-      <p:sp>
-        <p:nvSpPr>
           <p:cNvPr id="3" name="内容占位符 2"/>
           <p:cNvSpPr>
             <a:spLocks noGrp="1"/>
@@ -3179,51 +3317,186 @@
             <p:ph idx="1"/>
           </p:nvPr>
         </p:nvSpPr>
-        <p:spPr/>
-        <p:txBody>
-          <a:bodyPr/>
-          <a:lstStyle/>
-          <a:p>
-            <a:r>
-              <a:rPr lang="zh-CN" altLang="en-US" dirty="0" smtClean="0"/>
-              <a:t>有</a:t>
-            </a:r>
-            <a:r>
-              <a:rPr lang="zh-CN" altLang="en-US" dirty="0" smtClean="0"/>
-              <a:t>若干个活动，第</a:t>
-            </a:r>
-            <a:r>
-              <a:rPr lang="en-US" altLang="zh-CN" dirty="0" err="1" smtClean="0"/>
-              <a:t>i</a:t>
-            </a:r>
-            <a:r>
-              <a:rPr lang="zh-CN" altLang="en-US" dirty="0" smtClean="0"/>
-              <a:t>个开始时间和结束时间是</a:t>
-            </a:r>
-            <a:r>
-              <a:rPr lang="en-US" altLang="zh-CN" dirty="0" smtClean="0"/>
-              <a:t>[</a:t>
-            </a:r>
-            <a:r>
-              <a:rPr lang="en-US" altLang="zh-CN" dirty="0" err="1" smtClean="0"/>
-              <a:t>Si,fi</a:t>
-            </a:r>
-            <a:r>
-              <a:rPr lang="en-US" altLang="zh-CN" dirty="0" smtClean="0"/>
-              <a:t>)</a:t>
-            </a:r>
-            <a:r>
-              <a:rPr lang="zh-CN" altLang="en-US" dirty="0" smtClean="0"/>
-              <a:t>，同一个教室安排的活动之间不能交叠，求要安排所有活动，最少需要几个教室？ </a:t>
-            </a:r>
-            <a:endParaRPr lang="zh-CN" altLang="en-US" dirty="0"/>
-          </a:p>
-        </p:txBody>
-      </p:sp>
+        <p:spPr>
+          <a:xfrm>
+            <a:off x="692922" y="261744"/>
+            <a:ext cx="10515600" cy="4351338"/>
+          </a:xfrm>
+        </p:spPr>
+        <p:txBody>
+          <a:bodyPr/>
+          <a:lstStyle/>
+          <a:p>
+            <a:r>
+              <a:rPr lang="zh-CN" altLang="en-US" dirty="0"/>
+              <a:t>情况</a:t>
+            </a:r>
+            <a:r>
+              <a:rPr lang="en-US" altLang="zh-CN" dirty="0"/>
+              <a:t>2</a:t>
+            </a:r>
+            <a:r>
+              <a:rPr lang="zh-CN" altLang="en-US" dirty="0"/>
+              <a:t>：排除了情况</a:t>
+            </a:r>
+            <a:r>
+              <a:rPr lang="en-US" altLang="zh-CN" dirty="0"/>
+              <a:t>1</a:t>
+            </a:r>
+            <a:r>
+              <a:rPr lang="zh-CN" altLang="en-US" dirty="0"/>
+              <a:t>，一定有</a:t>
+            </a:r>
+            <a:r>
+              <a:rPr lang="en-US" altLang="zh-CN" dirty="0"/>
+              <a:t>a1≤a2≤a3≤…</a:t>
+            </a:r>
+            <a:r>
+              <a:rPr lang="zh-CN" altLang="en-US" dirty="0"/>
+              <a:t>。 如果区间</a:t>
+            </a:r>
+            <a:r>
+              <a:rPr lang="en-US" altLang="zh-CN" dirty="0"/>
+              <a:t>2</a:t>
+            </a:r>
+            <a:r>
+              <a:rPr lang="zh-CN" altLang="en-US" dirty="0"/>
+              <a:t>和区间</a:t>
+            </a:r>
+            <a:r>
+              <a:rPr lang="en-US" altLang="zh-CN" dirty="0"/>
+              <a:t>1</a:t>
+            </a:r>
+            <a:r>
+              <a:rPr lang="zh-CN" altLang="en-US" dirty="0"/>
+              <a:t>完全不相交，那么没有影响（因此一定要选区间</a:t>
+            </a:r>
+            <a:r>
+              <a:rPr lang="en-US" altLang="zh-CN" dirty="0"/>
+              <a:t>1</a:t>
+            </a:r>
+            <a:r>
+              <a:rPr lang="zh-CN" altLang="en-US" dirty="0"/>
+              <a:t>），否则区间</a:t>
+            </a:r>
+            <a:r>
+              <a:rPr lang="en-US" altLang="zh-CN" dirty="0"/>
+              <a:t>1</a:t>
+            </a:r>
+            <a:r>
+              <a:rPr lang="zh-CN" altLang="en-US" dirty="0"/>
+              <a:t>和区间</a:t>
+            </a:r>
+            <a:r>
+              <a:rPr lang="en-US" altLang="zh-CN" dirty="0"/>
+              <a:t>2</a:t>
+            </a:r>
+            <a:r>
+              <a:rPr lang="zh-CN" altLang="en-US" dirty="0"/>
+              <a:t>最多只能选一个。 如果不选区间</a:t>
+            </a:r>
+            <a:r>
+              <a:rPr lang="en-US" altLang="zh-CN" dirty="0"/>
+              <a:t>2</a:t>
+            </a:r>
+            <a:r>
+              <a:rPr lang="zh-CN" altLang="en-US" dirty="0"/>
+              <a:t>，黑色部分其实是没有任何影响的（它不会挡住任何一个区间），区间</a:t>
+            </a:r>
+            <a:r>
+              <a:rPr lang="en-US" altLang="zh-CN" dirty="0"/>
+              <a:t>1</a:t>
+            </a:r>
+            <a:r>
+              <a:rPr lang="zh-CN" altLang="en-US" dirty="0"/>
+              <a:t>的有效部分其实变成了灰色部分，它被区间</a:t>
+            </a:r>
+            <a:r>
+              <a:rPr lang="en-US" altLang="zh-CN" dirty="0"/>
+              <a:t>2</a:t>
+            </a:r>
+            <a:r>
+              <a:rPr lang="zh-CN" altLang="en-US" dirty="0"/>
+              <a:t>所包含！由刚才的结论，区间</a:t>
+            </a:r>
+            <a:r>
+              <a:rPr lang="en-US" altLang="zh-CN" dirty="0"/>
+              <a:t>2</a:t>
+            </a:r>
+            <a:r>
+              <a:rPr lang="zh-CN" altLang="en-US" dirty="0"/>
+              <a:t>是不能选的。 依此类推，不能因为选任何区间而放弃区间</a:t>
+            </a:r>
+            <a:r>
+              <a:rPr lang="en-US" altLang="zh-CN" dirty="0"/>
+              <a:t>1</a:t>
+            </a:r>
+            <a:r>
+              <a:rPr lang="zh-CN" altLang="en-US" dirty="0"/>
+              <a:t>，因此选择区间</a:t>
+            </a:r>
+            <a:r>
+              <a:rPr lang="en-US" altLang="zh-CN" dirty="0"/>
+              <a:t>1</a:t>
+            </a:r>
+            <a:r>
+              <a:rPr lang="zh-CN" altLang="en-US" dirty="0"/>
+              <a:t>是明智的。</a:t>
+            </a:r>
+            <a:endParaRPr lang="en-US" altLang="zh-CN" dirty="0"/>
+          </a:p>
+          <a:p>
+            <a:r>
+              <a:rPr lang="zh-CN" altLang="en-US" dirty="0"/>
+              <a:t>选择了区间</a:t>
+            </a:r>
+            <a:r>
+              <a:rPr lang="en-US" altLang="zh-CN" dirty="0"/>
+              <a:t>1</a:t>
+            </a:r>
+            <a:r>
+              <a:rPr lang="zh-CN" altLang="en-US" dirty="0"/>
+              <a:t>以后，需要把所有和区间</a:t>
+            </a:r>
+            <a:r>
+              <a:rPr lang="en-US" altLang="zh-CN" dirty="0"/>
+              <a:t>1</a:t>
+            </a:r>
+            <a:r>
+              <a:rPr lang="zh-CN" altLang="en-US" dirty="0"/>
+              <a:t>相交的区间排除在外，需要记录上一个被选择的区间编号。 这样，在排序后只需要扫描一次即可完成贪心过程，得到正确结果。</a:t>
+            </a:r>
+          </a:p>
+        </p:txBody>
+      </p:sp>
+      <p:pic>
+        <p:nvPicPr>
+          <p:cNvPr id="4" name="图片 3"/>
+          <p:cNvPicPr>
+            <a:picLocks noChangeAspect="1"/>
+          </p:cNvPicPr>
+          <p:nvPr/>
+        </p:nvPicPr>
+        <p:blipFill>
+          <a:blip r:embed="rId2"/>
+          <a:stretch>
+            <a:fillRect/>
+          </a:stretch>
+        </p:blipFill>
+        <p:spPr>
+          <a:xfrm>
+            <a:off x="837488" y="4530028"/>
+            <a:ext cx="9402021" cy="2105025"/>
+          </a:xfrm>
+          <a:prstGeom prst="rect">
+            <a:avLst/>
+          </a:prstGeom>
+        </p:spPr>
+      </p:pic>
     </p:spTree>
     <p:extLst>
       <p:ext uri="{BB962C8B-B14F-4D97-AF65-F5344CB8AC3E}">
-        <p14:creationId xmlns:p14="http://schemas.microsoft.com/office/powerpoint/2010/main" val="2170459796"/>
+        <p14:creationId xmlns:p14="http://schemas.microsoft.com/office/powerpoint/2010/main" val="4020241580"/>
       </p:ext>
     </p:extLst>
   </p:cSld>
@@ -3250,36 +3523,98 @@
           <a:chExt cx="0" cy="0"/>
         </a:xfrm>
       </p:grpSpPr>
-      <p:pic>
-        <p:nvPicPr>
-          <p:cNvPr id="4" name="内容占位符 3"/>
-          <p:cNvPicPr>
-            <a:picLocks noGrp="1" noChangeAspect="1"/>
-          </p:cNvPicPr>
+      <p:sp>
+        <p:nvSpPr>
+          <p:cNvPr id="2" name="标题 1"/>
+          <p:cNvSpPr>
+            <a:spLocks noGrp="1"/>
+          </p:cNvSpPr>
+          <p:nvPr>
+            <p:ph type="title"/>
+          </p:nvPr>
+        </p:nvSpPr>
+        <p:spPr/>
+        <p:txBody>
+          <a:bodyPr/>
+          <a:lstStyle/>
+          <a:p>
+            <a:r>
+              <a:rPr lang="zh-CN" altLang="en-US" dirty="0" smtClean="0"/>
+              <a:t>例题</a:t>
+            </a:r>
+            <a:endParaRPr lang="zh-CN" altLang="en-US" dirty="0"/>
+          </a:p>
+        </p:txBody>
+      </p:sp>
+      <p:sp>
+        <p:nvSpPr>
+          <p:cNvPr id="3" name="内容占位符 2"/>
+          <p:cNvSpPr>
+            <a:spLocks noGrp="1"/>
+          </p:cNvSpPr>
           <p:nvPr>
             <p:ph idx="1"/>
           </p:nvPr>
-        </p:nvPicPr>
-        <p:blipFill>
-          <a:blip r:embed="rId2"/>
-          <a:stretch>
-            <a:fillRect/>
-          </a:stretch>
-        </p:blipFill>
-        <p:spPr>
-          <a:xfrm>
-            <a:off x="330660" y="309629"/>
-            <a:ext cx="7172325" cy="4933950"/>
-          </a:xfrm>
-          <a:prstGeom prst="rect">
-            <a:avLst/>
-          </a:prstGeom>
-        </p:spPr>
-      </p:pic>
+        </p:nvSpPr>
+        <p:spPr/>
+        <p:txBody>
+          <a:bodyPr>
+            <a:normAutofit/>
+          </a:bodyPr>
+          <a:lstStyle/>
+          <a:p>
+            <a:r>
+              <a:rPr lang="zh-CN" altLang="en-US" dirty="0" smtClean="0"/>
+              <a:t>数轴</a:t>
+            </a:r>
+            <a:r>
+              <a:rPr lang="zh-CN" altLang="en-US" dirty="0"/>
+              <a:t>上有</a:t>
+            </a:r>
+            <a:r>
+              <a:rPr lang="en-US" altLang="zh-CN" dirty="0"/>
+              <a:t>n</a:t>
+            </a:r>
+            <a:r>
+              <a:rPr lang="zh-CN" altLang="en-US" dirty="0"/>
+              <a:t>个闭区间</a:t>
+            </a:r>
+            <a:r>
+              <a:rPr lang="en-US" altLang="zh-CN" dirty="0"/>
+              <a:t>[</a:t>
+            </a:r>
+            <a:r>
+              <a:rPr lang="en-US" altLang="zh-CN" dirty="0" err="1"/>
+              <a:t>ai</a:t>
+            </a:r>
+            <a:r>
+              <a:rPr lang="en-US" altLang="zh-CN" dirty="0"/>
+              <a:t>, bi]</a:t>
+            </a:r>
+            <a:r>
+              <a:rPr lang="zh-CN" altLang="en-US" dirty="0"/>
+              <a:t>。 取尽量少的点，使得每个区间内都至少</a:t>
+            </a:r>
+            <a:r>
+              <a:rPr lang="zh-CN" altLang="en-US" dirty="0" smtClean="0"/>
+              <a:t>有一</a:t>
+            </a:r>
+            <a:r>
+              <a:rPr lang="zh-CN" altLang="en-US" dirty="0"/>
+              <a:t>个点（不同区间内含的点可以是同一个）</a:t>
+            </a:r>
+            <a:r>
+              <a:rPr lang="zh-CN" altLang="en-US" dirty="0" smtClean="0"/>
+              <a:t>。</a:t>
+            </a:r>
+            <a:endParaRPr lang="zh-CN" altLang="en-US" dirty="0"/>
+          </a:p>
+        </p:txBody>
+      </p:sp>
     </p:spTree>
     <p:extLst>
       <p:ext uri="{BB962C8B-B14F-4D97-AF65-F5344CB8AC3E}">
-        <p14:creationId xmlns:p14="http://schemas.microsoft.com/office/powerpoint/2010/main" val="1047846804"/>
+        <p14:creationId xmlns:p14="http://schemas.microsoft.com/office/powerpoint/2010/main" val="1747773108"/>
       </p:ext>
     </p:extLst>
   </p:cSld>
@@ -3321,10 +3656,7 @@
           <a:bodyPr/>
           <a:lstStyle/>
           <a:p>
-            <a:r>
-              <a:rPr lang="zh-CN" altLang="en-US" dirty="0"/>
-              <a:t>例题</a:t>
-            </a:r>
+            <a:endParaRPr lang="zh-CN" altLang="en-US"/>
           </a:p>
         </p:txBody>
       </p:sp>
@@ -3344,100 +3676,12 @@
           <a:lstStyle/>
           <a:p>
             <a:r>
-              <a:rPr lang="en-US" altLang="zh-CN" dirty="0" smtClean="0"/>
-              <a:t>N</a:t>
-            </a:r>
-            <a:r>
-              <a:rPr lang="zh-CN" altLang="en-US" dirty="0"/>
-              <a:t>个作业</a:t>
-            </a:r>
-            <a:r>
-              <a:rPr lang="en-US" altLang="zh-CN" dirty="0"/>
-              <a:t>{1</a:t>
-            </a:r>
-            <a:r>
-              <a:rPr lang="zh-CN" altLang="en-US" dirty="0"/>
-              <a:t>，</a:t>
-            </a:r>
-            <a:r>
-              <a:rPr lang="en-US" altLang="zh-CN" dirty="0"/>
-              <a:t>2</a:t>
-            </a:r>
-            <a:r>
-              <a:rPr lang="zh-CN" altLang="en-US" dirty="0"/>
-              <a:t>，</a:t>
-            </a:r>
-            <a:r>
-              <a:rPr lang="en-US" altLang="zh-CN" dirty="0"/>
-              <a:t>…</a:t>
-            </a:r>
-            <a:r>
-              <a:rPr lang="zh-CN" altLang="en-US" dirty="0"/>
-              <a:t>，</a:t>
-            </a:r>
-            <a:r>
-              <a:rPr lang="en-US" altLang="zh-CN" dirty="0"/>
-              <a:t>n}</a:t>
-            </a:r>
-            <a:r>
-              <a:rPr lang="zh-CN" altLang="en-US" dirty="0"/>
-              <a:t>要在由</a:t>
-            </a:r>
-            <a:r>
-              <a:rPr lang="en-US" altLang="zh-CN" dirty="0"/>
-              <a:t>2</a:t>
-            </a:r>
-            <a:r>
-              <a:rPr lang="zh-CN" altLang="en-US" dirty="0"/>
-              <a:t>台机器</a:t>
-            </a:r>
-            <a:r>
-              <a:rPr lang="en-US" altLang="zh-CN" dirty="0"/>
-              <a:t>M1</a:t>
-            </a:r>
-            <a:r>
-              <a:rPr lang="zh-CN" altLang="en-US" dirty="0"/>
-              <a:t>和</a:t>
-            </a:r>
-            <a:r>
-              <a:rPr lang="en-US" altLang="zh-CN" dirty="0"/>
-              <a:t>M2</a:t>
-            </a:r>
-            <a:r>
-              <a:rPr lang="zh-CN" altLang="en-US" dirty="0"/>
-              <a:t>组成的流水线上完成加工。每个作业加工的顺序都是先在</a:t>
-            </a:r>
-            <a:r>
-              <a:rPr lang="en-US" altLang="zh-CN" dirty="0"/>
-              <a:t>M1</a:t>
-            </a:r>
-            <a:r>
-              <a:rPr lang="zh-CN" altLang="en-US" dirty="0"/>
-              <a:t>上加工，然后在</a:t>
-            </a:r>
-            <a:r>
-              <a:rPr lang="en-US" altLang="zh-CN" dirty="0"/>
-              <a:t>M2</a:t>
-            </a:r>
-            <a:r>
-              <a:rPr lang="zh-CN" altLang="en-US" dirty="0"/>
-              <a:t>上加工。</a:t>
-            </a:r>
-            <a:r>
-              <a:rPr lang="en-US" altLang="zh-CN" dirty="0"/>
-              <a:t>M1</a:t>
-            </a:r>
-            <a:r>
-              <a:rPr lang="zh-CN" altLang="en-US" dirty="0"/>
-              <a:t>和</a:t>
-            </a:r>
-            <a:r>
-              <a:rPr lang="en-US" altLang="zh-CN" dirty="0"/>
-              <a:t>M2</a:t>
-            </a:r>
-            <a:r>
-              <a:rPr lang="zh-CN" altLang="en-US" dirty="0"/>
-              <a:t>加工作业</a:t>
+              <a:rPr lang="zh-CN" altLang="en-US" dirty="0" smtClean="0"/>
+              <a:t>如果</a:t>
+            </a:r>
+            <a:r>
+              <a:rPr lang="zh-CN" altLang="en-US" dirty="0"/>
+              <a:t>区间</a:t>
             </a:r>
             <a:r>
               <a:rPr lang="en-US" altLang="zh-CN" dirty="0" err="1"/>
@@ -3445,63 +3689,48 @@
             </a:r>
             <a:r>
               <a:rPr lang="zh-CN" altLang="en-US" dirty="0"/>
-              <a:t>所需的时间分别为</a:t>
-            </a:r>
-            <a:r>
-              <a:rPr lang="en-US" altLang="zh-CN" dirty="0"/>
-              <a:t>a[</a:t>
-            </a:r>
-            <a:r>
-              <a:rPr lang="en-US" altLang="zh-CN" dirty="0" err="1"/>
-              <a:t>i</a:t>
-            </a:r>
-            <a:r>
-              <a:rPr lang="en-US" altLang="zh-CN" dirty="0"/>
-              <a:t>]</a:t>
-            </a:r>
-            <a:r>
-              <a:rPr lang="zh-CN" altLang="en-US" dirty="0"/>
-              <a:t>和</a:t>
-            </a:r>
-            <a:r>
-              <a:rPr lang="en-US" altLang="zh-CN" dirty="0"/>
-              <a:t>b[</a:t>
-            </a:r>
-            <a:r>
-              <a:rPr lang="en-US" altLang="zh-CN" dirty="0" err="1"/>
-              <a:t>i</a:t>
-            </a:r>
-            <a:r>
-              <a:rPr lang="en-US" altLang="zh-CN" dirty="0"/>
-              <a:t>]</a:t>
-            </a:r>
-            <a:r>
-              <a:rPr lang="zh-CN" altLang="en-US" dirty="0"/>
-              <a:t>。你可以安排每个作业的执行顺序，使得从第一个作业在机器</a:t>
-            </a:r>
-            <a:r>
-              <a:rPr lang="en-US" altLang="zh-CN" dirty="0"/>
-              <a:t>M1</a:t>
-            </a:r>
-            <a:r>
-              <a:rPr lang="zh-CN" altLang="en-US" dirty="0"/>
-              <a:t>上开始加工，到最后一个作业在机器</a:t>
-            </a:r>
-            <a:r>
-              <a:rPr lang="en-US" altLang="zh-CN" dirty="0"/>
-              <a:t>M2</a:t>
-            </a:r>
-            <a:r>
-              <a:rPr lang="zh-CN" altLang="en-US" dirty="0"/>
-              <a:t>上加工完成所需的时间最少。求这个最少的时间。</a:t>
-            </a:r>
+              <a:t>内已经有一个点被取到，则称此区间已经被满足。 受上一题的启发，下面先讨论区间包含的情况。 由于小区间被满足时大区间一定也被满足，所以在区间包含的情况下，大区间不需要考虑。</a:t>
+            </a:r>
+          </a:p>
+          <a:p>
+            <a:r>
+              <a:rPr lang="zh-CN" altLang="en-US" dirty="0"/>
+              <a:t>把所有区间按</a:t>
+            </a:r>
+            <a:r>
+              <a:rPr lang="en-US" altLang="zh-CN" dirty="0"/>
+              <a:t>b</a:t>
+            </a:r>
+            <a:r>
+              <a:rPr lang="zh-CN" altLang="en-US" dirty="0"/>
+              <a:t>从小到大排序（</a:t>
+            </a:r>
+            <a:r>
+              <a:rPr lang="en-US" altLang="zh-CN" dirty="0"/>
+              <a:t>b</a:t>
+            </a:r>
+            <a:r>
+              <a:rPr lang="zh-CN" altLang="en-US" dirty="0"/>
+              <a:t>相同时</a:t>
+            </a:r>
+            <a:r>
+              <a:rPr lang="en-US" altLang="zh-CN" dirty="0"/>
+              <a:t>a</a:t>
+            </a:r>
+            <a:r>
+              <a:rPr lang="zh-CN" altLang="en-US" dirty="0"/>
+              <a:t>从大到小排序），则如果出现区间包含的情况，小区间一定排在前面。 第一个区间应该取哪一个点呢？此处的贪心策略是：取最后一个点。</a:t>
+            </a:r>
+          </a:p>
+          <a:p>
+            <a:endParaRPr lang="zh-CN" altLang="en-US" dirty="0"/>
           </a:p>
         </p:txBody>
       </p:sp>
     </p:spTree>
     <p:extLst>
       <p:ext uri="{BB962C8B-B14F-4D97-AF65-F5344CB8AC3E}">
-        <p14:creationId xmlns:p14="http://schemas.microsoft.com/office/powerpoint/2010/main" val="3951544910"/>
+        <p14:creationId xmlns:p14="http://schemas.microsoft.com/office/powerpoint/2010/main" val="4213440368"/>
       </p:ext>
     </p:extLst>
   </p:cSld>
@@ -3530,25 +3759,6 @@
       </p:grpSpPr>
       <p:sp>
         <p:nvSpPr>
-          <p:cNvPr id="2" name="标题 1"/>
-          <p:cNvSpPr>
-            <a:spLocks noGrp="1"/>
-          </p:cNvSpPr>
-          <p:nvPr>
-            <p:ph type="title"/>
-          </p:nvPr>
-        </p:nvSpPr>
-        <p:spPr/>
-        <p:txBody>
-          <a:bodyPr/>
-          <a:lstStyle/>
-          <a:p>
-            <a:endParaRPr lang="zh-CN" altLang="en-US"/>
-          </a:p>
-        </p:txBody>
-      </p:sp>
-      <p:sp>
-        <p:nvSpPr>
           <p:cNvPr id="3" name="内容占位符 2"/>
           <p:cNvSpPr>
             <a:spLocks noGrp="1"/>
@@ -3557,93 +3767,67 @@
             <p:ph idx="1"/>
           </p:nvPr>
         </p:nvSpPr>
-        <p:spPr/>
-        <p:txBody>
-          <a:bodyPr/>
-          <a:lstStyle/>
-          <a:p>
-            <a:r>
-              <a:rPr lang="en-US" altLang="zh-CN" dirty="0" smtClean="0"/>
-              <a:t>Johnson</a:t>
-            </a:r>
-            <a:r>
-              <a:rPr lang="zh-CN" altLang="en-US" dirty="0" smtClean="0"/>
-              <a:t>算法：</a:t>
-            </a:r>
-          </a:p>
-          <a:p>
-            <a:r>
-              <a:rPr lang="zh-CN" altLang="en-US" dirty="0" smtClean="0"/>
-              <a:t>①：将任务分为两类，</a:t>
-            </a:r>
-            <a:r>
-              <a:rPr lang="en-US" altLang="zh-CN" dirty="0" smtClean="0"/>
-              <a:t>A</a:t>
-            </a:r>
-            <a:r>
-              <a:rPr lang="zh-CN" altLang="en-US" dirty="0" smtClean="0"/>
-              <a:t>类任务先加工时间短，</a:t>
-            </a:r>
-            <a:r>
-              <a:rPr lang="en-US" altLang="zh-CN" dirty="0" smtClean="0"/>
-              <a:t>B</a:t>
-            </a:r>
-            <a:r>
-              <a:rPr lang="zh-CN" altLang="en-US" dirty="0" smtClean="0"/>
-              <a:t>类任务再加工时间短（</a:t>
-            </a:r>
-            <a:r>
-              <a:rPr lang="en-US" altLang="zh-CN" dirty="0" smtClean="0"/>
-              <a:t>or</a:t>
-            </a:r>
-            <a:r>
-              <a:rPr lang="zh-CN" altLang="en-US" dirty="0" smtClean="0"/>
-              <a:t>一样长）</a:t>
-            </a:r>
-          </a:p>
-          <a:p>
-            <a:r>
-              <a:rPr lang="zh-CN" altLang="en-US" dirty="0" smtClean="0"/>
-              <a:t>②：两类任务分别排序，其中</a:t>
-            </a:r>
-            <a:r>
-              <a:rPr lang="en-US" altLang="zh-CN" dirty="0" smtClean="0"/>
-              <a:t>A</a:t>
-            </a:r>
-            <a:r>
-              <a:rPr lang="zh-CN" altLang="en-US" dirty="0" smtClean="0"/>
-              <a:t>类按先加工时间从短到长排序，</a:t>
-            </a:r>
-            <a:r>
-              <a:rPr lang="en-US" altLang="zh-CN" dirty="0" smtClean="0"/>
-              <a:t>B</a:t>
-            </a:r>
-            <a:r>
-              <a:rPr lang="zh-CN" altLang="en-US" dirty="0" smtClean="0"/>
-              <a:t>类按再加工时间从长到短排序</a:t>
-            </a:r>
-          </a:p>
-          <a:p>
-            <a:r>
-              <a:rPr lang="zh-CN" altLang="en-US" dirty="0" smtClean="0"/>
-              <a:t>③：合并两类，将第二类任务接到第一类任务后面，此时任务的顺序最佳</a:t>
-            </a:r>
-          </a:p>
-          <a:p>
-            <a:r>
-              <a:rPr lang="zh-CN" altLang="en-US" dirty="0" smtClean="0"/>
-              <a:t>④：遍历所有任务，计算总耗时</a:t>
-            </a:r>
-          </a:p>
-          <a:p>
+        <p:spPr>
+          <a:xfrm>
+            <a:off x="752742" y="398478"/>
+            <a:ext cx="10515600" cy="4351338"/>
+          </a:xfrm>
+        </p:spPr>
+        <p:txBody>
+          <a:bodyPr/>
+          <a:lstStyle/>
+          <a:p>
+            <a:r>
+              <a:rPr lang="zh-CN" altLang="en-US" dirty="0" smtClean="0"/>
+              <a:t>如果</a:t>
+            </a:r>
+            <a:r>
+              <a:rPr lang="zh-CN" altLang="en-US" dirty="0"/>
+              <a:t>第一个区间不取最后一个，而是取中间的，如灰色点，那么把它移动到最后一个点后，</a:t>
+            </a:r>
+            <a:r>
+              <a:rPr lang="zh-CN" altLang="en-US" dirty="0" smtClean="0"/>
+              <a:t>被满足</a:t>
+            </a:r>
+            <a:r>
+              <a:rPr lang="zh-CN" altLang="en-US" dirty="0"/>
+              <a:t>的区间增加了，而且原先被满足的区间现在一定被满足。 </a:t>
+            </a:r>
+            <a:br>
+              <a:rPr lang="zh-CN" altLang="en-US" dirty="0"/>
+            </a:br>
             <a:endParaRPr lang="zh-CN" altLang="en-US" dirty="0"/>
           </a:p>
         </p:txBody>
       </p:sp>
+      <p:pic>
+        <p:nvPicPr>
+          <p:cNvPr id="4" name="图片 3"/>
+          <p:cNvPicPr>
+            <a:picLocks noChangeAspect="1"/>
+          </p:cNvPicPr>
+          <p:nvPr/>
+        </p:nvPicPr>
+        <p:blipFill>
+          <a:blip r:embed="rId2"/>
+          <a:stretch>
+            <a:fillRect/>
+          </a:stretch>
+        </p:blipFill>
+        <p:spPr>
+          <a:xfrm>
+            <a:off x="991935" y="1797066"/>
+            <a:ext cx="9353550" cy="2952750"/>
+          </a:xfrm>
+          <a:prstGeom prst="rect">
+            <a:avLst/>
+          </a:prstGeom>
+        </p:spPr>
+      </p:pic>
     </p:spTree>
     <p:extLst>
       <p:ext uri="{BB962C8B-B14F-4D97-AF65-F5344CB8AC3E}">
-        <p14:creationId xmlns:p14="http://schemas.microsoft.com/office/powerpoint/2010/main" val="1689967613"/>
+        <p14:creationId xmlns:p14="http://schemas.microsoft.com/office/powerpoint/2010/main" val="2631528673"/>
       </p:ext>
     </p:extLst>
   </p:cSld>
@@ -3687,7 +3871,7 @@
           <a:p>
             <a:r>
               <a:rPr lang="zh-CN" altLang="en-US" dirty="0" smtClean="0"/>
-              <a:t>练习题</a:t>
+              <a:t>例题</a:t>
             </a:r>
             <a:endParaRPr lang="zh-CN" altLang="en-US" dirty="0"/>
           </a:p>
@@ -3709,20 +3893,60 @@
           <a:lstStyle/>
           <a:p>
             <a:r>
-              <a:rPr lang="en-US" altLang="zh-CN" dirty="0"/>
-              <a:t>https://vjudge.net/contest/121719</a:t>
-            </a:r>
-            <a:endParaRPr lang="en-US" altLang="zh-CN" dirty="0" smtClean="0"/>
-          </a:p>
-          <a:p>
-            <a:r>
-              <a:rPr lang="en-US" altLang="zh-CN" dirty="0" smtClean="0"/>
-              <a:t>http</a:t>
-            </a:r>
-            <a:r>
-              <a:rPr lang="en-US" altLang="zh-CN" dirty="0"/>
-              <a:t>://acm.hdu.edu.cn/problemclass.php?id=40</a:t>
-            </a:r>
+              <a:rPr lang="zh-CN" altLang="en-US" dirty="0"/>
+              <a:t>数轴上有</a:t>
+            </a:r>
+            <a:r>
+              <a:rPr lang="en-US" altLang="zh-CN" i="1" dirty="0"/>
+              <a:t>n</a:t>
+            </a:r>
+            <a:r>
+              <a:rPr lang="zh-CN" altLang="en-US" dirty="0"/>
+              <a:t>个闭区间</a:t>
+            </a:r>
+            <a:r>
+              <a:rPr lang="en-US" altLang="zh-CN" dirty="0"/>
+              <a:t>[</a:t>
+            </a:r>
+            <a:r>
+              <a:rPr lang="en-US" altLang="zh-CN" i="1" dirty="0" err="1"/>
+              <a:t>ai</a:t>
+            </a:r>
+            <a:r>
+              <a:rPr lang="en-US" altLang="zh-CN" dirty="0"/>
+              <a:t>, </a:t>
+            </a:r>
+            <a:r>
+              <a:rPr lang="en-US" altLang="zh-CN" i="1" dirty="0"/>
+              <a:t>bi</a:t>
+            </a:r>
+            <a:r>
+              <a:rPr lang="en-US" altLang="zh-CN" dirty="0"/>
+              <a:t>]</a:t>
+            </a:r>
+            <a:r>
+              <a:rPr lang="zh-CN" altLang="en-US" dirty="0"/>
+              <a:t>，选择尽量少的区间覆盖一条指定线段</a:t>
+            </a:r>
+            <a:r>
+              <a:rPr lang="en-US" altLang="zh-CN" dirty="0"/>
+              <a:t>[</a:t>
+            </a:r>
+            <a:r>
+              <a:rPr lang="en-US" altLang="zh-CN" i="1" dirty="0" err="1" smtClean="0"/>
+              <a:t>s,t</a:t>
+            </a:r>
+            <a:r>
+              <a:rPr lang="en-US" altLang="zh-CN" dirty="0"/>
+              <a:t>]</a:t>
+            </a:r>
+            <a:r>
+              <a:rPr lang="zh-CN" altLang="en-US" dirty="0"/>
+              <a:t>。</a:t>
+            </a:r>
+            <a:br>
+              <a:rPr lang="zh-CN" altLang="en-US" dirty="0"/>
+            </a:br>
             <a:endParaRPr lang="zh-CN" altLang="en-US" dirty="0"/>
           </a:p>
         </p:txBody>
@@ -3730,7 +3954,619 @@
     </p:spTree>
     <p:extLst>
       <p:ext uri="{BB962C8B-B14F-4D97-AF65-F5344CB8AC3E}">
-        <p14:creationId xmlns:p14="http://schemas.microsoft.com/office/powerpoint/2010/main" val="22030882"/>
+        <p14:creationId xmlns:p14="http://schemas.microsoft.com/office/powerpoint/2010/main" val="1507859854"/>
+      </p:ext>
+    </p:extLst>
+  </p:cSld>
+  <p:clrMapOvr>
+    <a:masterClrMapping/>
+  </p:clrMapOvr>
+</p:sld>
+</file>
+
+<file path=ppt/slides/slide16.xml><?xml version="1.0" encoding="utf-8"?>
+<p:sld xmlns:a="http://schemas.openxmlformats.org/drawingml/2006/main" xmlns:r="http://schemas.openxmlformats.org/officeDocument/2006/relationships" xmlns:p="http://schemas.openxmlformats.org/presentationml/2006/main">
+  <p:cSld>
+    <p:spTree>
+      <p:nvGrpSpPr>
+        <p:cNvPr id="1" name=""/>
+        <p:cNvGrpSpPr/>
+        <p:nvPr/>
+      </p:nvGrpSpPr>
+      <p:grpSpPr>
+        <a:xfrm>
+          <a:off x="0" y="0"/>
+          <a:ext cx="0" cy="0"/>
+          <a:chOff x="0" y="0"/>
+          <a:chExt cx="0" cy="0"/>
+        </a:xfrm>
+      </p:grpSpPr>
+      <p:sp>
+        <p:nvSpPr>
+          <p:cNvPr id="3" name="内容占位符 2"/>
+          <p:cNvSpPr>
+            <a:spLocks noGrp="1"/>
+          </p:cNvSpPr>
+          <p:nvPr>
+            <p:ph idx="1"/>
+          </p:nvPr>
+        </p:nvSpPr>
+        <p:spPr>
+          <a:xfrm>
+            <a:off x="744196" y="167740"/>
+            <a:ext cx="10515600" cy="4351338"/>
+          </a:xfrm>
+        </p:spPr>
+        <p:txBody>
+          <a:bodyPr>
+            <a:normAutofit/>
+          </a:bodyPr>
+          <a:lstStyle/>
+          <a:p>
+            <a:r>
+              <a:rPr lang="zh-CN" altLang="en-US" dirty="0"/>
+              <a:t>本题的突破口仍然是区间包含和排序扫描，不过先要进行一次预处理。 每个区间在</a:t>
+            </a:r>
+            <a:r>
+              <a:rPr lang="en-US" altLang="zh-CN" dirty="0"/>
+              <a:t>[s, t</a:t>
+            </a:r>
+            <a:r>
+              <a:rPr lang="en-US" altLang="zh-CN" dirty="0" smtClean="0"/>
+              <a:t>]</a:t>
+            </a:r>
+            <a:r>
+              <a:rPr lang="zh-CN" altLang="en-US" dirty="0" smtClean="0"/>
+              <a:t>外</a:t>
+            </a:r>
+            <a:r>
+              <a:rPr lang="zh-CN" altLang="en-US" dirty="0"/>
+              <a:t>的部分都应该预先被切掉，因为它们的存在是毫无意义的。 预处理后，在相互包含的</a:t>
+            </a:r>
+            <a:r>
+              <a:rPr lang="zh-CN" altLang="en-US" dirty="0" smtClean="0"/>
+              <a:t>情况下</a:t>
+            </a:r>
+            <a:r>
+              <a:rPr lang="zh-CN" altLang="en-US" dirty="0"/>
+              <a:t>，小区间显然不应该考虑。</a:t>
+            </a:r>
+          </a:p>
+          <a:p>
+            <a:r>
+              <a:rPr lang="zh-CN" altLang="en-US" dirty="0"/>
+              <a:t>把各区间按照</a:t>
+            </a:r>
+            <a:r>
+              <a:rPr lang="en-US" altLang="zh-CN" dirty="0"/>
+              <a:t>a</a:t>
+            </a:r>
+            <a:r>
+              <a:rPr lang="zh-CN" altLang="en-US" dirty="0"/>
+              <a:t>从小到大排序。 如果区间</a:t>
+            </a:r>
+            <a:r>
+              <a:rPr lang="en-US" altLang="zh-CN" dirty="0"/>
+              <a:t>1</a:t>
+            </a:r>
+            <a:r>
+              <a:rPr lang="zh-CN" altLang="en-US" dirty="0"/>
+              <a:t>的起点不是</a:t>
+            </a:r>
+            <a:r>
+              <a:rPr lang="en-US" altLang="zh-CN" dirty="0"/>
+              <a:t>s</a:t>
+            </a:r>
+            <a:r>
+              <a:rPr lang="zh-CN" altLang="en-US" dirty="0"/>
+              <a:t>，无解（因为其他区间的起点</a:t>
+            </a:r>
+            <a:r>
+              <a:rPr lang="zh-CN" altLang="en-US" dirty="0" smtClean="0"/>
+              <a:t>更大</a:t>
+            </a:r>
+            <a:r>
+              <a:rPr lang="zh-CN" altLang="en-US" dirty="0"/>
+              <a:t>，不可能覆盖到</a:t>
+            </a:r>
+            <a:r>
+              <a:rPr lang="en-US" altLang="zh-CN" dirty="0"/>
+              <a:t>s</a:t>
+            </a:r>
+            <a:r>
+              <a:rPr lang="zh-CN" altLang="en-US" dirty="0"/>
+              <a:t>点），否则选择起点在</a:t>
+            </a:r>
+            <a:r>
+              <a:rPr lang="en-US" altLang="zh-CN" dirty="0"/>
+              <a:t>s</a:t>
+            </a:r>
+            <a:r>
+              <a:rPr lang="zh-CN" altLang="en-US" dirty="0"/>
+              <a:t>的最长区间。 选择此区间</a:t>
+            </a:r>
+            <a:r>
+              <a:rPr lang="en-US" altLang="zh-CN" dirty="0"/>
+              <a:t>[</a:t>
+            </a:r>
+            <a:r>
+              <a:rPr lang="en-US" altLang="zh-CN" dirty="0" err="1"/>
+              <a:t>ai</a:t>
+            </a:r>
+            <a:r>
+              <a:rPr lang="en-US" altLang="zh-CN" dirty="0"/>
+              <a:t>, bi] </a:t>
+            </a:r>
+            <a:r>
+              <a:rPr lang="zh-CN" altLang="en-US" dirty="0"/>
+              <a:t>后，新的起点</a:t>
+            </a:r>
+            <a:r>
+              <a:rPr lang="zh-CN" altLang="en-US" dirty="0" smtClean="0"/>
+              <a:t>应该</a:t>
+            </a:r>
+            <a:r>
+              <a:rPr lang="zh-CN" altLang="en-US" dirty="0"/>
+              <a:t>设置为</a:t>
+            </a:r>
+            <a:r>
+              <a:rPr lang="en-US" altLang="zh-CN" dirty="0"/>
+              <a:t>bi</a:t>
+            </a:r>
+            <a:r>
+              <a:rPr lang="zh-CN" altLang="en-US" dirty="0"/>
+              <a:t>，并且忽略所有区间在</a:t>
+            </a:r>
+            <a:r>
+              <a:rPr lang="en-US" altLang="zh-CN" dirty="0"/>
+              <a:t>bi</a:t>
+            </a:r>
+            <a:r>
+              <a:rPr lang="zh-CN" altLang="en-US" dirty="0"/>
+              <a:t>之前的部分，就像预处理一样。 虽然贪心策略比上题</a:t>
+            </a:r>
+            <a:r>
+              <a:rPr lang="zh-CN" altLang="en-US" dirty="0" smtClean="0"/>
+              <a:t>复杂</a:t>
+            </a:r>
+            <a:r>
+              <a:rPr lang="zh-CN" altLang="en-US" dirty="0"/>
+              <a:t>，但是仍然只需要一次扫描，如</a:t>
+            </a:r>
+            <a:r>
+              <a:rPr lang="zh-CN" altLang="en-US" dirty="0" smtClean="0"/>
+              <a:t>图所</a:t>
+            </a:r>
+            <a:r>
+              <a:rPr lang="zh-CN" altLang="en-US" dirty="0"/>
+              <a:t>示。 </a:t>
+            </a:r>
+            <a:r>
+              <a:rPr lang="en-US" altLang="zh-CN" dirty="0"/>
+              <a:t>s</a:t>
+            </a:r>
+            <a:r>
+              <a:rPr lang="zh-CN" altLang="en-US" dirty="0"/>
+              <a:t>为当前有效起点（此前部分已被覆盖），</a:t>
+            </a:r>
+            <a:r>
+              <a:rPr lang="zh-CN" altLang="en-US" dirty="0" smtClean="0"/>
+              <a:t>则应该</a:t>
+            </a:r>
+            <a:r>
+              <a:rPr lang="zh-CN" altLang="en-US" dirty="0"/>
+              <a:t>选择区间</a:t>
+            </a:r>
+            <a:r>
+              <a:rPr lang="en-US" altLang="zh-CN" dirty="0"/>
+              <a:t>2</a:t>
+            </a:r>
+            <a:r>
+              <a:rPr lang="zh-CN" altLang="en-US" dirty="0"/>
+              <a:t>。</a:t>
+            </a:r>
+          </a:p>
+        </p:txBody>
+      </p:sp>
+      <p:pic>
+        <p:nvPicPr>
+          <p:cNvPr id="4" name="图片 3"/>
+          <p:cNvPicPr>
+            <a:picLocks noChangeAspect="1"/>
+          </p:cNvPicPr>
+          <p:nvPr/>
+        </p:nvPicPr>
+        <p:blipFill>
+          <a:blip r:embed="rId2"/>
+          <a:stretch>
+            <a:fillRect/>
+          </a:stretch>
+        </p:blipFill>
+        <p:spPr>
+          <a:xfrm>
+            <a:off x="1734885" y="4210628"/>
+            <a:ext cx="6038850" cy="2333625"/>
+          </a:xfrm>
+          <a:prstGeom prst="rect">
+            <a:avLst/>
+          </a:prstGeom>
+        </p:spPr>
+      </p:pic>
+    </p:spTree>
+    <p:extLst>
+      <p:ext uri="{BB962C8B-B14F-4D97-AF65-F5344CB8AC3E}">
+        <p14:creationId xmlns:p14="http://schemas.microsoft.com/office/powerpoint/2010/main" val="3511386560"/>
+      </p:ext>
+    </p:extLst>
+  </p:cSld>
+  <p:clrMapOvr>
+    <a:masterClrMapping/>
+  </p:clrMapOvr>
+</p:sld>
+</file>
+
+<file path=ppt/slides/slide17.xml><?xml version="1.0" encoding="utf-8"?>
+<p:sld xmlns:a="http://schemas.openxmlformats.org/drawingml/2006/main" xmlns:r="http://schemas.openxmlformats.org/officeDocument/2006/relationships" xmlns:p="http://schemas.openxmlformats.org/presentationml/2006/main">
+  <p:cSld>
+    <p:spTree>
+      <p:nvGrpSpPr>
+        <p:cNvPr id="1" name=""/>
+        <p:cNvGrpSpPr/>
+        <p:nvPr/>
+      </p:nvGrpSpPr>
+      <p:grpSpPr>
+        <a:xfrm>
+          <a:off x="0" y="0"/>
+          <a:ext cx="0" cy="0"/>
+          <a:chOff x="0" y="0"/>
+          <a:chExt cx="0" cy="0"/>
+        </a:xfrm>
+      </p:grpSpPr>
+      <p:sp>
+        <p:nvSpPr>
+          <p:cNvPr id="2" name="标题 1"/>
+          <p:cNvSpPr>
+            <a:spLocks noGrp="1"/>
+          </p:cNvSpPr>
+          <p:nvPr>
+            <p:ph type="title"/>
+          </p:nvPr>
+        </p:nvSpPr>
+        <p:spPr/>
+        <p:txBody>
+          <a:bodyPr/>
+          <a:lstStyle/>
+          <a:p>
+            <a:r>
+              <a:rPr lang="zh-CN" altLang="en-US" dirty="0"/>
+              <a:t>例题</a:t>
+            </a:r>
+          </a:p>
+        </p:txBody>
+      </p:sp>
+      <p:sp>
+        <p:nvSpPr>
+          <p:cNvPr id="3" name="内容占位符 2"/>
+          <p:cNvSpPr>
+            <a:spLocks noGrp="1"/>
+          </p:cNvSpPr>
+          <p:nvPr>
+            <p:ph idx="1"/>
+          </p:nvPr>
+        </p:nvSpPr>
+        <p:spPr/>
+        <p:txBody>
+          <a:bodyPr/>
+          <a:lstStyle/>
+          <a:p>
+            <a:r>
+              <a:rPr lang="en-US" altLang="zh-CN" dirty="0" smtClean="0"/>
+              <a:t>N</a:t>
+            </a:r>
+            <a:r>
+              <a:rPr lang="zh-CN" altLang="en-US" dirty="0"/>
+              <a:t>个作业</a:t>
+            </a:r>
+            <a:r>
+              <a:rPr lang="en-US" altLang="zh-CN" dirty="0"/>
+              <a:t>{1</a:t>
+            </a:r>
+            <a:r>
+              <a:rPr lang="zh-CN" altLang="en-US" dirty="0"/>
+              <a:t>，</a:t>
+            </a:r>
+            <a:r>
+              <a:rPr lang="en-US" altLang="zh-CN" dirty="0"/>
+              <a:t>2</a:t>
+            </a:r>
+            <a:r>
+              <a:rPr lang="zh-CN" altLang="en-US" dirty="0"/>
+              <a:t>，</a:t>
+            </a:r>
+            <a:r>
+              <a:rPr lang="en-US" altLang="zh-CN" dirty="0"/>
+              <a:t>…</a:t>
+            </a:r>
+            <a:r>
+              <a:rPr lang="zh-CN" altLang="en-US" dirty="0"/>
+              <a:t>，</a:t>
+            </a:r>
+            <a:r>
+              <a:rPr lang="en-US" altLang="zh-CN" dirty="0"/>
+              <a:t>n}</a:t>
+            </a:r>
+            <a:r>
+              <a:rPr lang="zh-CN" altLang="en-US" dirty="0"/>
+              <a:t>要在由</a:t>
+            </a:r>
+            <a:r>
+              <a:rPr lang="en-US" altLang="zh-CN" dirty="0"/>
+              <a:t>2</a:t>
+            </a:r>
+            <a:r>
+              <a:rPr lang="zh-CN" altLang="en-US" dirty="0"/>
+              <a:t>台机器</a:t>
+            </a:r>
+            <a:r>
+              <a:rPr lang="en-US" altLang="zh-CN" dirty="0"/>
+              <a:t>M1</a:t>
+            </a:r>
+            <a:r>
+              <a:rPr lang="zh-CN" altLang="en-US" dirty="0"/>
+              <a:t>和</a:t>
+            </a:r>
+            <a:r>
+              <a:rPr lang="en-US" altLang="zh-CN" dirty="0"/>
+              <a:t>M2</a:t>
+            </a:r>
+            <a:r>
+              <a:rPr lang="zh-CN" altLang="en-US" dirty="0"/>
+              <a:t>组成的流水线上完成加工。每个作业加工的顺序都是先在</a:t>
+            </a:r>
+            <a:r>
+              <a:rPr lang="en-US" altLang="zh-CN" dirty="0"/>
+              <a:t>M1</a:t>
+            </a:r>
+            <a:r>
+              <a:rPr lang="zh-CN" altLang="en-US" dirty="0"/>
+              <a:t>上加工，然后在</a:t>
+            </a:r>
+            <a:r>
+              <a:rPr lang="en-US" altLang="zh-CN" dirty="0"/>
+              <a:t>M2</a:t>
+            </a:r>
+            <a:r>
+              <a:rPr lang="zh-CN" altLang="en-US" dirty="0"/>
+              <a:t>上加工。</a:t>
+            </a:r>
+            <a:r>
+              <a:rPr lang="en-US" altLang="zh-CN" dirty="0"/>
+              <a:t>M1</a:t>
+            </a:r>
+            <a:r>
+              <a:rPr lang="zh-CN" altLang="en-US" dirty="0"/>
+              <a:t>和</a:t>
+            </a:r>
+            <a:r>
+              <a:rPr lang="en-US" altLang="zh-CN" dirty="0"/>
+              <a:t>M2</a:t>
+            </a:r>
+            <a:r>
+              <a:rPr lang="zh-CN" altLang="en-US" dirty="0"/>
+              <a:t>加工作业</a:t>
+            </a:r>
+            <a:r>
+              <a:rPr lang="en-US" altLang="zh-CN" dirty="0" err="1"/>
+              <a:t>i</a:t>
+            </a:r>
+            <a:r>
+              <a:rPr lang="zh-CN" altLang="en-US" dirty="0"/>
+              <a:t>所需的时间分别为</a:t>
+            </a:r>
+            <a:r>
+              <a:rPr lang="en-US" altLang="zh-CN" dirty="0"/>
+              <a:t>a[</a:t>
+            </a:r>
+            <a:r>
+              <a:rPr lang="en-US" altLang="zh-CN" dirty="0" err="1"/>
+              <a:t>i</a:t>
+            </a:r>
+            <a:r>
+              <a:rPr lang="en-US" altLang="zh-CN" dirty="0"/>
+              <a:t>]</a:t>
+            </a:r>
+            <a:r>
+              <a:rPr lang="zh-CN" altLang="en-US" dirty="0"/>
+              <a:t>和</a:t>
+            </a:r>
+            <a:r>
+              <a:rPr lang="en-US" altLang="zh-CN" dirty="0"/>
+              <a:t>b[</a:t>
+            </a:r>
+            <a:r>
+              <a:rPr lang="en-US" altLang="zh-CN" dirty="0" err="1"/>
+              <a:t>i</a:t>
+            </a:r>
+            <a:r>
+              <a:rPr lang="en-US" altLang="zh-CN" dirty="0"/>
+              <a:t>]</a:t>
+            </a:r>
+            <a:r>
+              <a:rPr lang="zh-CN" altLang="en-US" dirty="0"/>
+              <a:t>。你可以安排每个作业的执行顺序，使得从第一个作业在机器</a:t>
+            </a:r>
+            <a:r>
+              <a:rPr lang="en-US" altLang="zh-CN" dirty="0"/>
+              <a:t>M1</a:t>
+            </a:r>
+            <a:r>
+              <a:rPr lang="zh-CN" altLang="en-US" dirty="0"/>
+              <a:t>上开始加工，到最后一个作业在机器</a:t>
+            </a:r>
+            <a:r>
+              <a:rPr lang="en-US" altLang="zh-CN" dirty="0"/>
+              <a:t>M2</a:t>
+            </a:r>
+            <a:r>
+              <a:rPr lang="zh-CN" altLang="en-US" dirty="0"/>
+              <a:t>上加工完成所需的时间最少。求这个最少的时间。</a:t>
+            </a:r>
+          </a:p>
+        </p:txBody>
+      </p:sp>
+    </p:spTree>
+    <p:extLst>
+      <p:ext uri="{BB962C8B-B14F-4D97-AF65-F5344CB8AC3E}">
+        <p14:creationId xmlns:p14="http://schemas.microsoft.com/office/powerpoint/2010/main" val="3951544910"/>
+      </p:ext>
+    </p:extLst>
+  </p:cSld>
+  <p:clrMapOvr>
+    <a:masterClrMapping/>
+  </p:clrMapOvr>
+</p:sld>
+</file>
+
+<file path=ppt/slides/slide18.xml><?xml version="1.0" encoding="utf-8"?>
+<p:sld xmlns:a="http://schemas.openxmlformats.org/drawingml/2006/main" xmlns:r="http://schemas.openxmlformats.org/officeDocument/2006/relationships" xmlns:p="http://schemas.openxmlformats.org/presentationml/2006/main">
+  <p:cSld>
+    <p:spTree>
+      <p:nvGrpSpPr>
+        <p:cNvPr id="1" name=""/>
+        <p:cNvGrpSpPr/>
+        <p:nvPr/>
+      </p:nvGrpSpPr>
+      <p:grpSpPr>
+        <a:xfrm>
+          <a:off x="0" y="0"/>
+          <a:ext cx="0" cy="0"/>
+          <a:chOff x="0" y="0"/>
+          <a:chExt cx="0" cy="0"/>
+        </a:xfrm>
+      </p:grpSpPr>
+      <p:sp>
+        <p:nvSpPr>
+          <p:cNvPr id="2" name="标题 1"/>
+          <p:cNvSpPr>
+            <a:spLocks noGrp="1"/>
+          </p:cNvSpPr>
+          <p:nvPr>
+            <p:ph type="title"/>
+          </p:nvPr>
+        </p:nvSpPr>
+        <p:spPr/>
+        <p:txBody>
+          <a:bodyPr/>
+          <a:lstStyle/>
+          <a:p>
+            <a:endParaRPr lang="zh-CN" altLang="en-US" dirty="0"/>
+          </a:p>
+        </p:txBody>
+      </p:sp>
+      <p:sp>
+        <p:nvSpPr>
+          <p:cNvPr id="3" name="内容占位符 2"/>
+          <p:cNvSpPr>
+            <a:spLocks noGrp="1"/>
+          </p:cNvSpPr>
+          <p:nvPr>
+            <p:ph idx="1"/>
+          </p:nvPr>
+        </p:nvSpPr>
+        <p:spPr/>
+        <p:txBody>
+          <a:bodyPr/>
+          <a:lstStyle/>
+          <a:p>
+            <a:r>
+              <a:rPr lang="en-US" altLang="zh-CN" dirty="0" smtClean="0"/>
+              <a:t>Johnson</a:t>
+            </a:r>
+            <a:r>
+              <a:rPr lang="zh-CN" altLang="en-US" dirty="0" smtClean="0"/>
+              <a:t>算法：</a:t>
+            </a:r>
+          </a:p>
+          <a:p>
+            <a:r>
+              <a:rPr lang="zh-CN" altLang="en-US" dirty="0" smtClean="0"/>
+              <a:t>①：将任务分为两类，</a:t>
+            </a:r>
+            <a:r>
+              <a:rPr lang="en-US" altLang="zh-CN" dirty="0" smtClean="0"/>
+              <a:t>A</a:t>
+            </a:r>
+            <a:r>
+              <a:rPr lang="zh-CN" altLang="en-US" dirty="0" smtClean="0"/>
+              <a:t>类任务先加工时间短，</a:t>
+            </a:r>
+            <a:r>
+              <a:rPr lang="en-US" altLang="zh-CN" dirty="0" smtClean="0"/>
+              <a:t>B</a:t>
+            </a:r>
+            <a:r>
+              <a:rPr lang="zh-CN" altLang="en-US" dirty="0" smtClean="0"/>
+              <a:t>类任务再加工时间短（</a:t>
+            </a:r>
+            <a:r>
+              <a:rPr lang="en-US" altLang="zh-CN" dirty="0" smtClean="0"/>
+              <a:t>or</a:t>
+            </a:r>
+            <a:r>
+              <a:rPr lang="zh-CN" altLang="en-US" dirty="0" smtClean="0"/>
+              <a:t>一样长）</a:t>
+            </a:r>
+          </a:p>
+          <a:p>
+            <a:r>
+              <a:rPr lang="zh-CN" altLang="en-US" dirty="0" smtClean="0"/>
+              <a:t>②：两类任务分别排序，其中</a:t>
+            </a:r>
+            <a:r>
+              <a:rPr lang="en-US" altLang="zh-CN" dirty="0" smtClean="0"/>
+              <a:t>A</a:t>
+            </a:r>
+            <a:r>
+              <a:rPr lang="zh-CN" altLang="en-US" dirty="0" smtClean="0"/>
+              <a:t>类按先加工时间从短到长排序，</a:t>
+            </a:r>
+            <a:r>
+              <a:rPr lang="en-US" altLang="zh-CN" dirty="0" smtClean="0"/>
+              <a:t>B</a:t>
+            </a:r>
+            <a:r>
+              <a:rPr lang="zh-CN" altLang="en-US" dirty="0" smtClean="0"/>
+              <a:t>类按再加工时间从长到短排序</a:t>
+            </a:r>
+          </a:p>
+          <a:p>
+            <a:r>
+              <a:rPr lang="zh-CN" altLang="en-US" dirty="0" smtClean="0"/>
+              <a:t>③：合并两类，将第二类任务接到第一类任务后面，此时任务的顺序最佳</a:t>
+            </a:r>
+          </a:p>
+          <a:p>
+            <a:r>
+              <a:rPr lang="zh-CN" altLang="en-US" dirty="0" smtClean="0"/>
+              <a:t>④：遍历所有任务，计算总耗时</a:t>
+            </a:r>
+            <a:endParaRPr lang="en-US" altLang="zh-CN" dirty="0" smtClean="0"/>
+          </a:p>
+          <a:p>
+            <a:r>
+              <a:rPr lang="zh-CN" altLang="en-US" dirty="0" smtClean="0"/>
+              <a:t>（证明略）</a:t>
+            </a:r>
+          </a:p>
+          <a:p>
+            <a:endParaRPr lang="zh-CN" altLang="en-US" dirty="0"/>
+          </a:p>
+        </p:txBody>
+      </p:sp>
+    </p:spTree>
+    <p:extLst>
+      <p:ext uri="{BB962C8B-B14F-4D97-AF65-F5344CB8AC3E}">
+        <p14:creationId xmlns:p14="http://schemas.microsoft.com/office/powerpoint/2010/main" val="1689967613"/>
       </p:ext>
     </p:extLst>
   </p:cSld>
@@ -3816,30 +4652,47 @@
             </a:r>
             <a:r>
               <a:rPr lang="zh-CN" altLang="en-US" dirty="0"/>
-              <a:t>状态的变化过程 不会</a:t>
-            </a:r>
-            <a:r>
-              <a:rPr lang="zh-CN" altLang="en-US" dirty="0" smtClean="0"/>
-              <a:t>影响将来</a:t>
-            </a:r>
-            <a:r>
-              <a:rPr lang="zh-CN" altLang="en-US" dirty="0"/>
-              <a:t>的变化</a:t>
-            </a:r>
-            <a:r>
-              <a:rPr lang="zh-CN" altLang="en-US" dirty="0" smtClean="0"/>
-              <a:t>）</a:t>
+              <a:t>状态的变化</a:t>
+            </a:r>
+            <a:r>
+              <a:rPr lang="zh-CN" altLang="en-US" dirty="0" smtClean="0"/>
+              <a:t>过程不会影响将来</a:t>
+            </a:r>
+            <a:r>
+              <a:rPr lang="zh-CN" altLang="en-US" dirty="0"/>
+              <a:t>的</a:t>
+            </a:r>
+            <a:r>
+              <a:rPr lang="zh-CN" altLang="en-US" dirty="0" smtClean="0"/>
+              <a:t>变化；即没有记录状态的必要）</a:t>
             </a:r>
             <a:endParaRPr lang="en-US" altLang="zh-CN" dirty="0" smtClean="0"/>
           </a:p>
           <a:p>
             <a:r>
-              <a:rPr lang="zh-CN" altLang="en-US" dirty="0" smtClean="0"/>
-              <a:t>通常对输入进行排序以便得到当前最优选择</a:t>
+              <a:rPr lang="zh-CN" altLang="en-US" dirty="0"/>
+              <a:t>求解贪心问题的关键在于：制定贪心策略，并证明它的正确性</a:t>
+            </a:r>
+            <a:r>
+              <a:rPr lang="zh-CN" altLang="en-US" dirty="0" smtClean="0"/>
+              <a:t>。</a:t>
             </a:r>
             <a:endParaRPr lang="en-US" altLang="zh-CN" dirty="0" smtClean="0"/>
           </a:p>
           <a:p>
+            <a:endParaRPr lang="en-US" altLang="zh-CN" dirty="0"/>
+          </a:p>
+          <a:p>
+            <a:r>
+              <a:rPr lang="zh-CN" altLang="en-US" dirty="0" smtClean="0"/>
+              <a:t>以上描述比较抽象。直接看些例题更方便理解</a:t>
+            </a:r>
+            <a:endParaRPr lang="en-US" altLang="zh-CN" dirty="0" smtClean="0"/>
+          </a:p>
+          <a:p>
+            <a:pPr marL="0" indent="0">
+              <a:buNone/>
+            </a:pPr>
             <a:endParaRPr lang="en-US" altLang="zh-CN" dirty="0" smtClean="0"/>
           </a:p>
         </p:txBody>
@@ -3889,6 +4742,10 @@
           <a:bodyPr/>
           <a:lstStyle/>
           <a:p>
+            <a:r>
+              <a:rPr lang="zh-CN" altLang="en-US" dirty="0" smtClean="0"/>
+              <a:t>简单例题</a:t>
+            </a:r>
             <a:endParaRPr lang="zh-CN" altLang="en-US" dirty="0"/>
           </a:p>
         </p:txBody>
@@ -3905,35 +4762,71 @@
         </p:nvSpPr>
         <p:spPr/>
         <p:txBody>
-          <a:bodyPr/>
-          <a:lstStyle/>
-          <a:p>
-            <a:r>
-              <a:rPr lang="zh-CN" altLang="en-US" dirty="0"/>
-              <a:t>一般用贪心问题代指可以利用贪心思想直接解决的问题。纯贪心问题不多，一般与其他类型问题混合出现。</a:t>
-            </a:r>
-          </a:p>
-          <a:p>
-            <a:r>
-              <a:rPr lang="zh-CN" altLang="en-US" dirty="0" smtClean="0"/>
-              <a:t>很多</a:t>
-            </a:r>
-            <a:r>
-              <a:rPr lang="zh-CN" altLang="en-US" dirty="0"/>
-              <a:t>其他算法里也有贪心的过程，例如在求最小生成树时优先加入权重最小的边</a:t>
-            </a:r>
-            <a:r>
-              <a:rPr lang="zh-CN" altLang="en-US" dirty="0" smtClean="0"/>
-              <a:t>。</a:t>
+          <a:bodyPr>
+            <a:normAutofit/>
+          </a:bodyPr>
+          <a:lstStyle/>
+          <a:p>
+            <a:r>
+              <a:rPr lang="zh-CN" altLang="en-US" dirty="0"/>
+              <a:t>给</a:t>
+            </a:r>
+            <a:r>
+              <a:rPr lang="en-US" altLang="zh-CN" dirty="0"/>
+              <a:t>n</a:t>
+            </a:r>
+            <a:r>
+              <a:rPr lang="zh-CN" altLang="en-US" dirty="0"/>
+              <a:t>个不同物体的重量和价值，</a:t>
+            </a:r>
+            <a:r>
+              <a:rPr lang="zh-CN" altLang="en-US" dirty="0" smtClean="0"/>
+              <a:t>选择尽量多的</a:t>
+            </a:r>
+            <a:r>
+              <a:rPr lang="zh-CN" altLang="en-US" dirty="0"/>
+              <a:t>物品，但总重量不能超过</a:t>
+            </a:r>
+            <a:r>
+              <a:rPr lang="en-US" altLang="zh-CN" dirty="0"/>
+              <a:t>C</a:t>
+            </a:r>
+          </a:p>
+          <a:p>
+            <a:r>
+              <a:rPr lang="zh-CN" altLang="en-US" dirty="0"/>
+              <a:t>把所有物品</a:t>
+            </a:r>
+            <a:r>
+              <a:rPr lang="zh-CN" altLang="en-US" dirty="0" smtClean="0"/>
+              <a:t>按重量升序排序</a:t>
+            </a:r>
+            <a:r>
+              <a:rPr lang="zh-CN" altLang="en-US" dirty="0"/>
+              <a:t>，依次选择即</a:t>
+            </a:r>
+            <a:r>
+              <a:rPr lang="zh-CN" altLang="en-US" dirty="0" smtClean="0"/>
+              <a:t>可</a:t>
             </a:r>
             <a:endParaRPr lang="en-US" altLang="zh-CN" dirty="0" smtClean="0"/>
+          </a:p>
+          <a:p>
+            <a:r>
+              <a:rPr lang="zh-CN" altLang="en-US" dirty="0" smtClean="0"/>
+              <a:t>（证明略）</a:t>
+            </a:r>
+            <a:endParaRPr lang="en-US" altLang="zh-CN" dirty="0"/>
+          </a:p>
+          <a:p>
+            <a:endParaRPr lang="zh-CN" altLang="en-US" dirty="0"/>
           </a:p>
         </p:txBody>
       </p:sp>
     </p:spTree>
     <p:extLst>
       <p:ext uri="{BB962C8B-B14F-4D97-AF65-F5344CB8AC3E}">
-        <p14:creationId xmlns:p14="http://schemas.microsoft.com/office/powerpoint/2010/main" val="665784994"/>
+        <p14:creationId xmlns:p14="http://schemas.microsoft.com/office/powerpoint/2010/main" val="587437026"/>
       </p:ext>
     </p:extLst>
   </p:cSld>
@@ -3976,10 +4869,9 @@
           <a:lstStyle/>
           <a:p>
             <a:r>
-              <a:rPr lang="zh-CN" altLang="en-US" dirty="0" smtClean="0"/>
-              <a:t>典型可贪心问题</a:t>
-            </a:r>
-            <a:endParaRPr lang="zh-CN" altLang="en-US" dirty="0"/>
+              <a:rPr lang="zh-CN" altLang="en-US" dirty="0"/>
+              <a:t>简单例题</a:t>
+            </a:r>
           </a:p>
         </p:txBody>
       </p:sp>
@@ -4001,44 +4893,62 @@
           <a:lstStyle/>
           <a:p>
             <a:r>
-              <a:rPr lang="zh-CN" altLang="en-US" dirty="0"/>
+              <a:rPr lang="zh-CN" altLang="en-US" dirty="0" smtClean="0"/>
               <a:t>给</a:t>
             </a:r>
             <a:r>
-              <a:rPr lang="en-US" altLang="zh-CN" dirty="0"/>
+              <a:rPr lang="en-US" altLang="zh-CN" dirty="0" smtClean="0"/>
               <a:t>n</a:t>
             </a:r>
             <a:r>
-              <a:rPr lang="zh-CN" altLang="en-US" dirty="0"/>
-              <a:t>个不同物体的重量和价值，</a:t>
-            </a:r>
-            <a:r>
-              <a:rPr lang="zh-CN" altLang="en-US" dirty="0" smtClean="0"/>
-              <a:t>选择尽量多的</a:t>
-            </a:r>
-            <a:r>
-              <a:rPr lang="zh-CN" altLang="en-US" dirty="0"/>
-              <a:t>物品，但总重量不能超过</a:t>
-            </a:r>
-            <a:r>
-              <a:rPr lang="en-US" altLang="zh-CN" dirty="0"/>
+              <a:rPr lang="zh-CN" altLang="en-US" dirty="0" smtClean="0"/>
+              <a:t>个不同物体的重量和价值，选择总价值尽量高的物品，但总重量不能超过</a:t>
+            </a:r>
+            <a:r>
+              <a:rPr lang="en-US" altLang="zh-CN" dirty="0" smtClean="0"/>
               <a:t>C</a:t>
             </a:r>
           </a:p>
           <a:p>
             <a:r>
-              <a:rPr lang="zh-CN" altLang="en-US" dirty="0"/>
-              <a:t>把所有物品</a:t>
-            </a:r>
-            <a:r>
-              <a:rPr lang="zh-CN" altLang="en-US" smtClean="0"/>
-              <a:t>按重量升序排序</a:t>
-            </a:r>
-            <a:r>
-              <a:rPr lang="zh-CN" altLang="en-US" dirty="0"/>
-              <a:t>，依次选择即可</a:t>
+              <a:rPr lang="zh-CN" altLang="en-US" dirty="0" smtClean="0"/>
+              <a:t>把所有物品按价值</a:t>
+            </a:r>
+            <a:r>
+              <a:rPr lang="en-US" altLang="zh-CN" dirty="0" smtClean="0"/>
+              <a:t>/</a:t>
+            </a:r>
+            <a:r>
+              <a:rPr lang="zh-CN" altLang="en-US" dirty="0" smtClean="0"/>
+              <a:t>重量</a:t>
+            </a:r>
+            <a:r>
+              <a:rPr lang="en-US" altLang="zh-CN" dirty="0" smtClean="0"/>
+              <a:t>(</a:t>
+            </a:r>
+            <a:r>
+              <a:rPr lang="zh-CN" altLang="en-US" dirty="0" smtClean="0"/>
+              <a:t>即单位重量的价值</a:t>
+            </a:r>
+            <a:r>
+              <a:rPr lang="en-US" altLang="zh-CN" dirty="0" smtClean="0"/>
+              <a:t>)</a:t>
+            </a:r>
+            <a:r>
+              <a:rPr lang="zh-CN" altLang="en-US" dirty="0" smtClean="0"/>
+              <a:t>降序排序，依次选择即可</a:t>
+            </a:r>
+            <a:endParaRPr lang="en-US" altLang="zh-CN" dirty="0" smtClean="0"/>
+          </a:p>
+          <a:p>
+            <a:r>
+              <a:rPr lang="zh-CN" altLang="en-US" dirty="0"/>
+              <a:t>（证明略）</a:t>
             </a:r>
             <a:endParaRPr lang="en-US" altLang="zh-CN" dirty="0"/>
+          </a:p>
+          <a:p>
+            <a:endParaRPr lang="en-US" altLang="zh-CN" dirty="0" smtClean="0"/>
           </a:p>
           <a:p>
             <a:endParaRPr lang="zh-CN" altLang="en-US" dirty="0"/>
@@ -4048,7 +4958,7 @@
     </p:spTree>
     <p:extLst>
       <p:ext uri="{BB962C8B-B14F-4D97-AF65-F5344CB8AC3E}">
-        <p14:creationId xmlns:p14="http://schemas.microsoft.com/office/powerpoint/2010/main" val="587437026"/>
+        <p14:creationId xmlns:p14="http://schemas.microsoft.com/office/powerpoint/2010/main" val="160126112"/>
       </p:ext>
     </p:extLst>
   </p:cSld>
@@ -4092,7 +5002,11 @@
           <a:p>
             <a:r>
               <a:rPr lang="zh-CN" altLang="en-US" dirty="0" smtClean="0"/>
-              <a:t>典型可贪心问题</a:t>
+              <a:t>贪心与</a:t>
+            </a:r>
+            <a:r>
+              <a:rPr lang="en-US" altLang="zh-CN" dirty="0" smtClean="0"/>
+              <a:t>DP</a:t>
             </a:r>
             <a:endParaRPr lang="zh-CN" altLang="en-US" dirty="0"/>
           </a:p>
@@ -4110,68 +5024,96 @@
         </p:nvSpPr>
         <p:spPr/>
         <p:txBody>
-          <a:bodyPr>
-            <a:normAutofit/>
-          </a:bodyPr>
-          <a:lstStyle/>
-          <a:p>
-            <a:r>
-              <a:rPr lang="zh-CN" altLang="en-US" dirty="0" smtClean="0"/>
-              <a:t>给</a:t>
+          <a:bodyPr/>
+          <a:lstStyle/>
+          <a:p>
+            <a:r>
+              <a:rPr lang="zh-CN" altLang="en-US" dirty="0" smtClean="0"/>
+              <a:t>贪心是一种特殊的</a:t>
             </a:r>
             <a:r>
               <a:rPr lang="en-US" altLang="zh-CN" dirty="0" smtClean="0"/>
-              <a:t>n</a:t>
-            </a:r>
-            <a:r>
-              <a:rPr lang="zh-CN" altLang="en-US" dirty="0" smtClean="0"/>
-              <a:t>个不同物体的重量和价值，选择总价值尽量高的物品，但总重量不能超过</a:t>
-            </a:r>
+              <a:t>DP</a:t>
+            </a:r>
+            <a:r>
+              <a:rPr lang="zh-CN" altLang="en-US" dirty="0" smtClean="0"/>
+              <a:t>，只保留最优解的值，省略了状态转移过程。</a:t>
+            </a:r>
+            <a:endParaRPr lang="en-US" altLang="zh-CN" dirty="0" smtClean="0"/>
+          </a:p>
+          <a:p>
             <a:r>
               <a:rPr lang="en-US" altLang="zh-CN" dirty="0" smtClean="0"/>
-              <a:t>C</a:t>
-            </a:r>
-          </a:p>
-          <a:p>
-            <a:r>
-              <a:rPr lang="zh-CN" altLang="en-US" dirty="0" smtClean="0"/>
-              <a:t>把所有物品按价值</a:t>
+              <a:t>DP</a:t>
+            </a:r>
+            <a:r>
+              <a:rPr lang="zh-CN" altLang="en-US" dirty="0" smtClean="0"/>
+              <a:t>：需要规定初始状态</a:t>
+            </a:r>
+            <a:r>
+              <a:rPr lang="zh-CN" altLang="en-US" dirty="0"/>
+              <a:t>和状态</a:t>
+            </a:r>
+            <a:r>
+              <a:rPr lang="zh-CN" altLang="en-US" dirty="0" smtClean="0"/>
+              <a:t>转移方程。</a:t>
+            </a:r>
+            <a:endParaRPr lang="en-US" altLang="zh-CN" dirty="0" smtClean="0"/>
+          </a:p>
+          <a:p>
+            <a:r>
+              <a:rPr lang="zh-CN" altLang="en-US" dirty="0" smtClean="0"/>
+              <a:t>贪心：只需要规定贪心策略即可。</a:t>
+            </a:r>
+            <a:endParaRPr lang="en-US" altLang="zh-CN" dirty="0" smtClean="0"/>
+          </a:p>
+          <a:p>
+            <a:r>
+              <a:rPr lang="zh-CN" altLang="en-US" dirty="0" smtClean="0"/>
+              <a:t>可以看出，</a:t>
             </a:r>
             <a:r>
               <a:rPr lang="en-US" altLang="zh-CN" dirty="0" smtClean="0"/>
-              <a:t>/</a:t>
-            </a:r>
-            <a:r>
-              <a:rPr lang="zh-CN" altLang="en-US" dirty="0" smtClean="0"/>
-              <a:t>重量</a:t>
+              <a:t>DP</a:t>
+            </a:r>
+            <a:r>
+              <a:rPr lang="zh-CN" altLang="en-US" dirty="0" smtClean="0"/>
+              <a:t>问题贪心无法解（因为不能记录状态），</a:t>
+            </a:r>
+            <a:endParaRPr lang="en-US" altLang="zh-CN" dirty="0" smtClean="0"/>
+          </a:p>
+          <a:p>
+            <a:pPr marL="0" indent="0">
+              <a:buNone/>
+            </a:pPr>
+            <a:r>
+              <a:rPr lang="zh-CN" altLang="en-US" dirty="0" smtClean="0"/>
+              <a:t>贪心问题理论上</a:t>
             </a:r>
             <a:r>
               <a:rPr lang="en-US" altLang="zh-CN" dirty="0" smtClean="0"/>
-              <a:t>(</a:t>
-            </a:r>
-            <a:r>
-              <a:rPr lang="zh-CN" altLang="en-US" dirty="0" smtClean="0"/>
-              <a:t>即单位重量的价值</a:t>
-            </a:r>
-            <a:r>
-              <a:rPr lang="en-US" altLang="zh-CN" dirty="0" smtClean="0"/>
-              <a:t>)</a:t>
-            </a:r>
-            <a:r>
-              <a:rPr lang="zh-CN" altLang="en-US" dirty="0" smtClean="0"/>
-              <a:t>降序排序，依次选择即可</a:t>
+              <a:t>DP</a:t>
+            </a:r>
+            <a:r>
+              <a:rPr lang="zh-CN" altLang="en-US" dirty="0" smtClean="0"/>
+              <a:t>都能解，但是贪心</a:t>
+            </a:r>
+            <a:r>
+              <a:rPr lang="zh-CN" altLang="en-US" dirty="0"/>
+              <a:t>一般</a:t>
+            </a:r>
+            <a:r>
+              <a:rPr lang="zh-CN" altLang="en-US" dirty="0" smtClean="0"/>
+              <a:t>写起来比较快，效率也更高。</a:t>
             </a:r>
             <a:endParaRPr lang="en-US" altLang="zh-CN" dirty="0" smtClean="0"/>
-          </a:p>
-          <a:p>
-            <a:endParaRPr lang="zh-CN" altLang="en-US" dirty="0"/>
           </a:p>
         </p:txBody>
       </p:sp>
     </p:spTree>
     <p:extLst>
       <p:ext uri="{BB962C8B-B14F-4D97-AF65-F5344CB8AC3E}">
-        <p14:creationId xmlns:p14="http://schemas.microsoft.com/office/powerpoint/2010/main" val="160126112"/>
+        <p14:creationId xmlns:p14="http://schemas.microsoft.com/office/powerpoint/2010/main" val="665784994"/>
       </p:ext>
     </p:extLst>
   </p:cSld>
@@ -4215,9 +5157,20 @@
           <a:p>
             <a:r>
               <a:rPr lang="zh-CN" altLang="en-US" dirty="0" smtClean="0"/>
-              <a:t>典型可贪心问题</a:t>
-            </a:r>
-            <a:endParaRPr lang="zh-CN" altLang="en-US" dirty="0"/>
+              <a:t>例</a:t>
+            </a:r>
+            <a:r>
+              <a:rPr lang="en-US" altLang="zh-CN" dirty="0" smtClean="0"/>
+              <a:t>:</a:t>
+            </a:r>
+            <a:r>
+              <a:rPr lang="zh-CN" altLang="en-US" dirty="0" smtClean="0"/>
+              <a:t>贪心</a:t>
+            </a:r>
+            <a:r>
+              <a:rPr lang="zh-CN" altLang="en-US" dirty="0"/>
+              <a:t>法不适用的情况</a:t>
+            </a:r>
           </a:p>
         </p:txBody>
       </p:sp>
@@ -4233,9 +5186,7 @@
         </p:nvSpPr>
         <p:spPr/>
         <p:txBody>
-          <a:bodyPr>
-            <a:normAutofit/>
-          </a:bodyPr>
+          <a:bodyPr/>
           <a:lstStyle/>
           <a:p>
             <a:r>
@@ -4247,24 +5198,71 @@
               <a:t>n</a:t>
             </a:r>
             <a:r>
-              <a:rPr lang="zh-CN" altLang="en-US" dirty="0" smtClean="0"/>
-              <a:t>个开区间，选择尽量多个区间，使得这些区间两两没有公共点</a:t>
+              <a:rPr lang="zh-CN" altLang="en-US" dirty="0"/>
+              <a:t>个家庭作业</a:t>
+            </a:r>
+            <a:r>
+              <a:rPr lang="zh-CN" altLang="en-US" dirty="0" smtClean="0"/>
+              <a:t>，每个</a:t>
+            </a:r>
+            <a:r>
+              <a:rPr lang="zh-CN" altLang="en-US" dirty="0"/>
+              <a:t>家庭作业的完成期限和花费</a:t>
+            </a:r>
+            <a:r>
+              <a:rPr lang="zh-CN" altLang="en-US" dirty="0" smtClean="0"/>
+              <a:t>的</a:t>
+            </a:r>
+            <a:r>
+              <a:rPr lang="zh-CN" altLang="en-US" dirty="0"/>
+              <a:t>时间</a:t>
+            </a:r>
+            <a:r>
+              <a:rPr lang="zh-CN" altLang="en-US" dirty="0" smtClean="0"/>
+              <a:t>，</a:t>
+            </a:r>
+            <a:r>
+              <a:rPr lang="zh-CN" altLang="en-US" dirty="0"/>
+              <a:t>如果完成时间超过了期限，那么就要扣除分数，然后让你找出一个最优方案使扣除的分数最少，当存在多种方案时，输出字典序最小的</a:t>
+            </a:r>
+            <a:r>
+              <a:rPr lang="zh-CN" altLang="en-US" dirty="0" smtClean="0"/>
+              <a:t>那种</a:t>
             </a:r>
             <a:endParaRPr lang="en-US" altLang="zh-CN" dirty="0" smtClean="0"/>
           </a:p>
           <a:p>
             <a:r>
-              <a:rPr lang="zh-CN" altLang="en-US" dirty="0" smtClean="0"/>
-              <a:t>按右端点升序排序，选择第一个区间，然后扫描一次即可，若遇到产生重叠的区间则舍弃</a:t>
+              <a:rPr lang="zh-CN" altLang="en-US" dirty="0"/>
+              <a:t>贪心能够算出正确的分数，但是不一定能得到正确的字典序</a:t>
+            </a:r>
+            <a:r>
+              <a:rPr lang="zh-CN" altLang="en-US" dirty="0" smtClean="0"/>
+              <a:t>。因此需要对状态的字典序进行记录。</a:t>
             </a:r>
             <a:endParaRPr lang="en-US" altLang="zh-CN" dirty="0" smtClean="0"/>
+          </a:p>
+          <a:p>
+            <a:r>
+              <a:rPr lang="zh-CN" altLang="en-US" dirty="0"/>
+              <a:t>所以本题的正解</a:t>
+            </a:r>
+            <a:r>
+              <a:rPr lang="zh-CN" altLang="en-US" dirty="0" smtClean="0"/>
+              <a:t>是</a:t>
+            </a:r>
+            <a:r>
+              <a:rPr lang="en-US" altLang="zh-CN" dirty="0" smtClean="0"/>
+              <a:t>DP</a:t>
+            </a:r>
+            <a:endParaRPr lang="zh-CN" altLang="en-US" dirty="0"/>
           </a:p>
         </p:txBody>
       </p:sp>
     </p:spTree>
     <p:extLst>
       <p:ext uri="{BB962C8B-B14F-4D97-AF65-F5344CB8AC3E}">
-        <p14:creationId xmlns:p14="http://schemas.microsoft.com/office/powerpoint/2010/main" val="3996546272"/>
+        <p14:creationId xmlns:p14="http://schemas.microsoft.com/office/powerpoint/2010/main" val="1302561163"/>
       </p:ext>
     </p:extLst>
   </p:cSld>
@@ -4308,7 +5306,7 @@
           <a:p>
             <a:r>
               <a:rPr lang="zh-CN" altLang="en-US" dirty="0" smtClean="0"/>
-              <a:t>典型可贪心问题</a:t>
+              <a:t>例题</a:t>
             </a:r>
             <a:endParaRPr lang="zh-CN" altLang="en-US" dirty="0"/>
           </a:p>
@@ -4326,30 +5324,24 @@
         </p:nvSpPr>
         <p:spPr/>
         <p:txBody>
-          <a:bodyPr>
-            <a:normAutofit/>
-          </a:bodyPr>
-          <a:lstStyle/>
-          <a:p>
-            <a:r>
-              <a:rPr lang="zh-CN" altLang="en-US" dirty="0" smtClean="0"/>
-              <a:t>给</a:t>
-            </a:r>
+          <a:bodyPr/>
+          <a:lstStyle/>
+          <a:p>
             <a:r>
               <a:rPr lang="en-US" altLang="zh-CN" dirty="0" smtClean="0"/>
               <a:t>n</a:t>
             </a:r>
             <a:r>
-              <a:rPr lang="zh-CN" altLang="en-US" dirty="0" smtClean="0"/>
-              <a:t>个闭区间，选择尽量少的区间覆盖一个给定区间</a:t>
+              <a:rPr lang="zh-CN" altLang="en-US" dirty="0"/>
+              <a:t>个人，已知每个人体重。独木舟承重固定，每只独木舟最多坐两个人，可以坐一个人或者两个人。显然要求总重量不超过独木舟承重，假设每个人体重也不超过独木舟承重，问最少需要几只独木舟</a:t>
+            </a:r>
+            <a:r>
+              <a:rPr lang="zh-CN" altLang="en-US" dirty="0" smtClean="0"/>
+              <a:t>？</a:t>
             </a:r>
             <a:endParaRPr lang="en-US" altLang="zh-CN" dirty="0" smtClean="0"/>
           </a:p>
           <a:p>
-            <a:r>
-              <a:rPr lang="zh-CN" altLang="en-US" dirty="0" smtClean="0"/>
-              <a:t>先把给定区间以外的部分切掉，然后把各区间按左端点升序排序，扫描一次即可，每次选择左端点在当前区间右端左方的最长区间</a:t>
-            </a:r>
             <a:endParaRPr lang="en-US" altLang="zh-CN" dirty="0" smtClean="0"/>
           </a:p>
         </p:txBody>
@@ -4357,7 +5349,7 @@
     </p:spTree>
     <p:extLst>
       <p:ext uri="{BB962C8B-B14F-4D97-AF65-F5344CB8AC3E}">
-        <p14:creationId xmlns:p14="http://schemas.microsoft.com/office/powerpoint/2010/main" val="1454518660"/>
+        <p14:creationId xmlns:p14="http://schemas.microsoft.com/office/powerpoint/2010/main" val="3549906575"/>
       </p:ext>
     </p:extLst>
   </p:cSld>
@@ -4386,41 +5378,7 @@
       </p:grpSpPr>
       <p:sp>
         <p:nvSpPr>
-          <p:cNvPr id="2" name="标题 1"/>
-          <p:cNvSpPr>
-            <a:spLocks noGrp="1"/>
-          </p:cNvSpPr>
-          <p:nvPr>
-            <p:ph type="title"/>
-          </p:nvPr>
-        </p:nvSpPr>
-        <p:spPr/>
-        <p:txBody>
-          <a:bodyPr/>
-          <a:lstStyle/>
-          <a:p>
-            <a:r>
-              <a:rPr lang="zh-CN" altLang="en-US" dirty="0" smtClean="0"/>
-              <a:t>例</a:t>
-            </a:r>
-            <a:r>
-              <a:rPr lang="en-US" altLang="zh-CN" dirty="0" smtClean="0"/>
-              <a:t>:</a:t>
-            </a:r>
-            <a:r>
-              <a:rPr lang="zh-CN" altLang="en-US" dirty="0" smtClean="0"/>
-              <a:t>贪心</a:t>
-            </a:r>
-            <a:r>
-              <a:rPr lang="zh-CN" altLang="en-US" dirty="0"/>
-              <a:t>法不适用的情况</a:t>
-            </a:r>
-          </a:p>
-        </p:txBody>
-      </p:sp>
-      <p:sp>
-        <p:nvSpPr>
-          <p:cNvPr id="3" name="内容占位符 2"/>
+          <p:cNvPr id="4" name="内容占位符 3"/>
           <p:cNvSpPr>
             <a:spLocks noGrp="1"/>
           </p:cNvSpPr>
@@ -4428,77 +5386,266 @@
             <p:ph idx="1"/>
           </p:nvPr>
         </p:nvSpPr>
-        <p:spPr/>
-        <p:txBody>
-          <a:bodyPr/>
-          <a:lstStyle/>
-          <a:p>
-            <a:r>
-              <a:rPr lang="zh-CN" altLang="en-US" dirty="0" smtClean="0"/>
-              <a:t>给</a:t>
-            </a:r>
-            <a:r>
-              <a:rPr lang="en-US" altLang="zh-CN" dirty="0" smtClean="0"/>
-              <a:t>n</a:t>
-            </a:r>
-            <a:r>
-              <a:rPr lang="zh-CN" altLang="en-US" dirty="0"/>
-              <a:t>个家庭作业</a:t>
-            </a:r>
-            <a:r>
-              <a:rPr lang="zh-CN" altLang="en-US" dirty="0" smtClean="0"/>
-              <a:t>，每个</a:t>
-            </a:r>
-            <a:r>
-              <a:rPr lang="zh-CN" altLang="en-US" dirty="0"/>
-              <a:t>家庭作业的完成期限和花费</a:t>
-            </a:r>
-            <a:r>
-              <a:rPr lang="zh-CN" altLang="en-US" dirty="0" smtClean="0"/>
-              <a:t>的</a:t>
-            </a:r>
-            <a:r>
-              <a:rPr lang="zh-CN" altLang="en-US" dirty="0"/>
-              <a:t>时间</a:t>
-            </a:r>
-            <a:r>
-              <a:rPr lang="zh-CN" altLang="en-US" dirty="0" smtClean="0"/>
-              <a:t>，</a:t>
-            </a:r>
-            <a:r>
-              <a:rPr lang="zh-CN" altLang="en-US" dirty="0"/>
-              <a:t>如果完成时间超过了期限，那么就要扣除分数，然后让你找出一个最优方案使扣除的分数最少，当存在多种方案时，输出字典序最小的</a:t>
-            </a:r>
-            <a:r>
-              <a:rPr lang="zh-CN" altLang="en-US" dirty="0" smtClean="0"/>
-              <a:t>那种</a:t>
-            </a:r>
-            <a:endParaRPr lang="en-US" altLang="zh-CN" dirty="0" smtClean="0"/>
-          </a:p>
-          <a:p>
-            <a:r>
-              <a:rPr lang="zh-CN" altLang="en-US" dirty="0"/>
-              <a:t>贪心能够算出正确的分数，但是不一定能得到正确的字典序</a:t>
-            </a:r>
-            <a:r>
-              <a:rPr lang="zh-CN" altLang="en-US" dirty="0" smtClean="0"/>
-              <a:t>。</a:t>
-            </a:r>
-            <a:endParaRPr lang="en-US" altLang="zh-CN" dirty="0" smtClean="0"/>
-          </a:p>
-          <a:p>
-            <a:r>
-              <a:rPr lang="zh-CN" altLang="en-US" dirty="0"/>
-              <a:t>所以本题的正解</a:t>
-            </a:r>
-            <a:r>
-              <a:rPr lang="zh-CN" altLang="en-US" dirty="0" smtClean="0"/>
-              <a:t>是</a:t>
-            </a:r>
-            <a:r>
-              <a:rPr lang="en-US" altLang="zh-CN" dirty="0" smtClean="0"/>
-              <a:t>DP</a:t>
-            </a:r>
+        <p:spPr>
+          <a:xfrm>
+            <a:off x="838200" y="324740"/>
+            <a:ext cx="10515600" cy="5852223"/>
+          </a:xfrm>
+        </p:spPr>
+        <p:txBody>
+          <a:bodyPr>
+            <a:normAutofit/>
+          </a:bodyPr>
+          <a:lstStyle/>
+          <a:p>
+            <a:r>
+              <a:rPr lang="zh-CN" altLang="en-US" dirty="0"/>
+              <a:t>考虑最轻的人</a:t>
+            </a:r>
+            <a:r>
+              <a:rPr lang="en-US" altLang="zh-CN" i="1" dirty="0" err="1"/>
+              <a:t>i</a:t>
+            </a:r>
+            <a:r>
+              <a:rPr lang="zh-CN" altLang="en-US" dirty="0"/>
+              <a:t>，他应该和谁一起坐呢？如果每个人都无法和他一起坐船，则唯一的</a:t>
+            </a:r>
+            <a:r>
+              <a:rPr lang="zh-CN" altLang="en-US" dirty="0" smtClean="0"/>
+              <a:t>方案</a:t>
+            </a:r>
+            <a:r>
+              <a:rPr lang="zh-CN" altLang="en-US" dirty="0"/>
+              <a:t>就是每人坐一艘船</a:t>
+            </a:r>
+            <a:r>
+              <a:rPr lang="zh-CN" altLang="en-US" dirty="0" smtClean="0"/>
+              <a:t>（因为最轻的人都无法和其他人一起坐船）</a:t>
+            </a:r>
+            <a:r>
+              <a:rPr lang="zh-CN" altLang="en-US" dirty="0"/>
+              <a:t>。 否则，他应该选择能和他一起坐船的人中最重</a:t>
+            </a:r>
+            <a:r>
+              <a:rPr lang="zh-CN" altLang="en-US" dirty="0" smtClean="0"/>
+              <a:t>的一</a:t>
+            </a:r>
+            <a:r>
+              <a:rPr lang="zh-CN" altLang="en-US" dirty="0"/>
+              <a:t>个</a:t>
+            </a:r>
+            <a:r>
+              <a:rPr lang="en-US" altLang="zh-CN" i="1" dirty="0"/>
+              <a:t>j</a:t>
+            </a:r>
+            <a:r>
+              <a:rPr lang="zh-CN" altLang="en-US" dirty="0"/>
+              <a:t>。 这样的方法是贪心的，因此它只是让“眼前”的浪费最少。 幸运的是，这个贪心</a:t>
+            </a:r>
+            <a:r>
+              <a:rPr lang="zh-CN" altLang="en-US" dirty="0" smtClean="0"/>
+              <a:t>策略也</a:t>
+            </a:r>
+            <a:r>
+              <a:rPr lang="zh-CN" altLang="en-US" dirty="0"/>
+              <a:t>是对的，可以用反证法说明。</a:t>
+            </a:r>
+            <a:br>
+              <a:rPr lang="zh-CN" altLang="en-US" dirty="0"/>
+            </a:br>
+            <a:r>
+              <a:rPr lang="zh-CN" altLang="en-US" dirty="0"/>
+              <a:t>假设这样做不是最好的，那么最好方案中</a:t>
+            </a:r>
+            <a:r>
+              <a:rPr lang="en-US" altLang="zh-CN" i="1" dirty="0" err="1"/>
+              <a:t>i</a:t>
+            </a:r>
+            <a:r>
+              <a:rPr lang="zh-CN" altLang="en-US" dirty="0"/>
+              <a:t>是什么样的呢？</a:t>
+            </a:r>
+            <a:br>
+              <a:rPr lang="zh-CN" altLang="en-US" dirty="0"/>
+            </a:br>
+            <a:r>
+              <a:rPr lang="zh-CN" altLang="en-US" dirty="0"/>
+              <a:t>情况</a:t>
+            </a:r>
+            <a:r>
+              <a:rPr lang="en-US" altLang="zh-CN" b="1" dirty="0"/>
+              <a:t>1</a:t>
+            </a:r>
+            <a:r>
+              <a:rPr lang="zh-CN" altLang="en-US" dirty="0"/>
+              <a:t>：</a:t>
+            </a:r>
+            <a:r>
+              <a:rPr lang="en-US" altLang="zh-CN" i="1" dirty="0" err="1"/>
+              <a:t>i</a:t>
+            </a:r>
+            <a:r>
+              <a:rPr lang="zh-CN" altLang="en-US" dirty="0"/>
+              <a:t>不和任何一个人坐同一艘船，那么可以把</a:t>
+            </a:r>
+            <a:r>
+              <a:rPr lang="en-US" altLang="zh-CN" i="1" dirty="0"/>
+              <a:t>j</a:t>
+            </a:r>
+            <a:r>
+              <a:rPr lang="zh-CN" altLang="en-US" dirty="0"/>
+              <a:t>拉过来和他一起坐，总船数不会</a:t>
+            </a:r>
+            <a:r>
+              <a:rPr lang="zh-CN" altLang="en-US" dirty="0" smtClean="0"/>
+              <a:t>增加</a:t>
+            </a:r>
+            <a:r>
+              <a:rPr lang="zh-CN" altLang="en-US" dirty="0"/>
+              <a:t>（而且可能会减少）。</a:t>
+            </a:r>
+            <a:br>
+              <a:rPr lang="zh-CN" altLang="en-US" dirty="0"/>
+            </a:br>
+            <a:r>
+              <a:rPr lang="zh-CN" altLang="en-US" dirty="0"/>
+              <a:t>情况</a:t>
+            </a:r>
+            <a:r>
+              <a:rPr lang="en-US" altLang="zh-CN" b="1" dirty="0"/>
+              <a:t>2</a:t>
+            </a:r>
+            <a:r>
+              <a:rPr lang="zh-CN" altLang="en-US" dirty="0"/>
+              <a:t>：</a:t>
+            </a:r>
+            <a:r>
+              <a:rPr lang="en-US" altLang="zh-CN" i="1" dirty="0" err="1"/>
+              <a:t>i</a:t>
+            </a:r>
+            <a:r>
+              <a:rPr lang="zh-CN" altLang="en-US" dirty="0"/>
+              <a:t>和另外一人</a:t>
+            </a:r>
+            <a:r>
+              <a:rPr lang="en-US" altLang="zh-CN" i="1" dirty="0"/>
+              <a:t>k</a:t>
+            </a:r>
+            <a:r>
+              <a:rPr lang="zh-CN" altLang="en-US" dirty="0"/>
+              <a:t>同船。 由贪心策略，</a:t>
+            </a:r>
+            <a:r>
+              <a:rPr lang="en-US" altLang="zh-CN" i="1" dirty="0"/>
+              <a:t>j</a:t>
+            </a:r>
+            <a:r>
+              <a:rPr lang="zh-CN" altLang="en-US" dirty="0"/>
+              <a:t>是“可以和</a:t>
+            </a:r>
+            <a:r>
+              <a:rPr lang="en-US" altLang="zh-CN" i="1" dirty="0" err="1"/>
+              <a:t>i</a:t>
+            </a:r>
+            <a:r>
+              <a:rPr lang="zh-CN" altLang="en-US" dirty="0"/>
+              <a:t>一起坐船的人”中最重的，</a:t>
+            </a:r>
+            <a:r>
+              <a:rPr lang="zh-CN" altLang="en-US" dirty="0" smtClean="0"/>
+              <a:t>因此</a:t>
+            </a:r>
+            <a:r>
+              <a:rPr lang="en-US" altLang="zh-CN" i="1" dirty="0"/>
+              <a:t>k</a:t>
+            </a:r>
+            <a:r>
+              <a:rPr lang="zh-CN" altLang="en-US" dirty="0"/>
+              <a:t>比</a:t>
+            </a:r>
+            <a:r>
+              <a:rPr lang="en-US" altLang="zh-CN" i="1" dirty="0"/>
+              <a:t>j</a:t>
+            </a:r>
+            <a:r>
+              <a:rPr lang="zh-CN" altLang="en-US" dirty="0"/>
+              <a:t>轻。 把</a:t>
+            </a:r>
+            <a:r>
+              <a:rPr lang="en-US" altLang="zh-CN" i="1" dirty="0"/>
+              <a:t>j</a:t>
+            </a:r>
+            <a:r>
+              <a:rPr lang="zh-CN" altLang="en-US" dirty="0"/>
+              <a:t>和</a:t>
+            </a:r>
+            <a:r>
+              <a:rPr lang="en-US" altLang="zh-CN" i="1" dirty="0"/>
+              <a:t>k</a:t>
+            </a:r>
+            <a:r>
+              <a:rPr lang="zh-CN" altLang="en-US" dirty="0"/>
+              <a:t>交换后</a:t>
+            </a:r>
+            <a:r>
+              <a:rPr lang="en-US" altLang="zh-CN" i="1" dirty="0"/>
+              <a:t>k</a:t>
+            </a:r>
+            <a:r>
+              <a:rPr lang="zh-CN" altLang="en-US" dirty="0"/>
+              <a:t>所在的船仍然不会超重（因为</a:t>
+            </a:r>
+            <a:r>
+              <a:rPr lang="en-US" altLang="zh-CN" i="1" dirty="0"/>
+              <a:t>k</a:t>
+            </a:r>
+            <a:r>
+              <a:rPr lang="zh-CN" altLang="en-US" dirty="0"/>
+              <a:t>比</a:t>
+            </a:r>
+            <a:r>
+              <a:rPr lang="en-US" altLang="zh-CN" i="1" dirty="0"/>
+              <a:t>j</a:t>
+            </a:r>
+            <a:r>
+              <a:rPr lang="zh-CN" altLang="en-US" dirty="0"/>
+              <a:t>轻），而</a:t>
+            </a:r>
+            <a:r>
+              <a:rPr lang="en-US" altLang="zh-CN" i="1" dirty="0" err="1"/>
+              <a:t>i</a:t>
+            </a:r>
+            <a:r>
+              <a:rPr lang="zh-CN" altLang="en-US" dirty="0"/>
+              <a:t>和</a:t>
+            </a:r>
+            <a:r>
+              <a:rPr lang="en-US" altLang="zh-CN" i="1" dirty="0" smtClean="0"/>
+              <a:t>j</a:t>
+            </a:r>
+            <a:r>
+              <a:rPr lang="zh-CN" altLang="en-US" dirty="0"/>
+              <a:t>所在的船也不会</a:t>
+            </a:r>
+            <a:r>
+              <a:rPr lang="zh-CN" altLang="en-US" dirty="0" smtClean="0"/>
+              <a:t>超重</a:t>
+            </a:r>
+            <a:r>
+              <a:rPr lang="zh-CN" altLang="en-US" dirty="0"/>
+              <a:t>（由贪心法过程），因此所得到的新解不会更</a:t>
+            </a:r>
+            <a:r>
+              <a:rPr lang="zh-CN" altLang="en-US" dirty="0" smtClean="0"/>
+              <a:t>差。</a:t>
+            </a:r>
+            <a:r>
+              <a:rPr lang="zh-CN" altLang="en-US" dirty="0"/>
+              <a:t/>
+            </a:r>
+            <a:br>
+              <a:rPr lang="zh-CN" altLang="en-US" dirty="0"/>
+            </a:br>
             <a:endParaRPr lang="zh-CN" altLang="en-US" dirty="0"/>
           </a:p>
         </p:txBody>
@@ -4506,7 +5653,7 @@
     </p:spTree>
     <p:extLst>
       <p:ext uri="{BB962C8B-B14F-4D97-AF65-F5344CB8AC3E}">
-        <p14:creationId xmlns:p14="http://schemas.microsoft.com/office/powerpoint/2010/main" val="1302561163"/>
+        <p14:creationId xmlns:p14="http://schemas.microsoft.com/office/powerpoint/2010/main" val="2465979588"/>
       </p:ext>
     </p:extLst>
   </p:cSld>
@@ -4568,32 +5715,77 @@
         </p:nvSpPr>
         <p:spPr/>
         <p:txBody>
-          <a:bodyPr/>
-          <a:lstStyle/>
-          <a:p>
-            <a:r>
-              <a:rPr lang="en-US" altLang="zh-CN" dirty="0" smtClean="0"/>
+          <a:bodyPr>
+            <a:normAutofit/>
+          </a:bodyPr>
+          <a:lstStyle/>
+          <a:p>
+            <a:r>
+              <a:rPr lang="zh-CN" altLang="en-US" dirty="0" smtClean="0"/>
+              <a:t>数轴</a:t>
+            </a:r>
+            <a:r>
+              <a:rPr lang="zh-CN" altLang="en-US" dirty="0"/>
+              <a:t>上有</a:t>
+            </a:r>
+            <a:r>
+              <a:rPr lang="en-US" altLang="zh-CN" i="1" dirty="0"/>
               <a:t>n</a:t>
             </a:r>
             <a:r>
               <a:rPr lang="zh-CN" altLang="en-US" dirty="0"/>
-              <a:t>个人，已知每个人体重。独木舟承重固定，每只独木舟最多坐两个人，可以坐一个人或者两个人。显然要求总重量不超过独木舟承重，假设每个人体重也不超过独木舟承重，问最少需要几只独木舟</a:t>
-            </a:r>
-            <a:r>
-              <a:rPr lang="zh-CN" altLang="en-US" dirty="0" smtClean="0"/>
-              <a:t>？</a:t>
-            </a:r>
-            <a:endParaRPr lang="en-US" altLang="zh-CN" dirty="0" smtClean="0"/>
-          </a:p>
-          <a:p>
-            <a:endParaRPr lang="en-US" altLang="zh-CN" dirty="0" smtClean="0"/>
+              <a:t>个开区间</a:t>
+            </a:r>
+            <a:r>
+              <a:rPr lang="en-US" altLang="zh-CN" dirty="0"/>
+              <a:t>(</a:t>
+            </a:r>
+            <a:r>
+              <a:rPr lang="en-US" altLang="zh-CN" i="1" dirty="0" err="1"/>
+              <a:t>ai</a:t>
+            </a:r>
+            <a:r>
+              <a:rPr lang="en-US" altLang="zh-CN" dirty="0"/>
+              <a:t>, </a:t>
+            </a:r>
+            <a:r>
+              <a:rPr lang="en-US" altLang="zh-CN" i="1" dirty="0"/>
+              <a:t>bi</a:t>
+            </a:r>
+            <a:r>
+              <a:rPr lang="en-US" altLang="zh-CN" dirty="0"/>
+              <a:t>)</a:t>
+            </a:r>
+            <a:r>
+              <a:rPr lang="zh-CN" altLang="en-US" dirty="0"/>
+              <a:t>。 选择尽量多个区间，使得这些区间</a:t>
+            </a:r>
+            <a:r>
+              <a:rPr lang="zh-CN" altLang="en-US" dirty="0" smtClean="0"/>
+              <a:t>两两没有</a:t>
+            </a:r>
+            <a:r>
+              <a:rPr lang="zh-CN" altLang="en-US" dirty="0"/>
+              <a:t>公共点。</a:t>
+            </a:r>
+            <a:br>
+              <a:rPr lang="zh-CN" altLang="en-US" dirty="0"/>
+            </a:br>
+            <a:r>
+              <a:rPr lang="zh-CN" altLang="en-US" dirty="0"/>
+              <a:t/>
+            </a:r>
+            <a:br>
+              <a:rPr lang="zh-CN" altLang="en-US" dirty="0"/>
+            </a:br>
+            <a:endParaRPr lang="zh-CN" altLang="en-US" dirty="0"/>
           </a:p>
         </p:txBody>
       </p:sp>
     </p:spTree>
     <p:extLst>
       <p:ext uri="{BB962C8B-B14F-4D97-AF65-F5344CB8AC3E}">
-        <p14:creationId xmlns:p14="http://schemas.microsoft.com/office/powerpoint/2010/main" val="3549906575"/>
+        <p14:creationId xmlns:p14="http://schemas.microsoft.com/office/powerpoint/2010/main" val="3887510487"/>
       </p:ext>
     </p:extLst>
   </p:cSld>
